--- a/mid_term_project/data_analysis_midterm_project_slide.pptx
+++ b/mid_term_project/data_analysis_midterm_project_slide.pptx
@@ -5,7 +5,7 @@
     <p:sldMasterId id="2147483660" r:id="rId1"/>
   </p:sldMasterIdLst>
   <p:notesMasterIdLst>
-    <p:notesMasterId r:id="rId30"/>
+    <p:notesMasterId r:id="rId34"/>
   </p:notesMasterIdLst>
   <p:sldIdLst>
     <p:sldId id="285" r:id="rId2"/>
@@ -35,18 +35,30 @@
     <p:sldId id="447" r:id="rId26"/>
     <p:sldId id="448" r:id="rId27"/>
     <p:sldId id="449" r:id="rId28"/>
-    <p:sldId id="423" r:id="rId29"/>
+    <p:sldId id="451" r:id="rId29"/>
+    <p:sldId id="452" r:id="rId30"/>
+    <p:sldId id="450" r:id="rId31"/>
+    <p:sldId id="454" r:id="rId32"/>
+    <p:sldId id="423" r:id="rId33"/>
   </p:sldIdLst>
   <p:sldSz cx="9144000" cy="6858000" type="screen4x3"/>
   <p:notesSz cx="6858000" cy="9144000"/>
   <p:embeddedFontLst>
     <p:embeddedFont>
+      <p:font typeface="BM HANNA Pro OTF" panose="020B0600000101010101" pitchFamily="34" charset="-127"/>
+      <p:regular r:id="rId35"/>
+    </p:embeddedFont>
+    <p:embeddedFont>
+      <p:font typeface="BM JUA OTF" panose="02020603020101020101" pitchFamily="18" charset="-127"/>
+      <p:regular r:id="rId36"/>
+    </p:embeddedFont>
+    <p:embeddedFont>
       <p:font typeface="Cambria Math" panose="02040503050406030204" pitchFamily="18" charset="0"/>
-      <p:regular r:id="rId31"/>
+      <p:regular r:id="rId37"/>
     </p:embeddedFont>
     <p:embeddedFont>
       <p:font typeface="Varela Round" pitchFamily="2" charset="-79"/>
-      <p:regular r:id="rId32"/>
+      <p:regular r:id="rId38"/>
     </p:embeddedFont>
   </p:embeddedFontLst>
   <p:defaultTextStyle>
@@ -2994,6 +3006,118 @@
   <p:cSld>
     <p:spTree>
       <p:nvGrpSpPr>
+        <p:cNvPr id="1" name="">
+          <a:extLst>
+            <a:ext uri="{FF2B5EF4-FFF2-40B4-BE49-F238E27FC236}">
+              <a16:creationId xmlns:a16="http://schemas.microsoft.com/office/drawing/2014/main" id="{DB7874EE-9964-C654-8060-B6D6E8D1D36E}"/>
+            </a:ext>
+          </a:extLst>
+        </p:cNvPr>
+        <p:cNvGrpSpPr/>
+        <p:nvPr/>
+      </p:nvGrpSpPr>
+      <p:grpSpPr>
+        <a:xfrm>
+          <a:off x="0" y="0"/>
+          <a:ext cx="0" cy="0"/>
+          <a:chOff x="0" y="0"/>
+          <a:chExt cx="0" cy="0"/>
+        </a:xfrm>
+      </p:grpSpPr>
+      <p:sp>
+        <p:nvSpPr>
+          <p:cNvPr id="2" name="슬라이드 이미지 개체 틀 1">
+            <a:extLst>
+              <a:ext uri="{FF2B5EF4-FFF2-40B4-BE49-F238E27FC236}">
+                <a16:creationId xmlns:a16="http://schemas.microsoft.com/office/drawing/2014/main" id="{D0CFD0E0-239E-882F-0FF9-3D0221B34BB5}"/>
+              </a:ext>
+            </a:extLst>
+          </p:cNvPr>
+          <p:cNvSpPr>
+            <a:spLocks noGrp="1" noRot="1" noChangeAspect="1"/>
+          </p:cNvSpPr>
+          <p:nvPr>
+            <p:ph type="sldImg"/>
+          </p:nvPr>
+        </p:nvSpPr>
+        <p:spPr/>
+      </p:sp>
+      <p:sp>
+        <p:nvSpPr>
+          <p:cNvPr id="3" name="슬라이드 노트 개체 틀 2">
+            <a:extLst>
+              <a:ext uri="{FF2B5EF4-FFF2-40B4-BE49-F238E27FC236}">
+                <a16:creationId xmlns:a16="http://schemas.microsoft.com/office/drawing/2014/main" id="{7728646D-4A6B-D142-6FE3-6EBCF103A126}"/>
+              </a:ext>
+            </a:extLst>
+          </p:cNvPr>
+          <p:cNvSpPr>
+            <a:spLocks noGrp="1"/>
+          </p:cNvSpPr>
+          <p:nvPr>
+            <p:ph type="body" idx="1"/>
+          </p:nvPr>
+        </p:nvSpPr>
+        <p:spPr/>
+        <p:txBody>
+          <a:bodyPr/>
+          <a:lstStyle/>
+          <a:p>
+            <a:r>
+              <a:rPr kumimoji="1" lang="en-US" altLang="ko-KR" dirty="0"/>
+              <a:t>Okay. Let’s start with introduction</a:t>
+            </a:r>
+            <a:endParaRPr kumimoji="1" lang="ko-KR" altLang="en-US" dirty="0"/>
+          </a:p>
+        </p:txBody>
+      </p:sp>
+      <p:sp>
+        <p:nvSpPr>
+          <p:cNvPr id="4" name="슬라이드 번호 개체 틀 3">
+            <a:extLst>
+              <a:ext uri="{FF2B5EF4-FFF2-40B4-BE49-F238E27FC236}">
+                <a16:creationId xmlns:a16="http://schemas.microsoft.com/office/drawing/2014/main" id="{2C5D17E8-87A7-827F-2FC8-483570E8B397}"/>
+              </a:ext>
+            </a:extLst>
+          </p:cNvPr>
+          <p:cNvSpPr>
+            <a:spLocks noGrp="1"/>
+          </p:cNvSpPr>
+          <p:nvPr>
+            <p:ph type="sldNum" sz="quarter" idx="5"/>
+          </p:nvPr>
+        </p:nvSpPr>
+        <p:spPr/>
+        <p:txBody>
+          <a:bodyPr/>
+          <a:lstStyle/>
+          <a:p>
+            <a:fld id="{2B31D06E-1F42-374A-8F9D-EDB25416E18C}" type="slidenum">
+              <a:rPr lang="en-KR" smtClean="0"/>
+              <a:t>28</a:t>
+            </a:fld>
+            <a:endParaRPr lang="en-KR"/>
+          </a:p>
+        </p:txBody>
+      </p:sp>
+    </p:spTree>
+    <p:extLst>
+      <p:ext uri="{BB962C8B-B14F-4D97-AF65-F5344CB8AC3E}">
+        <p14:creationId xmlns:p14="http://schemas.microsoft.com/office/powerpoint/2010/main" val="720369559"/>
+      </p:ext>
+    </p:extLst>
+  </p:cSld>
+  <p:clrMapOvr>
+    <a:masterClrMapping/>
+  </p:clrMapOvr>
+</p:notes>
+</file>
+
+<file path=ppt/notesSlides/notesSlide29.xml><?xml version="1.0" encoding="utf-8"?>
+<p:notes xmlns:a="http://schemas.openxmlformats.org/drawingml/2006/main" xmlns:r="http://schemas.openxmlformats.org/officeDocument/2006/relationships" xmlns:p="http://schemas.openxmlformats.org/presentationml/2006/main">
+  <p:cSld>
+    <p:spTree>
+      <p:nvGrpSpPr>
         <p:cNvPr id="1" name=""/>
         <p:cNvGrpSpPr/>
         <p:nvPr/>
@@ -3071,7 +3195,7 @@
           <a:p>
             <a:fld id="{2B31D06E-1F42-374A-8F9D-EDB25416E18C}" type="slidenum">
               <a:rPr lang="en-KR" smtClean="0"/>
-              <a:t>28</a:t>
+              <a:t>32</a:t>
             </a:fld>
             <a:endParaRPr lang="en-KR"/>
           </a:p>
@@ -7109,17 +7233,21 @@
           <a:lstStyle/>
           <a:p>
             <a:r>
-              <a:rPr lang="en-US" sz="3200" dirty="0">
+              <a:rPr lang="en-US" sz="4000" dirty="0">
                 <a:solidFill>
                   <a:srgbClr val="0070C0"/>
                 </a:solidFill>
+                <a:latin typeface="BM JUA OTF" panose="02020603020101020101" pitchFamily="18" charset="-127"/>
+                <a:ea typeface="BM JUA OTF" panose="02020603020101020101" pitchFamily="18" charset="-127"/>
               </a:rPr>
               <a:t>Automobile Accidents</a:t>
             </a:r>
-            <a:endParaRPr lang="en-KR" sz="3200" dirty="0">
+            <a:endParaRPr lang="en-KR" sz="4000" dirty="0">
               <a:solidFill>
                 <a:srgbClr val="0070C0"/>
               </a:solidFill>
+              <a:latin typeface="BM JUA OTF" panose="02020603020101020101" pitchFamily="18" charset="-127"/>
+              <a:ea typeface="BM JUA OTF" panose="02020603020101020101" pitchFamily="18" charset="-127"/>
             </a:endParaRPr>
           </a:p>
         </p:txBody>
@@ -7154,25 +7282,29 @@
           <a:p>
             <a:r>
               <a:rPr lang="en-US" sz="3200" b="0" dirty="0" err="1">
-                <a:latin typeface="Varela Round" pitchFamily="2" charset="-79"/>
+                <a:latin typeface="BM JUA OTF" panose="02020603020101020101" pitchFamily="18" charset="-127"/>
+                <a:ea typeface="BM JUA OTF" panose="02020603020101020101" pitchFamily="18" charset="-127"/>
               </a:rPr>
               <a:t>Sunuk</a:t>
             </a:r>
             <a:r>
               <a:rPr lang="en-US" sz="3200" b="0" dirty="0">
-                <a:latin typeface="Varela Round" pitchFamily="2" charset="-79"/>
+                <a:latin typeface="BM JUA OTF" panose="02020603020101020101" pitchFamily="18" charset="-127"/>
+                <a:ea typeface="BM JUA OTF" panose="02020603020101020101" pitchFamily="18" charset="-127"/>
               </a:rPr>
               <a:t> Kim, Minseo </a:t>
             </a:r>
             <a:r>
               <a:rPr lang="en-US" sz="3200" b="0" dirty="0" err="1">
-                <a:latin typeface="Varela Round" pitchFamily="2" charset="-79"/>
+                <a:latin typeface="BM JUA OTF" panose="02020603020101020101" pitchFamily="18" charset="-127"/>
+                <a:ea typeface="BM JUA OTF" panose="02020603020101020101" pitchFamily="18" charset="-127"/>
               </a:rPr>
               <a:t>Jeonn</a:t>
             </a:r>
             <a:r>
               <a:rPr lang="en-US" sz="3200" b="0" dirty="0">
-                <a:latin typeface="Varela Round" pitchFamily="2" charset="-79"/>
+                <a:latin typeface="BM JUA OTF" panose="02020603020101020101" pitchFamily="18" charset="-127"/>
+                <a:ea typeface="BM JUA OTF" panose="02020603020101020101" pitchFamily="18" charset="-127"/>
               </a:rPr>
               <a:t>, </a:t>
             </a:r>
@@ -7180,34 +7312,40 @@
           <a:p>
             <a:r>
               <a:rPr lang="en-US" sz="3200" b="0" dirty="0" err="1">
-                <a:latin typeface="Varela Round" pitchFamily="2" charset="-79"/>
+                <a:latin typeface="BM JUA OTF" panose="02020603020101020101" pitchFamily="18" charset="-127"/>
+                <a:ea typeface="BM JUA OTF" panose="02020603020101020101" pitchFamily="18" charset="-127"/>
               </a:rPr>
               <a:t>Doeon</a:t>
             </a:r>
             <a:r>
               <a:rPr lang="en-US" sz="3200" b="0" dirty="0">
-                <a:latin typeface="Varela Round" pitchFamily="2" charset="-79"/>
+                <a:latin typeface="BM JUA OTF" panose="02020603020101020101" pitchFamily="18" charset="-127"/>
+                <a:ea typeface="BM JUA OTF" panose="02020603020101020101" pitchFamily="18" charset="-127"/>
               </a:rPr>
               <a:t> Kim</a:t>
             </a:r>
             <a:endParaRPr lang="en-KR" sz="3200" b="0" dirty="0">
-              <a:latin typeface="Varela Round" pitchFamily="2" charset="-79"/>
+              <a:latin typeface="BM JUA OTF" panose="02020603020101020101" pitchFamily="18" charset="-127"/>
+              <a:ea typeface="BM JUA OTF" panose="02020603020101020101" pitchFamily="18" charset="-127"/>
             </a:endParaRPr>
           </a:p>
           <a:p>
             <a:endParaRPr lang="en-KR" b="0" dirty="0">
-              <a:latin typeface="Varela Round" pitchFamily="2" charset="-79"/>
+              <a:latin typeface="BM JUA OTF" panose="02020603020101020101" pitchFamily="18" charset="-127"/>
+              <a:ea typeface="BM JUA OTF" panose="02020603020101020101" pitchFamily="18" charset="-127"/>
             </a:endParaRPr>
           </a:p>
           <a:p>
             <a:r>
               <a:rPr lang="en-US" sz="3200" dirty="0">
-                <a:latin typeface="Varela Round" pitchFamily="2" charset="-79"/>
+                <a:latin typeface="BM JUA OTF" panose="02020603020101020101" pitchFamily="18" charset="-127"/>
+                <a:ea typeface="BM JUA OTF" panose="02020603020101020101" pitchFamily="18" charset="-127"/>
               </a:rPr>
               <a:t>Data Analysis Project(mid)</a:t>
             </a:r>
             <a:endParaRPr lang="en-KR" sz="3200" dirty="0">
-              <a:latin typeface="Varela Round" pitchFamily="2" charset="-79"/>
+              <a:latin typeface="BM JUA OTF" panose="02020603020101020101" pitchFamily="18" charset="-127"/>
+              <a:ea typeface="BM JUA OTF" panose="02020603020101020101" pitchFamily="18" charset="-127"/>
             </a:endParaRPr>
           </a:p>
         </p:txBody>
@@ -7239,11 +7377,17 @@
           <a:lstStyle/>
           <a:p>
             <a:fld id="{EB02D1FF-6DD7-AC44-8165-5996AD7643D9}" type="slidenum">
-              <a:rPr lang="en-KR" smtClean="0"/>
+              <a:rPr lang="en-KR" smtClean="0">
+                <a:latin typeface="BM JUA OTF" panose="02020603020101020101" pitchFamily="18" charset="-127"/>
+                <a:ea typeface="BM JUA OTF" panose="02020603020101020101" pitchFamily="18" charset="-127"/>
+              </a:rPr>
               <a:pPr/>
               <a:t>1</a:t>
             </a:fld>
-            <a:endParaRPr lang="en-KR" dirty="0"/>
+            <a:endParaRPr lang="en-KR" dirty="0">
+              <a:latin typeface="BM JUA OTF" panose="02020603020101020101" pitchFamily="18" charset="-127"/>
+              <a:ea typeface="BM JUA OTF" panose="02020603020101020101" pitchFamily="18" charset="-127"/>
+            </a:endParaRPr>
           </a:p>
         </p:txBody>
       </p:sp>
@@ -7274,10 +7418,16 @@
           <a:lstStyle/>
           <a:p>
             <a:r>
-              <a:rPr lang="en-US"/>
+              <a:rPr lang="en-US">
+                <a:latin typeface="BM JUA OTF" panose="02020603020101020101" pitchFamily="18" charset="-127"/>
+                <a:ea typeface="BM JUA OTF" panose="02020603020101020101" pitchFamily="18" charset="-127"/>
+              </a:rPr>
               <a:t>Oct 2024</a:t>
             </a:r>
-            <a:endParaRPr lang="en-KR" dirty="0"/>
+            <a:endParaRPr lang="en-KR" dirty="0">
+              <a:latin typeface="BM JUA OTF" panose="02020603020101020101" pitchFamily="18" charset="-127"/>
+              <a:ea typeface="BM JUA OTF" panose="02020603020101020101" pitchFamily="18" charset="-127"/>
+            </a:endParaRPr>
           </a:p>
         </p:txBody>
       </p:sp>
@@ -7379,10 +7529,16 @@
           <a:lstStyle/>
           <a:p>
             <a:r>
-              <a:rPr kumimoji="1" lang="en-US" altLang="en-US" dirty="0"/>
+              <a:rPr kumimoji="1" lang="en-US" altLang="en-US" dirty="0">
+                <a:latin typeface="BM JUA OTF" panose="02020603020101020101" pitchFamily="18" charset="-127"/>
+                <a:ea typeface="BM JUA OTF" panose="02020603020101020101" pitchFamily="18" charset="-127"/>
+              </a:rPr>
               <a:t>Weather, Traffic, Injury</a:t>
             </a:r>
-            <a:endParaRPr kumimoji="1" lang="ko-Kore-KR" altLang="en-US" dirty="0"/>
+            <a:endParaRPr kumimoji="1" lang="ko-Kore-KR" altLang="en-US" dirty="0">
+              <a:latin typeface="BM JUA OTF" panose="02020603020101020101" pitchFamily="18" charset="-127"/>
+              <a:ea typeface="BM JUA OTF" panose="02020603020101020101" pitchFamily="18" charset="-127"/>
+            </a:endParaRPr>
           </a:p>
         </p:txBody>
       </p:sp>
@@ -7415,21 +7571,30 @@
           <a:lstStyle/>
           <a:p>
             <a:r>
-              <a:rPr kumimoji="1" lang="en-US" altLang="ko-Kore-KR" dirty="0"/>
+              <a:rPr kumimoji="1" lang="en-US" altLang="ko-Kore-KR" dirty="0">
+                <a:latin typeface="BM JUA OTF" panose="02020603020101020101" pitchFamily="18" charset="-127"/>
+                <a:ea typeface="BM JUA OTF" panose="02020603020101020101" pitchFamily="18" charset="-127"/>
+              </a:rPr>
               <a:t>Analyzing Initial Records</a:t>
             </a:r>
           </a:p>
           <a:p>
             <a:pPr lvl="1"/>
             <a:r>
-              <a:rPr kumimoji="1" lang="en-US" altLang="ko-Kore-KR" dirty="0"/>
+              <a:rPr kumimoji="1" lang="en-US" altLang="ko-Kore-KR" dirty="0">
+                <a:latin typeface="BM JUA OTF" panose="02020603020101020101" pitchFamily="18" charset="-127"/>
+                <a:ea typeface="BM JUA OTF" panose="02020603020101020101" pitchFamily="18" charset="-127"/>
+              </a:rPr>
               <a:t>Selected Records:</a:t>
             </a:r>
           </a:p>
           <a:p>
             <a:pPr lvl="2"/>
             <a:r>
-              <a:rPr kumimoji="1" lang="en-US" altLang="ko-Kore-KR" dirty="0"/>
+              <a:rPr kumimoji="1" lang="en-US" altLang="ko-Kore-KR" dirty="0">
+                <a:latin typeface="BM JUA OTF" panose="02020603020101020101" pitchFamily="18" charset="-127"/>
+                <a:ea typeface="BM JUA OTF" panose="02020603020101020101" pitchFamily="18" charset="-127"/>
+              </a:rPr>
               <a:t>Focus on the </a:t>
             </a:r>
             <a:r>
@@ -7437,18 +7602,26 @@
                 <a:solidFill>
                   <a:srgbClr val="0070C0"/>
                 </a:solidFill>
+                <a:latin typeface="BM JUA OTF" panose="02020603020101020101" pitchFamily="18" charset="-127"/>
+                <a:ea typeface="BM JUA OTF" panose="02020603020101020101" pitchFamily="18" charset="-127"/>
               </a:rPr>
               <a:t>first 12 records </a:t>
             </a:r>
             <a:r>
-              <a:rPr kumimoji="1" lang="en-US" altLang="ko-Kore-KR" dirty="0"/>
+              <a:rPr kumimoji="1" lang="en-US" altLang="ko-Kore-KR" dirty="0">
+                <a:latin typeface="BM JUA OTF" panose="02020603020101020101" pitchFamily="18" charset="-127"/>
+                <a:ea typeface="BM JUA OTF" panose="02020603020101020101" pitchFamily="18" charset="-127"/>
+              </a:rPr>
               <a:t>of the dataset.</a:t>
             </a:r>
           </a:p>
           <a:p>
             <a:pPr lvl="1"/>
             <a:r>
-              <a:rPr kumimoji="1" lang="en-US" altLang="ko-Kore-KR" dirty="0"/>
+              <a:rPr kumimoji="1" lang="en-US" altLang="ko-Kore-KR" dirty="0">
+                <a:latin typeface="BM JUA OTF" panose="02020603020101020101" pitchFamily="18" charset="-127"/>
+                <a:ea typeface="BM JUA OTF" panose="02020603020101020101" pitchFamily="18" charset="-127"/>
+              </a:rPr>
               <a:t>Response Variable:</a:t>
             </a:r>
           </a:p>
@@ -7459,6 +7632,8 @@
                 <a:solidFill>
                   <a:srgbClr val="C00000"/>
                 </a:solidFill>
+                <a:latin typeface="BM JUA OTF" panose="02020603020101020101" pitchFamily="18" charset="-127"/>
+                <a:ea typeface="BM JUA OTF" panose="02020603020101020101" pitchFamily="18" charset="-127"/>
               </a:rPr>
               <a:t>INJURY</a:t>
             </a:r>
@@ -7466,7 +7641,10 @@
           <a:p>
             <a:pPr lvl="1"/>
             <a:r>
-              <a:rPr kumimoji="1" lang="en-US" altLang="ko-Kore-KR" dirty="0"/>
+              <a:rPr kumimoji="1" lang="en-US" altLang="ko-Kore-KR" dirty="0">
+                <a:latin typeface="BM JUA OTF" panose="02020603020101020101" pitchFamily="18" charset="-127"/>
+                <a:ea typeface="BM JUA OTF" panose="02020603020101020101" pitchFamily="18" charset="-127"/>
+              </a:rPr>
               <a:t>Predictor Variables:</a:t>
             </a:r>
           </a:p>
@@ -7477,11 +7655,16 @@
                 <a:solidFill>
                   <a:srgbClr val="0070C0"/>
                 </a:solidFill>
+                <a:latin typeface="BM JUA OTF" panose="02020603020101020101" pitchFamily="18" charset="-127"/>
+                <a:ea typeface="BM JUA OTF" panose="02020603020101020101" pitchFamily="18" charset="-127"/>
               </a:rPr>
               <a:t>WEATHER_R</a:t>
             </a:r>
             <a:r>
-              <a:rPr kumimoji="1" lang="en-US" altLang="ko-Kore-KR" dirty="0"/>
+              <a:rPr kumimoji="1" lang="en-US" altLang="ko-Kore-KR" dirty="0">
+                <a:latin typeface="BM JUA OTF" panose="02020603020101020101" pitchFamily="18" charset="-127"/>
+                <a:ea typeface="BM JUA OTF" panose="02020603020101020101" pitchFamily="18" charset="-127"/>
+              </a:rPr>
               <a:t>: Weather condition (1 = No adverse weather, 2 = Rain/Snow or other adverse weather)</a:t>
             </a:r>
           </a:p>
@@ -7492,11 +7675,16 @@
                 <a:solidFill>
                   <a:srgbClr val="0070C0"/>
                 </a:solidFill>
+                <a:latin typeface="BM JUA OTF" panose="02020603020101020101" pitchFamily="18" charset="-127"/>
+                <a:ea typeface="BM JUA OTF" panose="02020603020101020101" pitchFamily="18" charset="-127"/>
               </a:rPr>
               <a:t>TRAF_CON_R</a:t>
             </a:r>
             <a:r>
-              <a:rPr kumimoji="1" lang="en-US" altLang="ko-Kore-KR" dirty="0"/>
+              <a:rPr kumimoji="1" lang="en-US" altLang="ko-Kore-KR" dirty="0">
+                <a:latin typeface="BM JUA OTF" panose="02020603020101020101" pitchFamily="18" charset="-127"/>
+                <a:ea typeface="BM JUA OTF" panose="02020603020101020101" pitchFamily="18" charset="-127"/>
+              </a:rPr>
               <a:t>: Traffic Control Device (0 = None, 1 = Traffic Right, 2 = Other (signs, traffic police, etc.))</a:t>
             </a:r>
           </a:p>
@@ -7504,7 +7692,10 @@
             <a:pPr marL="0" indent="0">
               <a:buNone/>
             </a:pPr>
-            <a:endParaRPr kumimoji="1" lang="en-US" altLang="ko-Kore-KR" dirty="0"/>
+            <a:endParaRPr kumimoji="1" lang="en-US" altLang="ko-Kore-KR" dirty="0">
+              <a:latin typeface="BM JUA OTF" panose="02020603020101020101" pitchFamily="18" charset="-127"/>
+              <a:ea typeface="BM JUA OTF" panose="02020603020101020101" pitchFamily="18" charset="-127"/>
+            </a:endParaRPr>
           </a:p>
         </p:txBody>
       </p:sp>
@@ -7530,11 +7721,17 @@
           <a:lstStyle/>
           <a:p>
             <a:fld id="{EB02D1FF-6DD7-AC44-8165-5996AD7643D9}" type="slidenum">
-              <a:rPr lang="en-KR" smtClean="0"/>
+              <a:rPr lang="en-KR" smtClean="0">
+                <a:latin typeface="BM JUA OTF" panose="02020603020101020101" pitchFamily="18" charset="-127"/>
+                <a:ea typeface="BM JUA OTF" panose="02020603020101020101" pitchFamily="18" charset="-127"/>
+              </a:rPr>
               <a:pPr/>
               <a:t>10</a:t>
             </a:fld>
-            <a:endParaRPr lang="en-KR" dirty="0"/>
+            <a:endParaRPr lang="en-KR" dirty="0">
+              <a:latin typeface="BM JUA OTF" panose="02020603020101020101" pitchFamily="18" charset="-127"/>
+              <a:ea typeface="BM JUA OTF" panose="02020603020101020101" pitchFamily="18" charset="-127"/>
+            </a:endParaRPr>
           </a:p>
         </p:txBody>
       </p:sp>
@@ -7610,10 +7807,16 @@
           <a:lstStyle/>
           <a:p>
             <a:r>
-              <a:rPr lang="en-US" dirty="0"/>
+              <a:rPr lang="en-US" dirty="0">
+                <a:latin typeface="BM JUA OTF" panose="02020603020101020101" pitchFamily="18" charset="-127"/>
+                <a:ea typeface="BM JUA OTF" panose="02020603020101020101" pitchFamily="18" charset="-127"/>
+              </a:rPr>
               <a:t>Oct 2024</a:t>
             </a:r>
-            <a:endParaRPr lang="en-KR" dirty="0"/>
+            <a:endParaRPr lang="en-KR" dirty="0">
+              <a:latin typeface="BM JUA OTF" panose="02020603020101020101" pitchFamily="18" charset="-127"/>
+              <a:ea typeface="BM JUA OTF" panose="02020603020101020101" pitchFamily="18" charset="-127"/>
+            </a:endParaRPr>
           </a:p>
         </p:txBody>
       </p:sp>
@@ -7685,10 +7888,16 @@
           <a:lstStyle/>
           <a:p>
             <a:r>
-              <a:rPr kumimoji="1" lang="en-US" altLang="en-US" dirty="0"/>
+              <a:rPr kumimoji="1" lang="en-US" altLang="en-US" dirty="0">
+                <a:latin typeface="BM JUA OTF" panose="02020603020101020101" pitchFamily="18" charset="-127"/>
+                <a:ea typeface="BM JUA OTF" panose="02020603020101020101" pitchFamily="18" charset="-127"/>
+              </a:rPr>
               <a:t>Weather, Traffic, Injury</a:t>
             </a:r>
-            <a:endParaRPr kumimoji="1" lang="ko-Kore-KR" altLang="en-US" dirty="0"/>
+            <a:endParaRPr kumimoji="1" lang="ko-Kore-KR" altLang="en-US" dirty="0">
+              <a:latin typeface="BM JUA OTF" panose="02020603020101020101" pitchFamily="18" charset="-127"/>
+              <a:ea typeface="BM JUA OTF" panose="02020603020101020101" pitchFamily="18" charset="-127"/>
+            </a:endParaRPr>
           </a:p>
         </p:txBody>
       </p:sp>
@@ -7721,21 +7930,30 @@
           <a:lstStyle/>
           <a:p>
             <a:r>
-              <a:rPr kumimoji="1" lang="en-US" altLang="ko-Kore-KR" dirty="0"/>
+              <a:rPr kumimoji="1" lang="en-US" altLang="ko-Kore-KR" dirty="0">
+                <a:latin typeface="BM JUA OTF" panose="02020603020101020101" pitchFamily="18" charset="-127"/>
+                <a:ea typeface="BM JUA OTF" panose="02020603020101020101" pitchFamily="18" charset="-127"/>
+              </a:rPr>
               <a:t>Pivot Table Analysis of INJURY as a Function of Two Predictors</a:t>
             </a:r>
           </a:p>
           <a:p>
             <a:pPr lvl="1"/>
             <a:r>
-              <a:rPr kumimoji="1" lang="en-US" altLang="ko-Kore-KR" dirty="0"/>
+              <a:rPr kumimoji="1" lang="en-US" altLang="ko-Kore-KR" dirty="0">
+                <a:latin typeface="BM JUA OTF" panose="02020603020101020101" pitchFamily="18" charset="-127"/>
+                <a:ea typeface="BM JUA OTF" panose="02020603020101020101" pitchFamily="18" charset="-127"/>
+              </a:rPr>
               <a:t>Objective</a:t>
             </a:r>
           </a:p>
           <a:p>
             <a:pPr lvl="2"/>
             <a:r>
-              <a:rPr kumimoji="1" lang="en-US" altLang="ko-Kore-KR" dirty="0"/>
+              <a:rPr kumimoji="1" lang="en-US" altLang="ko-Kore-KR" dirty="0">
+                <a:latin typeface="BM JUA OTF" panose="02020603020101020101" pitchFamily="18" charset="-127"/>
+                <a:ea typeface="BM JUA OTF" panose="02020603020101020101" pitchFamily="18" charset="-127"/>
+              </a:rPr>
               <a:t>Create a Pivot table to examine the relationship between INJURY and the two predictor variables: WEATHER_R and TRAF_CON_R using the first 12 records of the dataset.</a:t>
             </a:r>
           </a:p>
@@ -7763,11 +7981,17 @@
           <a:lstStyle/>
           <a:p>
             <a:fld id="{EB02D1FF-6DD7-AC44-8165-5996AD7643D9}" type="slidenum">
-              <a:rPr lang="en-KR" smtClean="0"/>
+              <a:rPr lang="en-KR" smtClean="0">
+                <a:latin typeface="BM JUA OTF" panose="02020603020101020101" pitchFamily="18" charset="-127"/>
+                <a:ea typeface="BM JUA OTF" panose="02020603020101020101" pitchFamily="18" charset="-127"/>
+              </a:rPr>
               <a:pPr/>
               <a:t>11</a:t>
             </a:fld>
-            <a:endParaRPr lang="en-KR" dirty="0"/>
+            <a:endParaRPr lang="en-KR" dirty="0">
+              <a:latin typeface="BM JUA OTF" panose="02020603020101020101" pitchFamily="18" charset="-127"/>
+              <a:ea typeface="BM JUA OTF" panose="02020603020101020101" pitchFamily="18" charset="-127"/>
+            </a:endParaRPr>
           </a:p>
         </p:txBody>
       </p:sp>
@@ -7843,10 +8067,16 @@
           <a:lstStyle/>
           <a:p>
             <a:r>
-              <a:rPr lang="en-US" dirty="0"/>
+              <a:rPr lang="en-US" dirty="0">
+                <a:latin typeface="BM JUA OTF" panose="02020603020101020101" pitchFamily="18" charset="-127"/>
+                <a:ea typeface="BM JUA OTF" panose="02020603020101020101" pitchFamily="18" charset="-127"/>
+              </a:rPr>
               <a:t>Oct 2024</a:t>
             </a:r>
-            <a:endParaRPr lang="en-KR" dirty="0"/>
+            <a:endParaRPr lang="en-KR" dirty="0">
+              <a:latin typeface="BM JUA OTF" panose="02020603020101020101" pitchFamily="18" charset="-127"/>
+              <a:ea typeface="BM JUA OTF" panose="02020603020101020101" pitchFamily="18" charset="-127"/>
+            </a:endParaRPr>
           </a:p>
         </p:txBody>
       </p:sp>
@@ -7918,10 +8148,16 @@
           <a:lstStyle/>
           <a:p>
             <a:r>
-              <a:rPr kumimoji="1" lang="en-US" altLang="en-US" dirty="0"/>
+              <a:rPr kumimoji="1" lang="en-US" altLang="en-US" dirty="0">
+                <a:latin typeface="BM JUA OTF" panose="02020603020101020101" pitchFamily="18" charset="-127"/>
+                <a:ea typeface="BM JUA OTF" panose="02020603020101020101" pitchFamily="18" charset="-127"/>
+              </a:rPr>
               <a:t>Weather, Traffic, Injury</a:t>
             </a:r>
-            <a:endParaRPr kumimoji="1" lang="ko-Kore-KR" altLang="en-US" dirty="0"/>
+            <a:endParaRPr kumimoji="1" lang="ko-Kore-KR" altLang="en-US" dirty="0">
+              <a:latin typeface="BM JUA OTF" panose="02020603020101020101" pitchFamily="18" charset="-127"/>
+              <a:ea typeface="BM JUA OTF" panose="02020603020101020101" pitchFamily="18" charset="-127"/>
+            </a:endParaRPr>
           </a:p>
         </p:txBody>
       </p:sp>
@@ -7947,11 +8183,17 @@
           <a:lstStyle/>
           <a:p>
             <a:fld id="{EB02D1FF-6DD7-AC44-8165-5996AD7643D9}" type="slidenum">
-              <a:rPr lang="en-KR" smtClean="0"/>
+              <a:rPr lang="en-KR" smtClean="0">
+                <a:latin typeface="BM JUA OTF" panose="02020603020101020101" pitchFamily="18" charset="-127"/>
+                <a:ea typeface="BM JUA OTF" panose="02020603020101020101" pitchFamily="18" charset="-127"/>
+              </a:rPr>
               <a:pPr/>
               <a:t>12</a:t>
             </a:fld>
-            <a:endParaRPr lang="en-KR" dirty="0"/>
+            <a:endParaRPr lang="en-KR" dirty="0">
+              <a:latin typeface="BM JUA OTF" panose="02020603020101020101" pitchFamily="18" charset="-127"/>
+              <a:ea typeface="BM JUA OTF" panose="02020603020101020101" pitchFamily="18" charset="-127"/>
+            </a:endParaRPr>
           </a:p>
         </p:txBody>
       </p:sp>
@@ -8027,10 +8269,16 @@
           <a:lstStyle/>
           <a:p>
             <a:r>
-              <a:rPr lang="en-US" dirty="0"/>
+              <a:rPr lang="en-US" dirty="0">
+                <a:latin typeface="BM JUA OTF" panose="02020603020101020101" pitchFamily="18" charset="-127"/>
+                <a:ea typeface="BM JUA OTF" panose="02020603020101020101" pitchFamily="18" charset="-127"/>
+              </a:rPr>
               <a:t>Oct 2024</a:t>
             </a:r>
-            <a:endParaRPr lang="en-KR" dirty="0"/>
+            <a:endParaRPr lang="en-KR" dirty="0">
+              <a:latin typeface="BM JUA OTF" panose="02020603020101020101" pitchFamily="18" charset="-127"/>
+              <a:ea typeface="BM JUA OTF" panose="02020603020101020101" pitchFamily="18" charset="-127"/>
+            </a:endParaRPr>
           </a:p>
         </p:txBody>
       </p:sp>
@@ -8145,7 +8393,7 @@
         </p:blipFill>
         <p:spPr>
           <a:xfrm>
-            <a:off x="5231848" y="4975352"/>
+            <a:off x="4738072" y="5015503"/>
             <a:ext cx="3073400" cy="927100"/>
           </a:xfrm>
           <a:prstGeom prst="rect">
@@ -8221,10 +8469,16 @@
           <a:lstStyle/>
           <a:p>
             <a:r>
-              <a:rPr kumimoji="1" lang="en-US" altLang="en-US" dirty="0"/>
+              <a:rPr kumimoji="1" lang="en-US" altLang="en-US" dirty="0">
+                <a:latin typeface="BM JUA OTF" panose="02020603020101020101" pitchFamily="18" charset="-127"/>
+                <a:ea typeface="BM JUA OTF" panose="02020603020101020101" pitchFamily="18" charset="-127"/>
+              </a:rPr>
               <a:t>Weather, Traffic, Injury</a:t>
             </a:r>
-            <a:endParaRPr kumimoji="1" lang="ko-Kore-KR" altLang="en-US" dirty="0"/>
+            <a:endParaRPr kumimoji="1" lang="ko-Kore-KR" altLang="en-US" dirty="0">
+              <a:latin typeface="BM JUA OTF" panose="02020603020101020101" pitchFamily="18" charset="-127"/>
+              <a:ea typeface="BM JUA OTF" panose="02020603020101020101" pitchFamily="18" charset="-127"/>
+            </a:endParaRPr>
           </a:p>
         </p:txBody>
       </p:sp>
@@ -8259,7 +8513,10 @@
               <a:lstStyle/>
               <a:p>
                 <a:r>
-                  <a:rPr kumimoji="1" lang="en-US" altLang="ko-Kore-KR" dirty="0"/>
+                  <a:rPr kumimoji="1" lang="en-US" altLang="ko-Kore-KR" dirty="0">
+                    <a:latin typeface="BM JUA OTF" panose="02020603020101020101" pitchFamily="18" charset="-127"/>
+                    <a:ea typeface="BM JUA OTF" panose="02020603020101020101" pitchFamily="18" charset="-127"/>
+                  </a:rPr>
                   <a:t>Calculation of </a:t>
                 </a:r>
                 <a:r>
@@ -8267,11 +8524,16 @@
                     <a:solidFill>
                       <a:srgbClr val="0070C0"/>
                     </a:solidFill>
+                    <a:latin typeface="BM JUA OTF" panose="02020603020101020101" pitchFamily="18" charset="-127"/>
+                    <a:ea typeface="BM JUA OTF" panose="02020603020101020101" pitchFamily="18" charset="-127"/>
                   </a:rPr>
                   <a:t>Exact Bayes Conditional Prob-abilities</a:t>
                 </a:r>
                 <a:r>
-                  <a:rPr kumimoji="1" lang="en-US" altLang="ko-Kore-KR" dirty="0"/>
+                  <a:rPr kumimoji="1" lang="en-US" altLang="ko-Kore-KR" dirty="0">
+                    <a:latin typeface="BM JUA OTF" panose="02020603020101020101" pitchFamily="18" charset="-127"/>
+                    <a:ea typeface="BM JUA OTF" panose="02020603020101020101" pitchFamily="18" charset="-127"/>
+                  </a:rPr>
                   <a:t> for Injury</a:t>
                 </a:r>
               </a:p>
@@ -8369,7 +8631,8 @@
                   </m:oMath>
                 </a14:m>
                 <a:endParaRPr lang="en-US" altLang="ko-KR" i="1" dirty="0">
-                  <a:latin typeface="Cambria Math" panose="02040503050406030204" pitchFamily="18" charset="0"/>
+                  <a:latin typeface="BM JUA OTF" panose="02020603020101020101" pitchFamily="18" charset="-127"/>
+                  <a:ea typeface="BM JUA OTF" panose="02020603020101020101" pitchFamily="18" charset="-127"/>
                 </a:endParaRPr>
               </a:p>
               <a:p>
@@ -8633,11 +8896,17 @@
                     </m:oMath>
                   </m:oMathPara>
                 </a14:m>
-                <a:endParaRPr lang="ko-KR" altLang="en-US" dirty="0"/>
+                <a:endParaRPr lang="ko-KR" altLang="en-US" dirty="0">
+                  <a:latin typeface="BM JUA OTF" panose="02020603020101020101" pitchFamily="18" charset="-127"/>
+                  <a:ea typeface="BM JUA OTF" panose="02020603020101020101" pitchFamily="18" charset="-127"/>
+                </a:endParaRPr>
               </a:p>
               <a:p>
                 <a:pPr lvl="1"/>
-                <a:endParaRPr kumimoji="1" lang="en-US" altLang="ko-Kore-KR" dirty="0"/>
+                <a:endParaRPr kumimoji="1" lang="en-US" altLang="ko-Kore-KR" dirty="0">
+                  <a:latin typeface="BM JUA OTF" panose="02020603020101020101" pitchFamily="18" charset="-127"/>
+                  <a:ea typeface="BM JUA OTF" panose="02020603020101020101" pitchFamily="18" charset="-127"/>
+                </a:endParaRPr>
               </a:p>
             </p:txBody>
           </p:sp>
@@ -8667,7 +8936,7 @@
               <a:blipFill>
                 <a:blip r:embed="rId3"/>
                 <a:stretch>
-                  <a:fillRect l="-1136" t="-219"/>
+                  <a:fillRect l="-1136"/>
                 </a:stretch>
               </a:blipFill>
             </p:spPr>
@@ -8708,11 +8977,17 @@
           <a:lstStyle/>
           <a:p>
             <a:fld id="{EB02D1FF-6DD7-AC44-8165-5996AD7643D9}" type="slidenum">
-              <a:rPr lang="en-KR" smtClean="0"/>
+              <a:rPr lang="en-KR" smtClean="0">
+                <a:latin typeface="BM JUA OTF" panose="02020603020101020101" pitchFamily="18" charset="-127"/>
+                <a:ea typeface="BM JUA OTF" panose="02020603020101020101" pitchFamily="18" charset="-127"/>
+              </a:rPr>
               <a:pPr/>
               <a:t>13</a:t>
             </a:fld>
-            <a:endParaRPr lang="en-KR" dirty="0"/>
+            <a:endParaRPr lang="en-KR" dirty="0">
+              <a:latin typeface="BM JUA OTF" panose="02020603020101020101" pitchFamily="18" charset="-127"/>
+              <a:ea typeface="BM JUA OTF" panose="02020603020101020101" pitchFamily="18" charset="-127"/>
+            </a:endParaRPr>
           </a:p>
         </p:txBody>
       </p:sp>
@@ -8788,10 +9063,16 @@
           <a:lstStyle/>
           <a:p>
             <a:r>
-              <a:rPr lang="en-US" dirty="0"/>
+              <a:rPr lang="en-US" dirty="0">
+                <a:latin typeface="BM JUA OTF" panose="02020603020101020101" pitchFamily="18" charset="-127"/>
+                <a:ea typeface="BM JUA OTF" panose="02020603020101020101" pitchFamily="18" charset="-127"/>
+              </a:rPr>
               <a:t>Oct 2024</a:t>
             </a:r>
-            <a:endParaRPr lang="en-KR" dirty="0"/>
+            <a:endParaRPr lang="en-KR" dirty="0">
+              <a:latin typeface="BM JUA OTF" panose="02020603020101020101" pitchFamily="18" charset="-127"/>
+              <a:ea typeface="BM JUA OTF" panose="02020603020101020101" pitchFamily="18" charset="-127"/>
+            </a:endParaRPr>
           </a:p>
         </p:txBody>
       </p:sp>
@@ -8863,10 +9144,16 @@
           <a:lstStyle/>
           <a:p>
             <a:r>
-              <a:rPr kumimoji="1" lang="en-US" altLang="en-US" dirty="0"/>
+              <a:rPr kumimoji="1" lang="en-US" altLang="en-US" dirty="0">
+                <a:latin typeface="BM JUA OTF" panose="02020603020101020101" pitchFamily="18" charset="-127"/>
+                <a:ea typeface="BM JUA OTF" panose="02020603020101020101" pitchFamily="18" charset="-127"/>
+              </a:rPr>
               <a:t>Weather, Traffic, Injury</a:t>
             </a:r>
-            <a:endParaRPr kumimoji="1" lang="ko-Kore-KR" altLang="en-US" dirty="0"/>
+            <a:endParaRPr kumimoji="1" lang="ko-Kore-KR" altLang="en-US" dirty="0">
+              <a:latin typeface="BM JUA OTF" panose="02020603020101020101" pitchFamily="18" charset="-127"/>
+              <a:ea typeface="BM JUA OTF" panose="02020603020101020101" pitchFamily="18" charset="-127"/>
+            </a:endParaRPr>
           </a:p>
         </p:txBody>
       </p:sp>
@@ -8899,7 +9186,10 @@
           <a:lstStyle/>
           <a:p>
             <a:r>
-              <a:rPr kumimoji="1" lang="en-US" altLang="ko-Kore-KR" dirty="0"/>
+              <a:rPr kumimoji="1" lang="en-US" altLang="ko-Kore-KR" dirty="0">
+                <a:latin typeface="BM JUA OTF" panose="02020603020101020101" pitchFamily="18" charset="-127"/>
+                <a:ea typeface="BM JUA OTF" panose="02020603020101020101" pitchFamily="18" charset="-127"/>
+              </a:rPr>
               <a:t>Calculation of </a:t>
             </a:r>
             <a:r>
@@ -8907,11 +9197,16 @@
                 <a:solidFill>
                   <a:srgbClr val="0070C0"/>
                 </a:solidFill>
+                <a:latin typeface="BM JUA OTF" panose="02020603020101020101" pitchFamily="18" charset="-127"/>
+                <a:ea typeface="BM JUA OTF" panose="02020603020101020101" pitchFamily="18" charset="-127"/>
               </a:rPr>
               <a:t>Exact Bayes Conditional Prob-abilities</a:t>
             </a:r>
             <a:r>
-              <a:rPr kumimoji="1" lang="en-US" altLang="ko-Kore-KR" dirty="0"/>
+              <a:rPr kumimoji="1" lang="en-US" altLang="ko-Kore-KR" dirty="0">
+                <a:latin typeface="BM JUA OTF" panose="02020603020101020101" pitchFamily="18" charset="-127"/>
+                <a:ea typeface="BM JUA OTF" panose="02020603020101020101" pitchFamily="18" charset="-127"/>
+              </a:rPr>
               <a:t> for Injury</a:t>
             </a:r>
           </a:p>
@@ -8939,11 +9234,17 @@
           <a:lstStyle/>
           <a:p>
             <a:fld id="{EB02D1FF-6DD7-AC44-8165-5996AD7643D9}" type="slidenum">
-              <a:rPr lang="en-KR" smtClean="0"/>
+              <a:rPr lang="en-KR" smtClean="0">
+                <a:latin typeface="BM JUA OTF" panose="02020603020101020101" pitchFamily="18" charset="-127"/>
+                <a:ea typeface="BM JUA OTF" panose="02020603020101020101" pitchFamily="18" charset="-127"/>
+              </a:rPr>
               <a:pPr/>
               <a:t>14</a:t>
             </a:fld>
-            <a:endParaRPr lang="en-KR" dirty="0"/>
+            <a:endParaRPr lang="en-KR" dirty="0">
+              <a:latin typeface="BM JUA OTF" panose="02020603020101020101" pitchFamily="18" charset="-127"/>
+              <a:ea typeface="BM JUA OTF" panose="02020603020101020101" pitchFamily="18" charset="-127"/>
+            </a:endParaRPr>
           </a:p>
         </p:txBody>
       </p:sp>
@@ -9019,10 +9320,16 @@
           <a:lstStyle/>
           <a:p>
             <a:r>
-              <a:rPr lang="en-US" dirty="0"/>
+              <a:rPr lang="en-US" dirty="0">
+                <a:latin typeface="BM JUA OTF" panose="02020603020101020101" pitchFamily="18" charset="-127"/>
+                <a:ea typeface="BM JUA OTF" panose="02020603020101020101" pitchFamily="18" charset="-127"/>
+              </a:rPr>
               <a:t>Oct 2024</a:t>
             </a:r>
-            <a:endParaRPr lang="en-KR" dirty="0"/>
+            <a:endParaRPr lang="en-KR" dirty="0">
+              <a:latin typeface="BM JUA OTF" panose="02020603020101020101" pitchFamily="18" charset="-127"/>
+              <a:ea typeface="BM JUA OTF" panose="02020603020101020101" pitchFamily="18" charset="-127"/>
+            </a:endParaRPr>
           </a:p>
         </p:txBody>
       </p:sp>
@@ -9154,10 +9461,16 @@
           <a:lstStyle/>
           <a:p>
             <a:r>
-              <a:rPr kumimoji="1" lang="en-US" altLang="en-US" dirty="0"/>
+              <a:rPr kumimoji="1" lang="en-US" altLang="en-US" dirty="0">
+                <a:latin typeface="BM JUA OTF" panose="02020603020101020101" pitchFamily="18" charset="-127"/>
+                <a:ea typeface="BM JUA OTF" panose="02020603020101020101" pitchFamily="18" charset="-127"/>
+              </a:rPr>
               <a:t>Weather, Traffic, Injury</a:t>
             </a:r>
-            <a:endParaRPr kumimoji="1" lang="ko-Kore-KR" altLang="en-US" dirty="0"/>
+            <a:endParaRPr kumimoji="1" lang="ko-Kore-KR" altLang="en-US" dirty="0">
+              <a:latin typeface="BM JUA OTF" panose="02020603020101020101" pitchFamily="18" charset="-127"/>
+              <a:ea typeface="BM JUA OTF" panose="02020603020101020101" pitchFamily="18" charset="-127"/>
+            </a:endParaRPr>
           </a:p>
         </p:txBody>
       </p:sp>
@@ -9192,14 +9505,20 @@
               <a:lstStyle/>
               <a:p>
                 <a:r>
-                  <a:rPr kumimoji="1" lang="en-US" altLang="ko-Kore-KR" dirty="0"/>
+                  <a:rPr kumimoji="1" lang="en-US" altLang="ko-Kore-KR" dirty="0">
+                    <a:latin typeface="BM JUA OTF" panose="02020603020101020101" pitchFamily="18" charset="-127"/>
+                    <a:ea typeface="BM JUA OTF" panose="02020603020101020101" pitchFamily="18" charset="-127"/>
+                  </a:rPr>
                   <a:t>Calculating Naïve Bayes Conditional Prob-ability: </a:t>
                 </a:r>
               </a:p>
               <a:p>
                 <a:pPr lvl="1"/>
                 <a:r>
-                  <a:rPr kumimoji="1" lang="en-US" altLang="ko-Kore-KR" dirty="0"/>
+                  <a:rPr kumimoji="1" lang="en-US" altLang="ko-Kore-KR" dirty="0">
+                    <a:latin typeface="BM JUA OTF" panose="02020603020101020101" pitchFamily="18" charset="-127"/>
+                    <a:ea typeface="BM JUA OTF" panose="02020603020101020101" pitchFamily="18" charset="-127"/>
+                  </a:rPr>
                   <a:t>WEATHER_R = 1 and TRAF_CON_R = 1</a:t>
                 </a:r>
               </a:p>
@@ -9607,11 +9926,16 @@
                   <a:solidFill>
                     <a:schemeClr val="tx1"/>
                   </a:solidFill>
+                  <a:latin typeface="BM JUA OTF" panose="02020603020101020101" pitchFamily="18" charset="-127"/>
+                  <a:ea typeface="BM JUA OTF" panose="02020603020101020101" pitchFamily="18" charset="-127"/>
                 </a:endParaRPr>
               </a:p>
               <a:p>
                 <a:pPr lvl="1"/>
-                <a:endParaRPr kumimoji="1" lang="en-US" altLang="ko-Kore-KR" dirty="0"/>
+                <a:endParaRPr kumimoji="1" lang="en-US" altLang="ko-Kore-KR" dirty="0">
+                  <a:latin typeface="BM JUA OTF" panose="02020603020101020101" pitchFamily="18" charset="-127"/>
+                  <a:ea typeface="BM JUA OTF" panose="02020603020101020101" pitchFamily="18" charset="-127"/>
+                </a:endParaRPr>
               </a:p>
             </p:txBody>
           </p:sp>
@@ -9641,7 +9965,7 @@
               <a:blipFill>
                 <a:blip r:embed="rId3"/>
                 <a:stretch>
-                  <a:fillRect l="-1136" t="-219"/>
+                  <a:fillRect l="-1136" t="-439"/>
                 </a:stretch>
               </a:blipFill>
             </p:spPr>
@@ -9682,11 +10006,17 @@
           <a:lstStyle/>
           <a:p>
             <a:fld id="{EB02D1FF-6DD7-AC44-8165-5996AD7643D9}" type="slidenum">
-              <a:rPr lang="en-KR" smtClean="0"/>
+              <a:rPr lang="en-KR" smtClean="0">
+                <a:latin typeface="BM JUA OTF" panose="02020603020101020101" pitchFamily="18" charset="-127"/>
+                <a:ea typeface="BM JUA OTF" panose="02020603020101020101" pitchFamily="18" charset="-127"/>
+              </a:rPr>
               <a:pPr/>
               <a:t>15</a:t>
             </a:fld>
-            <a:endParaRPr lang="en-KR" dirty="0"/>
+            <a:endParaRPr lang="en-KR" dirty="0">
+              <a:latin typeface="BM JUA OTF" panose="02020603020101020101" pitchFamily="18" charset="-127"/>
+              <a:ea typeface="BM JUA OTF" panose="02020603020101020101" pitchFamily="18" charset="-127"/>
+            </a:endParaRPr>
           </a:p>
         </p:txBody>
       </p:sp>
@@ -9762,10 +10092,16 @@
           <a:lstStyle/>
           <a:p>
             <a:r>
-              <a:rPr lang="en-US" dirty="0"/>
+              <a:rPr lang="en-US" dirty="0">
+                <a:latin typeface="BM JUA OTF" panose="02020603020101020101" pitchFamily="18" charset="-127"/>
+                <a:ea typeface="BM JUA OTF" panose="02020603020101020101" pitchFamily="18" charset="-127"/>
+              </a:rPr>
               <a:t>Oct 2024</a:t>
             </a:r>
-            <a:endParaRPr lang="en-KR" dirty="0"/>
+            <a:endParaRPr lang="en-KR" dirty="0">
+              <a:latin typeface="BM JUA OTF" panose="02020603020101020101" pitchFamily="18" charset="-127"/>
+              <a:ea typeface="BM JUA OTF" panose="02020603020101020101" pitchFamily="18" charset="-127"/>
+            </a:endParaRPr>
           </a:p>
         </p:txBody>
       </p:sp>
@@ -9867,10 +10203,16 @@
           <a:lstStyle/>
           <a:p>
             <a:r>
-              <a:rPr kumimoji="1" lang="en-US" altLang="en-US" dirty="0"/>
+              <a:rPr kumimoji="1" lang="en-US" altLang="en-US" dirty="0">
+                <a:latin typeface="BM JUA OTF" panose="02020603020101020101" pitchFamily="18" charset="-127"/>
+                <a:ea typeface="BM JUA OTF" panose="02020603020101020101" pitchFamily="18" charset="-127"/>
+              </a:rPr>
               <a:t>Weather, Traffic, Injury</a:t>
             </a:r>
-            <a:endParaRPr kumimoji="1" lang="ko-Kore-KR" altLang="en-US" dirty="0"/>
+            <a:endParaRPr kumimoji="1" lang="ko-Kore-KR" altLang="en-US" dirty="0">
+              <a:latin typeface="BM JUA OTF" panose="02020603020101020101" pitchFamily="18" charset="-127"/>
+              <a:ea typeface="BM JUA OTF" panose="02020603020101020101" pitchFamily="18" charset="-127"/>
+            </a:endParaRPr>
           </a:p>
         </p:txBody>
       </p:sp>
@@ -9903,21 +10245,30 @@
           <a:lstStyle/>
           <a:p>
             <a:r>
-              <a:rPr kumimoji="1" lang="en-US" altLang="ko-Kore-KR" dirty="0"/>
+              <a:rPr kumimoji="1" lang="en-US" altLang="ko-Kore-KR" dirty="0">
+                <a:latin typeface="BM JUA OTF" panose="02020603020101020101" pitchFamily="18" charset="-127"/>
+                <a:ea typeface="BM JUA OTF" panose="02020603020101020101" pitchFamily="18" charset="-127"/>
+              </a:rPr>
               <a:t>Objective:</a:t>
             </a:r>
           </a:p>
           <a:p>
             <a:pPr lvl="1"/>
             <a:r>
-              <a:rPr kumimoji="1" lang="en-US" altLang="ko-Kore-KR" dirty="0"/>
+              <a:rPr kumimoji="1" lang="en-US" altLang="ko-Kore-KR" dirty="0">
+                <a:latin typeface="BM JUA OTF" panose="02020603020101020101" pitchFamily="18" charset="-127"/>
+                <a:ea typeface="BM JUA OTF" panose="02020603020101020101" pitchFamily="18" charset="-127"/>
+              </a:rPr>
               <a:t>Run a Naïve Bayes classifier using Scikit-learn.</a:t>
             </a:r>
           </a:p>
           <a:p>
             <a:pPr lvl="1"/>
             <a:r>
-              <a:rPr kumimoji="1" lang="en-US" altLang="ko-Kore-KR" dirty="0"/>
+              <a:rPr kumimoji="1" lang="en-US" altLang="ko-Kore-KR" dirty="0">
+                <a:latin typeface="BM JUA OTF" panose="02020603020101020101" pitchFamily="18" charset="-127"/>
+                <a:ea typeface="BM JUA OTF" panose="02020603020101020101" pitchFamily="18" charset="-127"/>
+              </a:rPr>
               <a:t>Obtain probability values and classification results, and compare these with the exact Bayesian classification results.</a:t>
             </a:r>
           </a:p>
@@ -9945,11 +10296,17 @@
           <a:lstStyle/>
           <a:p>
             <a:fld id="{EB02D1FF-6DD7-AC44-8165-5996AD7643D9}" type="slidenum">
-              <a:rPr lang="en-KR" smtClean="0"/>
+              <a:rPr lang="en-KR" smtClean="0">
+                <a:latin typeface="BM JUA OTF" panose="02020603020101020101" pitchFamily="18" charset="-127"/>
+                <a:ea typeface="BM JUA OTF" panose="02020603020101020101" pitchFamily="18" charset="-127"/>
+              </a:rPr>
               <a:pPr/>
               <a:t>16</a:t>
             </a:fld>
-            <a:endParaRPr lang="en-KR" dirty="0"/>
+            <a:endParaRPr lang="en-KR" dirty="0">
+              <a:latin typeface="BM JUA OTF" panose="02020603020101020101" pitchFamily="18" charset="-127"/>
+              <a:ea typeface="BM JUA OTF" panose="02020603020101020101" pitchFamily="18" charset="-127"/>
+            </a:endParaRPr>
           </a:p>
         </p:txBody>
       </p:sp>
@@ -9994,7 +10351,10 @@
           </a:bodyPr>
           <a:lstStyle/>
           <a:p>
-            <a:endParaRPr lang="ko-KR" altLang="en-US"/>
+            <a:endParaRPr lang="ko-KR" altLang="en-US">
+              <a:latin typeface="BM JUA OTF" panose="02020603020101020101" pitchFamily="18" charset="-127"/>
+              <a:ea typeface="BM JUA OTF" panose="02020603020101020101" pitchFamily="18" charset="-127"/>
+            </a:endParaRPr>
           </a:p>
         </p:txBody>
       </p:sp>
@@ -10025,10 +10385,16 @@
           <a:lstStyle/>
           <a:p>
             <a:r>
-              <a:rPr lang="en-US" dirty="0"/>
+              <a:rPr lang="en-US" dirty="0">
+                <a:latin typeface="BM JUA OTF" panose="02020603020101020101" pitchFamily="18" charset="-127"/>
+                <a:ea typeface="BM JUA OTF" panose="02020603020101020101" pitchFamily="18" charset="-127"/>
+              </a:rPr>
               <a:t>Oct 2024</a:t>
             </a:r>
-            <a:endParaRPr lang="en-KR" dirty="0"/>
+            <a:endParaRPr lang="en-KR" dirty="0">
+              <a:latin typeface="BM JUA OTF" panose="02020603020101020101" pitchFamily="18" charset="-127"/>
+              <a:ea typeface="BM JUA OTF" panose="02020603020101020101" pitchFamily="18" charset="-127"/>
+            </a:endParaRPr>
           </a:p>
         </p:txBody>
       </p:sp>
@@ -10100,10 +10466,16 @@
           <a:lstStyle/>
           <a:p>
             <a:r>
-              <a:rPr kumimoji="1" lang="en-US" altLang="en-US" dirty="0"/>
+              <a:rPr kumimoji="1" lang="en-US" altLang="en-US" dirty="0">
+                <a:latin typeface="BM JUA OTF" panose="02020603020101020101" pitchFamily="18" charset="-127"/>
+                <a:ea typeface="BM JUA OTF" panose="02020603020101020101" pitchFamily="18" charset="-127"/>
+              </a:rPr>
               <a:t>Weather, Traffic, Injury</a:t>
             </a:r>
-            <a:endParaRPr kumimoji="1" lang="ko-Kore-KR" altLang="en-US" dirty="0"/>
+            <a:endParaRPr kumimoji="1" lang="ko-Kore-KR" altLang="en-US" dirty="0">
+              <a:latin typeface="BM JUA OTF" panose="02020603020101020101" pitchFamily="18" charset="-127"/>
+              <a:ea typeface="BM JUA OTF" panose="02020603020101020101" pitchFamily="18" charset="-127"/>
+            </a:endParaRPr>
           </a:p>
         </p:txBody>
       </p:sp>
@@ -10135,7 +10507,13 @@
           </a:bodyPr>
           <a:lstStyle/>
           <a:p>
-            <a:endParaRPr kumimoji="1" lang="en-US" altLang="ko-Kore-KR" dirty="0"/>
+            <a:r>
+              <a:rPr kumimoji="1" lang="en-US" altLang="ko-Kore-KR" dirty="0">
+                <a:latin typeface="BM JUA OTF" panose="02020603020101020101" pitchFamily="18" charset="-127"/>
+                <a:ea typeface="BM JUA OTF" panose="02020603020101020101" pitchFamily="18" charset="-127"/>
+              </a:rPr>
+              <a:t>Codes</a:t>
+            </a:r>
           </a:p>
         </p:txBody>
       </p:sp>
@@ -10161,11 +10539,17 @@
           <a:lstStyle/>
           <a:p>
             <a:fld id="{EB02D1FF-6DD7-AC44-8165-5996AD7643D9}" type="slidenum">
-              <a:rPr lang="en-KR" smtClean="0"/>
+              <a:rPr lang="en-KR" smtClean="0">
+                <a:latin typeface="BM JUA OTF" panose="02020603020101020101" pitchFamily="18" charset="-127"/>
+                <a:ea typeface="BM JUA OTF" panose="02020603020101020101" pitchFamily="18" charset="-127"/>
+              </a:rPr>
               <a:pPr/>
               <a:t>17</a:t>
             </a:fld>
-            <a:endParaRPr lang="en-KR" dirty="0"/>
+            <a:endParaRPr lang="en-KR" dirty="0">
+              <a:latin typeface="BM JUA OTF" panose="02020603020101020101" pitchFamily="18" charset="-127"/>
+              <a:ea typeface="BM JUA OTF" panose="02020603020101020101" pitchFamily="18" charset="-127"/>
+            </a:endParaRPr>
           </a:p>
         </p:txBody>
       </p:sp>
@@ -10241,10 +10625,16 @@
           <a:lstStyle/>
           <a:p>
             <a:r>
-              <a:rPr lang="en-US" dirty="0"/>
+              <a:rPr lang="en-US" dirty="0">
+                <a:latin typeface="BM JUA OTF" panose="02020603020101020101" pitchFamily="18" charset="-127"/>
+                <a:ea typeface="BM JUA OTF" panose="02020603020101020101" pitchFamily="18" charset="-127"/>
+              </a:rPr>
               <a:t>Oct 2024</a:t>
             </a:r>
-            <a:endParaRPr lang="en-KR" dirty="0"/>
+            <a:endParaRPr lang="en-KR" dirty="0">
+              <a:latin typeface="BM JUA OTF" panose="02020603020101020101" pitchFamily="18" charset="-127"/>
+              <a:ea typeface="BM JUA OTF" panose="02020603020101020101" pitchFamily="18" charset="-127"/>
+            </a:endParaRPr>
           </a:p>
         </p:txBody>
       </p:sp>
@@ -10404,10 +10794,16 @@
           <a:lstStyle/>
           <a:p>
             <a:r>
-              <a:rPr kumimoji="1" lang="en-US" altLang="en-US" dirty="0"/>
+              <a:rPr kumimoji="1" lang="en-US" altLang="en-US" dirty="0">
+                <a:latin typeface="BM JUA OTF" panose="02020603020101020101" pitchFamily="18" charset="-127"/>
+                <a:ea typeface="BM JUA OTF" panose="02020603020101020101" pitchFamily="18" charset="-127"/>
+              </a:rPr>
               <a:t>Weather, Traffic, Injury</a:t>
             </a:r>
-            <a:endParaRPr kumimoji="1" lang="ko-Kore-KR" altLang="en-US" dirty="0"/>
+            <a:endParaRPr kumimoji="1" lang="ko-Kore-KR" altLang="en-US" dirty="0">
+              <a:latin typeface="BM JUA OTF" panose="02020603020101020101" pitchFamily="18" charset="-127"/>
+              <a:ea typeface="BM JUA OTF" panose="02020603020101020101" pitchFamily="18" charset="-127"/>
+            </a:endParaRPr>
           </a:p>
         </p:txBody>
       </p:sp>
@@ -10461,11 +10857,17 @@
           <a:lstStyle/>
           <a:p>
             <a:fld id="{EB02D1FF-6DD7-AC44-8165-5996AD7643D9}" type="slidenum">
-              <a:rPr lang="en-KR" smtClean="0"/>
+              <a:rPr lang="en-KR" smtClean="0">
+                <a:latin typeface="BM JUA OTF" panose="02020603020101020101" pitchFamily="18" charset="-127"/>
+                <a:ea typeface="BM JUA OTF" panose="02020603020101020101" pitchFamily="18" charset="-127"/>
+              </a:rPr>
               <a:pPr/>
               <a:t>18</a:t>
             </a:fld>
-            <a:endParaRPr lang="en-KR" dirty="0"/>
+            <a:endParaRPr lang="en-KR" dirty="0">
+              <a:latin typeface="BM JUA OTF" panose="02020603020101020101" pitchFamily="18" charset="-127"/>
+              <a:ea typeface="BM JUA OTF" panose="02020603020101020101" pitchFamily="18" charset="-127"/>
+            </a:endParaRPr>
           </a:p>
         </p:txBody>
       </p:sp>
@@ -10541,10 +10943,16 @@
           <a:lstStyle/>
           <a:p>
             <a:r>
-              <a:rPr lang="en-US" dirty="0"/>
+              <a:rPr lang="en-US" dirty="0">
+                <a:latin typeface="BM JUA OTF" panose="02020603020101020101" pitchFamily="18" charset="-127"/>
+                <a:ea typeface="BM JUA OTF" panose="02020603020101020101" pitchFamily="18" charset="-127"/>
+              </a:rPr>
               <a:t>Oct 2024</a:t>
             </a:r>
-            <a:endParaRPr lang="en-KR" dirty="0"/>
+            <a:endParaRPr lang="en-KR" dirty="0">
+              <a:latin typeface="BM JUA OTF" panose="02020603020101020101" pitchFamily="18" charset="-127"/>
+              <a:ea typeface="BM JUA OTF" panose="02020603020101020101" pitchFamily="18" charset="-127"/>
+            </a:endParaRPr>
           </a:p>
         </p:txBody>
       </p:sp>
@@ -10644,7 +11052,8 @@
           <a:p>
             <a:r>
               <a:rPr lang="en-KR" dirty="0">
-                <a:latin typeface="Varela Round" pitchFamily="2" charset="-79"/>
+                <a:latin typeface="BM JUA OTF" panose="02020603020101020101" pitchFamily="18" charset="-127"/>
+                <a:ea typeface="BM JUA OTF" panose="02020603020101020101" pitchFamily="18" charset="-127"/>
               </a:rPr>
               <a:t>Outline</a:t>
             </a:r>
@@ -10681,7 +11090,8 @@
           <a:p>
             <a:r>
               <a:rPr lang="en-KR" b="0" dirty="0">
-                <a:latin typeface="Varela Round" pitchFamily="2" charset="-79"/>
+                <a:latin typeface="BM JUA OTF" panose="02020603020101020101" pitchFamily="18" charset="-127"/>
+                <a:ea typeface="BM JUA OTF" panose="02020603020101020101" pitchFamily="18" charset="-127"/>
               </a:rPr>
               <a:t>Introduction</a:t>
             </a:r>
@@ -10692,59 +11102,71 @@
               <a:solidFill>
                 <a:srgbClr val="0070C0"/>
               </a:solidFill>
-              <a:latin typeface="Varela Round" pitchFamily="2" charset="-79"/>
+              <a:latin typeface="BM JUA OTF" panose="02020603020101020101" pitchFamily="18" charset="-127"/>
+              <a:ea typeface="BM JUA OTF" panose="02020603020101020101" pitchFamily="18" charset="-127"/>
             </a:endParaRPr>
           </a:p>
           <a:p>
             <a:r>
               <a:rPr lang="en-US" b="0" dirty="0">
-                <a:latin typeface="Varela Round" pitchFamily="2" charset="-79"/>
+                <a:latin typeface="BM JUA OTF" panose="02020603020101020101" pitchFamily="18" charset="-127"/>
+                <a:ea typeface="BM JUA OTF" panose="02020603020101020101" pitchFamily="18" charset="-127"/>
               </a:rPr>
               <a:t>Prepare Data</a:t>
             </a:r>
             <a:endParaRPr lang="en-KR" b="0" dirty="0">
-              <a:latin typeface="Varela Round" pitchFamily="2" charset="-79"/>
+              <a:latin typeface="BM JUA OTF" panose="02020603020101020101" pitchFamily="18" charset="-127"/>
+              <a:ea typeface="BM JUA OTF" panose="02020603020101020101" pitchFamily="18" charset="-127"/>
             </a:endParaRPr>
           </a:p>
           <a:p>
             <a:pPr lvl="2"/>
             <a:endParaRPr lang="en-KR" sz="1600" b="0" dirty="0">
-              <a:latin typeface="Varela Round" pitchFamily="2" charset="-79"/>
+              <a:latin typeface="BM JUA OTF" panose="02020603020101020101" pitchFamily="18" charset="-127"/>
+              <a:ea typeface="BM JUA OTF" panose="02020603020101020101" pitchFamily="18" charset="-127"/>
             </a:endParaRPr>
           </a:p>
           <a:p>
             <a:r>
               <a:rPr lang="en-US" b="0" dirty="0">
-                <a:latin typeface="Varela Round" pitchFamily="2" charset="-79"/>
+                <a:latin typeface="BM JUA OTF" panose="02020603020101020101" pitchFamily="18" charset="-127"/>
+                <a:ea typeface="BM JUA OTF" panose="02020603020101020101" pitchFamily="18" charset="-127"/>
               </a:rPr>
               <a:t>A. Default Prediction</a:t>
             </a:r>
             <a:endParaRPr lang="en-KR" b="0" dirty="0">
-              <a:latin typeface="Varela Round" pitchFamily="2" charset="-79"/>
+              <a:latin typeface="BM JUA OTF" panose="02020603020101020101" pitchFamily="18" charset="-127"/>
+              <a:ea typeface="BM JUA OTF" panose="02020603020101020101" pitchFamily="18" charset="-127"/>
             </a:endParaRPr>
           </a:p>
           <a:p>
             <a:pPr lvl="2"/>
             <a:endParaRPr lang="en-KR" sz="1600" b="0" dirty="0">
-              <a:latin typeface="Varela Round" pitchFamily="2" charset="-79"/>
+              <a:latin typeface="BM JUA OTF" panose="02020603020101020101" pitchFamily="18" charset="-127"/>
+              <a:ea typeface="BM JUA OTF" panose="02020603020101020101" pitchFamily="18" charset="-127"/>
             </a:endParaRPr>
           </a:p>
           <a:p>
             <a:r>
               <a:rPr lang="en-US" b="0" dirty="0">
-                <a:latin typeface="Varela Round" pitchFamily="2" charset="-79"/>
+                <a:latin typeface="BM JUA OTF" panose="02020603020101020101" pitchFamily="18" charset="-127"/>
+                <a:ea typeface="BM JUA OTF" panose="02020603020101020101" pitchFamily="18" charset="-127"/>
               </a:rPr>
               <a:t>B. Weather, Traffic, Injury</a:t>
             </a:r>
             <a:endParaRPr lang="en-KR" b="0" dirty="0">
-              <a:latin typeface="Varela Round" pitchFamily="2" charset="-79"/>
+              <a:latin typeface="BM JUA OTF" panose="02020603020101020101" pitchFamily="18" charset="-127"/>
+              <a:ea typeface="BM JUA OTF" panose="02020603020101020101" pitchFamily="18" charset="-127"/>
             </a:endParaRPr>
           </a:p>
           <a:p>
             <a:pPr marL="260350" lvl="1" indent="0">
               <a:buNone/>
             </a:pPr>
-            <a:endParaRPr lang="en-US" sz="1600" b="0" dirty="0"/>
+            <a:endParaRPr lang="en-US" sz="1600" b="0" dirty="0">
+              <a:latin typeface="BM JUA OTF" panose="02020603020101020101" pitchFamily="18" charset="-127"/>
+              <a:ea typeface="BM JUA OTF" panose="02020603020101020101" pitchFamily="18" charset="-127"/>
+            </a:endParaRPr>
           </a:p>
           <a:p>
             <a:r>
@@ -10752,19 +11174,40 @@
                 <a:solidFill>
                   <a:srgbClr val="0070C0"/>
                 </a:solidFill>
-                <a:latin typeface="Varela Round" pitchFamily="2" charset="-79"/>
+                <a:latin typeface="BM JUA OTF" panose="02020603020101020101" pitchFamily="18" charset="-127"/>
+                <a:ea typeface="BM JUA OTF" panose="02020603020101020101" pitchFamily="18" charset="-127"/>
               </a:rPr>
               <a:t>C. Return to entire dataset</a:t>
             </a:r>
           </a:p>
           <a:p>
+            <a:pPr marL="260350" lvl="1" indent="0">
+              <a:buNone/>
+            </a:pPr>
+            <a:endParaRPr lang="en-US" altLang="ko-KR" sz="1600" b="0" dirty="0">
+              <a:latin typeface="BM JUA OTF" panose="02020603020101020101" pitchFamily="18" charset="-127"/>
+              <a:ea typeface="BM JUA OTF" panose="02020603020101020101" pitchFamily="18" charset="-127"/>
+            </a:endParaRPr>
+          </a:p>
+          <a:p>
+            <a:r>
+              <a:rPr lang="en-US" altLang="ko-KR" b="0" dirty="0">
+                <a:latin typeface="BM JUA OTF" panose="02020603020101020101" pitchFamily="18" charset="-127"/>
+                <a:ea typeface="BM JUA OTF" panose="02020603020101020101" pitchFamily="18" charset="-127"/>
+              </a:rPr>
+              <a:t>Appendix</a:t>
+            </a:r>
+          </a:p>
+          <a:p>
             <a:endParaRPr lang="en-US" b="0" dirty="0">
-              <a:latin typeface="Varela Round" pitchFamily="2" charset="-79"/>
+              <a:latin typeface="BM JUA OTF" panose="02020603020101020101" pitchFamily="18" charset="-127"/>
+              <a:ea typeface="BM JUA OTF" panose="02020603020101020101" pitchFamily="18" charset="-127"/>
             </a:endParaRPr>
           </a:p>
           <a:p>
             <a:endParaRPr lang="en-KR" b="0" dirty="0">
-              <a:latin typeface="Varela Round" pitchFamily="2" charset="-79"/>
+              <a:latin typeface="BM JUA OTF" panose="02020603020101020101" pitchFamily="18" charset="-127"/>
+              <a:ea typeface="BM JUA OTF" panose="02020603020101020101" pitchFamily="18" charset="-127"/>
             </a:endParaRPr>
           </a:p>
         </p:txBody>
@@ -10796,7 +11239,10 @@
           <a:lstStyle/>
           <a:p>
             <a:fld id="{EB02D1FF-6DD7-AC44-8165-5996AD7643D9}" type="slidenum">
-              <a:rPr lang="en-KR" smtClean="0"/>
+              <a:rPr lang="en-KR" smtClean="0">
+                <a:latin typeface="BM JUA OTF" panose="02020603020101020101" pitchFamily="18" charset="-127"/>
+                <a:ea typeface="BM JUA OTF" panose="02020603020101020101" pitchFamily="18" charset="-127"/>
+              </a:rPr>
               <a:pPr/>
               <a:t>19</a:t>
             </a:fld>
@@ -10804,6 +11250,8 @@
               <a:solidFill>
                 <a:schemeClr val="tx1"/>
               </a:solidFill>
+              <a:latin typeface="BM JUA OTF" panose="02020603020101020101" pitchFamily="18" charset="-127"/>
+              <a:ea typeface="BM JUA OTF" panose="02020603020101020101" pitchFamily="18" charset="-127"/>
             </a:endParaRPr>
           </a:p>
         </p:txBody>
@@ -10875,7 +11323,8 @@
           <a:p>
             <a:r>
               <a:rPr lang="en-KR" dirty="0">
-                <a:latin typeface="Varela Round" pitchFamily="2" charset="-79"/>
+                <a:latin typeface="BM HANNA Pro OTF" panose="020B0600000101010101" pitchFamily="34" charset="-127"/>
+                <a:ea typeface="BM HANNA Pro OTF" panose="020B0600000101010101" pitchFamily="34" charset="-127"/>
               </a:rPr>
               <a:t>Outline</a:t>
             </a:r>
@@ -10915,7 +11364,8 @@
                 <a:solidFill>
                   <a:srgbClr val="0070C0"/>
                 </a:solidFill>
-                <a:latin typeface="Varela Round" pitchFamily="2" charset="-79"/>
+                <a:latin typeface="BM JUA OTF" panose="02020603020101020101" pitchFamily="18" charset="-127"/>
+                <a:ea typeface="BM JUA OTF" panose="02020603020101020101" pitchFamily="18" charset="-127"/>
               </a:rPr>
               <a:t>Introduction</a:t>
             </a:r>
@@ -10926,76 +11376,115 @@
               <a:solidFill>
                 <a:srgbClr val="0070C0"/>
               </a:solidFill>
-              <a:latin typeface="Varela Round" pitchFamily="2" charset="-79"/>
+              <a:latin typeface="BM JUA OTF" panose="02020603020101020101" pitchFamily="18" charset="-127"/>
+              <a:ea typeface="BM JUA OTF" panose="02020603020101020101" pitchFamily="18" charset="-127"/>
             </a:endParaRPr>
           </a:p>
           <a:p>
             <a:r>
               <a:rPr lang="en-US" b="0" dirty="0">
-                <a:latin typeface="Varela Round" pitchFamily="2" charset="-79"/>
+                <a:latin typeface="BM JUA OTF" panose="02020603020101020101" pitchFamily="18" charset="-127"/>
+                <a:ea typeface="BM JUA OTF" panose="02020603020101020101" pitchFamily="18" charset="-127"/>
               </a:rPr>
               <a:t>Prepare Data</a:t>
             </a:r>
             <a:endParaRPr lang="en-KR" b="0" dirty="0">
-              <a:latin typeface="Varela Round" pitchFamily="2" charset="-79"/>
+              <a:latin typeface="BM JUA OTF" panose="02020603020101020101" pitchFamily="18" charset="-127"/>
+              <a:ea typeface="BM JUA OTF" panose="02020603020101020101" pitchFamily="18" charset="-127"/>
             </a:endParaRPr>
           </a:p>
           <a:p>
             <a:pPr lvl="2"/>
             <a:endParaRPr lang="en-KR" sz="1600" b="0" dirty="0">
-              <a:latin typeface="Varela Round" pitchFamily="2" charset="-79"/>
+              <a:latin typeface="BM JUA OTF" panose="02020603020101020101" pitchFamily="18" charset="-127"/>
+              <a:ea typeface="BM JUA OTF" panose="02020603020101020101" pitchFamily="18" charset="-127"/>
             </a:endParaRPr>
           </a:p>
           <a:p>
             <a:r>
               <a:rPr lang="en-US" b="0" dirty="0">
-                <a:latin typeface="Varela Round" pitchFamily="2" charset="-79"/>
+                <a:latin typeface="BM JUA OTF" panose="02020603020101020101" pitchFamily="18" charset="-127"/>
+                <a:ea typeface="BM JUA OTF" panose="02020603020101020101" pitchFamily="18" charset="-127"/>
               </a:rPr>
               <a:t>A. Default Prediction</a:t>
             </a:r>
             <a:endParaRPr lang="en-KR" b="0" dirty="0">
-              <a:latin typeface="Varela Round" pitchFamily="2" charset="-79"/>
+              <a:latin typeface="BM JUA OTF" panose="02020603020101020101" pitchFamily="18" charset="-127"/>
+              <a:ea typeface="BM JUA OTF" panose="02020603020101020101" pitchFamily="18" charset="-127"/>
             </a:endParaRPr>
           </a:p>
           <a:p>
             <a:pPr lvl="2"/>
             <a:endParaRPr lang="en-KR" sz="1600" b="0" dirty="0">
-              <a:latin typeface="Varela Round" pitchFamily="2" charset="-79"/>
+              <a:latin typeface="BM JUA OTF" panose="02020603020101020101" pitchFamily="18" charset="-127"/>
+              <a:ea typeface="BM JUA OTF" panose="02020603020101020101" pitchFamily="18" charset="-127"/>
             </a:endParaRPr>
           </a:p>
           <a:p>
             <a:r>
               <a:rPr lang="en-US" b="0" dirty="0">
-                <a:latin typeface="Varela Round" pitchFamily="2" charset="-79"/>
+                <a:latin typeface="BM JUA OTF" panose="02020603020101020101" pitchFamily="18" charset="-127"/>
+                <a:ea typeface="BM JUA OTF" panose="02020603020101020101" pitchFamily="18" charset="-127"/>
               </a:rPr>
               <a:t>B. Weather, Traffic, Injury</a:t>
             </a:r>
             <a:endParaRPr lang="en-KR" b="0" dirty="0">
-              <a:latin typeface="Varela Round" pitchFamily="2" charset="-79"/>
+              <a:latin typeface="BM JUA OTF" panose="02020603020101020101" pitchFamily="18" charset="-127"/>
+              <a:ea typeface="BM JUA OTF" panose="02020603020101020101" pitchFamily="18" charset="-127"/>
             </a:endParaRPr>
           </a:p>
           <a:p>
             <a:pPr marL="260350" lvl="1" indent="0">
               <a:buNone/>
             </a:pPr>
-            <a:endParaRPr lang="en-US" sz="1600" b="0" dirty="0"/>
+            <a:endParaRPr lang="en-US" sz="1600" b="0" dirty="0">
+              <a:latin typeface="BM JUA OTF" panose="02020603020101020101" pitchFamily="18" charset="-127"/>
+              <a:ea typeface="BM JUA OTF" panose="02020603020101020101" pitchFamily="18" charset="-127"/>
+            </a:endParaRPr>
           </a:p>
           <a:p>
             <a:r>
               <a:rPr lang="en-US" b="0" dirty="0">
-                <a:latin typeface="Varela Round" pitchFamily="2" charset="-79"/>
+                <a:latin typeface="BM JUA OTF" panose="02020603020101020101" pitchFamily="18" charset="-127"/>
+                <a:ea typeface="BM JUA OTF" panose="02020603020101020101" pitchFamily="18" charset="-127"/>
               </a:rPr>
               <a:t>C. Return to entire dataset</a:t>
             </a:r>
           </a:p>
           <a:p>
+            <a:pPr marL="260350" lvl="1" indent="0">
+              <a:buNone/>
+            </a:pPr>
+            <a:endParaRPr lang="en-US" altLang="ko-KR" sz="1600" b="0" dirty="0">
+              <a:latin typeface="BM JUA OTF" panose="02020603020101020101" pitchFamily="18" charset="-127"/>
+              <a:ea typeface="BM JUA OTF" panose="02020603020101020101" pitchFamily="18" charset="-127"/>
+            </a:endParaRPr>
+          </a:p>
+          <a:p>
+            <a:r>
+              <a:rPr lang="en-US" altLang="ko-KR" b="0" dirty="0">
+                <a:latin typeface="BM JUA OTF" panose="02020603020101020101" pitchFamily="18" charset="-127"/>
+                <a:ea typeface="BM JUA OTF" panose="02020603020101020101" pitchFamily="18" charset="-127"/>
+              </a:rPr>
+              <a:t>Appendix</a:t>
+            </a:r>
+          </a:p>
+          <a:p>
             <a:endParaRPr lang="en-US" b="0" dirty="0">
-              <a:latin typeface="Varela Round" pitchFamily="2" charset="-79"/>
+              <a:latin typeface="BM JUA OTF" panose="02020603020101020101" pitchFamily="18" charset="-127"/>
+              <a:ea typeface="BM JUA OTF" panose="02020603020101020101" pitchFamily="18" charset="-127"/>
             </a:endParaRPr>
           </a:p>
           <a:p>
+            <a:endParaRPr lang="en-US" b="0" dirty="0">
+              <a:latin typeface="BM JUA OTF" panose="02020603020101020101" pitchFamily="18" charset="-127"/>
+              <a:ea typeface="BM JUA OTF" panose="02020603020101020101" pitchFamily="18" charset="-127"/>
+            </a:endParaRPr>
+          </a:p>
+          <a:p>
             <a:endParaRPr lang="en-KR" b="0" dirty="0">
-              <a:latin typeface="Varela Round" pitchFamily="2" charset="-79"/>
+              <a:latin typeface="BM JUA OTF" panose="02020603020101020101" pitchFamily="18" charset="-127"/>
+              <a:ea typeface="BM JUA OTF" panose="02020603020101020101" pitchFamily="18" charset="-127"/>
             </a:endParaRPr>
           </a:p>
         </p:txBody>
@@ -11027,7 +11516,10 @@
           <a:lstStyle/>
           <a:p>
             <a:fld id="{EB02D1FF-6DD7-AC44-8165-5996AD7643D9}" type="slidenum">
-              <a:rPr lang="en-KR" smtClean="0"/>
+              <a:rPr lang="en-KR" smtClean="0">
+                <a:latin typeface="BM JUA OTF" panose="02020603020101020101" pitchFamily="18" charset="-127"/>
+                <a:ea typeface="BM JUA OTF" panose="02020603020101020101" pitchFamily="18" charset="-127"/>
+              </a:rPr>
               <a:pPr/>
               <a:t>2</a:t>
             </a:fld>
@@ -11035,6 +11527,8 @@
               <a:solidFill>
                 <a:schemeClr val="tx1"/>
               </a:solidFill>
+              <a:latin typeface="BM JUA OTF" panose="02020603020101020101" pitchFamily="18" charset="-127"/>
+              <a:ea typeface="BM JUA OTF" panose="02020603020101020101" pitchFamily="18" charset="-127"/>
             </a:endParaRPr>
           </a:p>
         </p:txBody>
@@ -11105,10 +11599,16 @@
           <a:lstStyle/>
           <a:p>
             <a:r>
-              <a:rPr lang="en-US" altLang="ko-KR" dirty="0"/>
+              <a:rPr lang="en-US" altLang="ko-KR" dirty="0">
+                <a:latin typeface="BM JUA OTF" panose="02020603020101020101" pitchFamily="18" charset="-127"/>
+                <a:ea typeface="BM JUA OTF" panose="02020603020101020101" pitchFamily="18" charset="-127"/>
+              </a:rPr>
               <a:t>Training Data(60%) and Validation Data(40%)</a:t>
             </a:r>
-            <a:endParaRPr lang="ko-KR" altLang="en-US" dirty="0"/>
+            <a:endParaRPr lang="ko-KR" altLang="en-US" dirty="0">
+              <a:latin typeface="BM JUA OTF" panose="02020603020101020101" pitchFamily="18" charset="-127"/>
+              <a:ea typeface="BM JUA OTF" panose="02020603020101020101" pitchFamily="18" charset="-127"/>
+            </a:endParaRPr>
           </a:p>
         </p:txBody>
       </p:sp>
@@ -11136,10 +11636,16 @@
           <a:lstStyle/>
           <a:p>
             <a:r>
-              <a:rPr kumimoji="1" lang="en-US" altLang="en-US" dirty="0"/>
+              <a:rPr kumimoji="1" lang="en-US" altLang="en-US" dirty="0">
+                <a:latin typeface="BM JUA OTF" panose="02020603020101020101" pitchFamily="18" charset="-127"/>
+                <a:ea typeface="BM JUA OTF" panose="02020603020101020101" pitchFamily="18" charset="-127"/>
+              </a:rPr>
               <a:t>Return to entire dataset</a:t>
             </a:r>
-            <a:endParaRPr kumimoji="1" lang="ko-Kore-KR" altLang="en-US" dirty="0"/>
+            <a:endParaRPr kumimoji="1" lang="ko-Kore-KR" altLang="en-US" dirty="0">
+              <a:latin typeface="BM JUA OTF" panose="02020603020101020101" pitchFamily="18" charset="-127"/>
+              <a:ea typeface="BM JUA OTF" panose="02020603020101020101" pitchFamily="18" charset="-127"/>
+            </a:endParaRPr>
           </a:p>
         </p:txBody>
       </p:sp>
@@ -11165,11 +11671,17 @@
           <a:lstStyle/>
           <a:p>
             <a:fld id="{EB02D1FF-6DD7-AC44-8165-5996AD7643D9}" type="slidenum">
-              <a:rPr lang="en-KR" smtClean="0"/>
+              <a:rPr lang="en-KR" smtClean="0">
+                <a:latin typeface="BM JUA OTF" panose="02020603020101020101" pitchFamily="18" charset="-127"/>
+                <a:ea typeface="BM JUA OTF" panose="02020603020101020101" pitchFamily="18" charset="-127"/>
+              </a:rPr>
               <a:pPr/>
               <a:t>20</a:t>
             </a:fld>
-            <a:endParaRPr lang="en-KR" dirty="0"/>
+            <a:endParaRPr lang="en-KR" dirty="0">
+              <a:latin typeface="BM JUA OTF" panose="02020603020101020101" pitchFamily="18" charset="-127"/>
+              <a:ea typeface="BM JUA OTF" panose="02020603020101020101" pitchFamily="18" charset="-127"/>
+            </a:endParaRPr>
           </a:p>
         </p:txBody>
       </p:sp>
@@ -11245,10 +11757,16 @@
           <a:lstStyle/>
           <a:p>
             <a:r>
-              <a:rPr lang="en-US" dirty="0"/>
+              <a:rPr lang="en-US" dirty="0">
+                <a:latin typeface="BM JUA OTF" panose="02020603020101020101" pitchFamily="18" charset="-127"/>
+                <a:ea typeface="BM JUA OTF" panose="02020603020101020101" pitchFamily="18" charset="-127"/>
+              </a:rPr>
               <a:t>Oct 2024</a:t>
             </a:r>
-            <a:endParaRPr lang="en-KR" dirty="0"/>
+            <a:endParaRPr lang="en-KR" dirty="0">
+              <a:latin typeface="BM JUA OTF" panose="02020603020101020101" pitchFamily="18" charset="-127"/>
+              <a:ea typeface="BM JUA OTF" panose="02020603020101020101" pitchFamily="18" charset="-127"/>
+            </a:endParaRPr>
           </a:p>
         </p:txBody>
       </p:sp>
@@ -11378,10 +11896,16 @@
           <a:lstStyle/>
           <a:p>
             <a:r>
-              <a:rPr kumimoji="1" lang="en-US" altLang="en-US" dirty="0"/>
+              <a:rPr kumimoji="1" lang="en-US" altLang="en-US" dirty="0">
+                <a:latin typeface="BM JUA OTF" panose="02020603020101020101" pitchFamily="18" charset="-127"/>
+                <a:ea typeface="BM JUA OTF" panose="02020603020101020101" pitchFamily="18" charset="-127"/>
+              </a:rPr>
               <a:t>Return to entire dataset</a:t>
             </a:r>
-            <a:endParaRPr kumimoji="1" lang="ko-Kore-KR" altLang="en-US" dirty="0"/>
+            <a:endParaRPr kumimoji="1" lang="ko-Kore-KR" altLang="en-US" dirty="0">
+              <a:latin typeface="BM JUA OTF" panose="02020603020101020101" pitchFamily="18" charset="-127"/>
+              <a:ea typeface="BM JUA OTF" panose="02020603020101020101" pitchFamily="18" charset="-127"/>
+            </a:endParaRPr>
           </a:p>
         </p:txBody>
       </p:sp>
@@ -11407,11 +11931,17 @@
           <a:lstStyle/>
           <a:p>
             <a:fld id="{EB02D1FF-6DD7-AC44-8165-5996AD7643D9}" type="slidenum">
-              <a:rPr lang="en-KR" smtClean="0"/>
+              <a:rPr lang="en-KR" smtClean="0">
+                <a:latin typeface="BM JUA OTF" panose="02020603020101020101" pitchFamily="18" charset="-127"/>
+                <a:ea typeface="BM JUA OTF" panose="02020603020101020101" pitchFamily="18" charset="-127"/>
+              </a:rPr>
               <a:pPr/>
               <a:t>21</a:t>
             </a:fld>
-            <a:endParaRPr lang="en-KR" dirty="0"/>
+            <a:endParaRPr lang="en-KR" dirty="0">
+              <a:latin typeface="BM JUA OTF" panose="02020603020101020101" pitchFamily="18" charset="-127"/>
+              <a:ea typeface="BM JUA OTF" panose="02020603020101020101" pitchFamily="18" charset="-127"/>
+            </a:endParaRPr>
           </a:p>
         </p:txBody>
       </p:sp>
@@ -11487,10 +12017,16 @@
           <a:lstStyle/>
           <a:p>
             <a:r>
-              <a:rPr lang="en-US" dirty="0"/>
+              <a:rPr lang="en-US" dirty="0">
+                <a:latin typeface="BM JUA OTF" panose="02020603020101020101" pitchFamily="18" charset="-127"/>
+                <a:ea typeface="BM JUA OTF" panose="02020603020101020101" pitchFamily="18" charset="-127"/>
+              </a:rPr>
               <a:t>Oct 2024</a:t>
             </a:r>
-            <a:endParaRPr lang="en-KR" dirty="0"/>
+            <a:endParaRPr lang="en-KR" dirty="0">
+              <a:latin typeface="BM JUA OTF" panose="02020603020101020101" pitchFamily="18" charset="-127"/>
+              <a:ea typeface="BM JUA OTF" panose="02020603020101020101" pitchFamily="18" charset="-127"/>
+            </a:endParaRPr>
           </a:p>
         </p:txBody>
       </p:sp>
@@ -11589,62 +12125,98 @@
           <a:lstStyle/>
           <a:p>
             <a:r>
-              <a:rPr lang="en" altLang="ko-KR" b="1" dirty="0"/>
+              <a:rPr lang="en" altLang="ko-KR" b="1" dirty="0">
+                <a:latin typeface="BM JUA OTF" panose="02020603020101020101" pitchFamily="18" charset="-127"/>
+                <a:ea typeface="BM JUA OTF" panose="02020603020101020101" pitchFamily="18" charset="-127"/>
+              </a:rPr>
               <a:t>Selecting Predictors for Analysis</a:t>
             </a:r>
           </a:p>
           <a:p>
             <a:pPr lvl="1"/>
             <a:r>
-              <a:rPr lang="en" altLang="ko-KR" b="1" dirty="0"/>
+              <a:rPr lang="en" altLang="ko-KR" b="1" dirty="0">
+                <a:latin typeface="BM JUA OTF" panose="02020603020101020101" pitchFamily="18" charset="-127"/>
+                <a:ea typeface="BM JUA OTF" panose="02020603020101020101" pitchFamily="18" charset="-127"/>
+              </a:rPr>
               <a:t>Analysis Context:</a:t>
             </a:r>
           </a:p>
           <a:p>
             <a:pPr lvl="2"/>
             <a:r>
-              <a:rPr lang="en" altLang="ko-KR" b="1" dirty="0"/>
+              <a:rPr lang="en" altLang="ko-KR" b="1" dirty="0">
+                <a:latin typeface="BM JUA OTF" panose="02020603020101020101" pitchFamily="18" charset="-127"/>
+                <a:ea typeface="BM JUA OTF" panose="02020603020101020101" pitchFamily="18" charset="-127"/>
+              </a:rPr>
               <a:t>Assumption</a:t>
             </a:r>
             <a:r>
-              <a:rPr lang="en" altLang="ko-KR" dirty="0"/>
+              <a:rPr lang="en" altLang="ko-KR" dirty="0">
+                <a:latin typeface="BM JUA OTF" panose="02020603020101020101" pitchFamily="18" charset="-127"/>
+                <a:ea typeface="BM JUA OTF" panose="02020603020101020101" pitchFamily="18" charset="-127"/>
+              </a:rPr>
               <a:t>: At prediction time, no specific accident details or initial report are available.</a:t>
             </a:r>
-            <a:endParaRPr lang="en" altLang="ko-KR" b="1" dirty="0"/>
+            <a:endParaRPr lang="en" altLang="ko-KR" b="1" dirty="0">
+              <a:latin typeface="BM JUA OTF" panose="02020603020101020101" pitchFamily="18" charset="-127"/>
+              <a:ea typeface="BM JUA OTF" panose="02020603020101020101" pitchFamily="18" charset="-127"/>
+            </a:endParaRPr>
           </a:p>
           <a:p>
             <a:pPr lvl="2"/>
             <a:r>
-              <a:rPr lang="en" altLang="ko-KR" b="1" dirty="0"/>
+              <a:rPr lang="en" altLang="ko-KR" b="1" dirty="0">
+                <a:latin typeface="BM JUA OTF" panose="02020603020101020101" pitchFamily="18" charset="-127"/>
+                <a:ea typeface="BM JUA OTF" panose="02020603020101020101" pitchFamily="18" charset="-127"/>
+              </a:rPr>
               <a:t>Available Data</a:t>
             </a:r>
             <a:r>
-              <a:rPr lang="en" altLang="ko-KR" dirty="0"/>
+              <a:rPr lang="en" altLang="ko-KR" dirty="0">
+                <a:latin typeface="BM JUA OTF" panose="02020603020101020101" pitchFamily="18" charset="-127"/>
+                <a:ea typeface="BM JUA OTF" panose="02020603020101020101" pitchFamily="18" charset="-127"/>
+              </a:rPr>
               <a:t>: Only location characteristics and weather conditions are provided.</a:t>
             </a:r>
-            <a:endParaRPr lang="en" altLang="ko-KR" b="1" dirty="0"/>
+            <a:endParaRPr lang="en" altLang="ko-KR" b="1" dirty="0">
+              <a:latin typeface="BM JUA OTF" panose="02020603020101020101" pitchFamily="18" charset="-127"/>
+              <a:ea typeface="BM JUA OTF" panose="02020603020101020101" pitchFamily="18" charset="-127"/>
+            </a:endParaRPr>
           </a:p>
           <a:p>
             <a:pPr lvl="1"/>
             <a:r>
-              <a:rPr lang="en" altLang="ko-KR" b="1" dirty="0"/>
+              <a:rPr lang="en" altLang="ko-KR" b="1" dirty="0">
+                <a:latin typeface="BM JUA OTF" panose="02020603020101020101" pitchFamily="18" charset="-127"/>
+                <a:ea typeface="BM JUA OTF" panose="02020603020101020101" pitchFamily="18" charset="-127"/>
+              </a:rPr>
               <a:t>Reference:</a:t>
             </a:r>
           </a:p>
           <a:p>
             <a:pPr lvl="2"/>
             <a:r>
-              <a:rPr lang="en" altLang="ko-KR" b="1" dirty="0"/>
+              <a:rPr lang="en" altLang="ko-KR" b="1" dirty="0">
+                <a:latin typeface="BM JUA OTF" panose="02020603020101020101" pitchFamily="18" charset="-127"/>
+                <a:ea typeface="BM JUA OTF" panose="02020603020101020101" pitchFamily="18" charset="-127"/>
+              </a:rPr>
               <a:t>Data Specifications</a:t>
             </a:r>
             <a:r>
-              <a:rPr lang="en" altLang="ko-KR" dirty="0"/>
+              <a:rPr lang="en" altLang="ko-KR" dirty="0">
+                <a:latin typeface="BM JUA OTF" panose="02020603020101020101" pitchFamily="18" charset="-127"/>
+                <a:ea typeface="BM JUA OTF" panose="02020603020101020101" pitchFamily="18" charset="-127"/>
+              </a:rPr>
               <a:t>: File data specification page for detailed predictor descriptions.</a:t>
             </a:r>
           </a:p>
           <a:p>
             <a:pPr lvl="2"/>
-            <a:endParaRPr lang="en" altLang="ko-KR" dirty="0"/>
+            <a:endParaRPr lang="en" altLang="ko-KR" dirty="0">
+              <a:latin typeface="BM JUA OTF" panose="02020603020101020101" pitchFamily="18" charset="-127"/>
+              <a:ea typeface="BM JUA OTF" panose="02020603020101020101" pitchFamily="18" charset="-127"/>
+            </a:endParaRPr>
           </a:p>
         </p:txBody>
       </p:sp>
@@ -11672,10 +12244,16 @@
           <a:lstStyle/>
           <a:p>
             <a:r>
-              <a:rPr kumimoji="1" lang="en-US" altLang="en-US" dirty="0"/>
+              <a:rPr kumimoji="1" lang="en-US" altLang="en-US" dirty="0">
+                <a:latin typeface="BM JUA OTF" panose="02020603020101020101" pitchFamily="18" charset="-127"/>
+                <a:ea typeface="BM JUA OTF" panose="02020603020101020101" pitchFamily="18" charset="-127"/>
+              </a:rPr>
               <a:t>Return to entire dataset</a:t>
             </a:r>
-            <a:endParaRPr kumimoji="1" lang="ko-Kore-KR" altLang="en-US" dirty="0"/>
+            <a:endParaRPr kumimoji="1" lang="ko-Kore-KR" altLang="en-US" dirty="0">
+              <a:latin typeface="BM JUA OTF" panose="02020603020101020101" pitchFamily="18" charset="-127"/>
+              <a:ea typeface="BM JUA OTF" panose="02020603020101020101" pitchFamily="18" charset="-127"/>
+            </a:endParaRPr>
           </a:p>
         </p:txBody>
       </p:sp>
@@ -11701,11 +12279,17 @@
           <a:lstStyle/>
           <a:p>
             <a:fld id="{EB02D1FF-6DD7-AC44-8165-5996AD7643D9}" type="slidenum">
-              <a:rPr lang="en-KR" smtClean="0"/>
+              <a:rPr lang="en-KR" smtClean="0">
+                <a:latin typeface="BM JUA OTF" panose="02020603020101020101" pitchFamily="18" charset="-127"/>
+                <a:ea typeface="BM JUA OTF" panose="02020603020101020101" pitchFamily="18" charset="-127"/>
+              </a:rPr>
               <a:pPr/>
               <a:t>22</a:t>
             </a:fld>
-            <a:endParaRPr lang="en-KR" dirty="0"/>
+            <a:endParaRPr lang="en-KR" dirty="0">
+              <a:latin typeface="BM JUA OTF" panose="02020603020101020101" pitchFamily="18" charset="-127"/>
+              <a:ea typeface="BM JUA OTF" panose="02020603020101020101" pitchFamily="18" charset="-127"/>
+            </a:endParaRPr>
           </a:p>
         </p:txBody>
       </p:sp>
@@ -11781,10 +12365,16 @@
           <a:lstStyle/>
           <a:p>
             <a:r>
-              <a:rPr lang="en-US" dirty="0"/>
+              <a:rPr lang="en-US" dirty="0">
+                <a:latin typeface="BM JUA OTF" panose="02020603020101020101" pitchFamily="18" charset="-127"/>
+                <a:ea typeface="BM JUA OTF" panose="02020603020101020101" pitchFamily="18" charset="-127"/>
+              </a:rPr>
               <a:t>Oct 2024</a:t>
             </a:r>
-            <a:endParaRPr lang="en-KR" dirty="0"/>
+            <a:endParaRPr lang="en-KR" dirty="0">
+              <a:latin typeface="BM JUA OTF" panose="02020603020101020101" pitchFamily="18" charset="-127"/>
+              <a:ea typeface="BM JUA OTF" panose="02020603020101020101" pitchFamily="18" charset="-127"/>
+            </a:endParaRPr>
           </a:p>
         </p:txBody>
       </p:sp>
@@ -11885,10 +12475,16 @@
           <a:lstStyle/>
           <a:p>
             <a:r>
-              <a:rPr kumimoji="1" lang="en-US" altLang="en-US" dirty="0"/>
+              <a:rPr kumimoji="1" lang="en-US" altLang="en-US" dirty="0">
+                <a:latin typeface="BM JUA OTF" panose="02020603020101020101" pitchFamily="18" charset="-127"/>
+                <a:ea typeface="BM JUA OTF" panose="02020603020101020101" pitchFamily="18" charset="-127"/>
+              </a:rPr>
               <a:t>Validation Dataset Error Rate</a:t>
             </a:r>
-            <a:endParaRPr kumimoji="1" lang="ko-Kore-KR" altLang="en-US" dirty="0"/>
+            <a:endParaRPr kumimoji="1" lang="ko-Kore-KR" altLang="en-US" dirty="0">
+              <a:latin typeface="BM JUA OTF" panose="02020603020101020101" pitchFamily="18" charset="-127"/>
+              <a:ea typeface="BM JUA OTF" panose="02020603020101020101" pitchFamily="18" charset="-127"/>
+            </a:endParaRPr>
           </a:p>
         </p:txBody>
       </p:sp>
@@ -11914,11 +12510,17 @@
           <a:lstStyle/>
           <a:p>
             <a:fld id="{EB02D1FF-6DD7-AC44-8165-5996AD7643D9}" type="slidenum">
-              <a:rPr lang="en-KR" smtClean="0"/>
+              <a:rPr lang="en-KR" smtClean="0">
+                <a:latin typeface="BM JUA OTF" panose="02020603020101020101" pitchFamily="18" charset="-127"/>
+                <a:ea typeface="BM JUA OTF" panose="02020603020101020101" pitchFamily="18" charset="-127"/>
+              </a:rPr>
               <a:pPr/>
               <a:t>23</a:t>
             </a:fld>
-            <a:endParaRPr lang="en-KR" dirty="0"/>
+            <a:endParaRPr lang="en-KR" dirty="0">
+              <a:latin typeface="BM JUA OTF" panose="02020603020101020101" pitchFamily="18" charset="-127"/>
+              <a:ea typeface="BM JUA OTF" panose="02020603020101020101" pitchFamily="18" charset="-127"/>
+            </a:endParaRPr>
           </a:p>
         </p:txBody>
       </p:sp>
@@ -11994,10 +12596,16 @@
           <a:lstStyle/>
           <a:p>
             <a:r>
-              <a:rPr lang="en-US" dirty="0"/>
+              <a:rPr lang="en-US" dirty="0">
+                <a:latin typeface="BM JUA OTF" panose="02020603020101020101" pitchFamily="18" charset="-127"/>
+                <a:ea typeface="BM JUA OTF" panose="02020603020101020101" pitchFamily="18" charset="-127"/>
+              </a:rPr>
               <a:t>Oct 2024</a:t>
             </a:r>
-            <a:endParaRPr lang="en-KR" dirty="0"/>
+            <a:endParaRPr lang="en-KR" dirty="0">
+              <a:latin typeface="BM JUA OTF" panose="02020603020101020101" pitchFamily="18" charset="-127"/>
+              <a:ea typeface="BM JUA OTF" panose="02020603020101020101" pitchFamily="18" charset="-127"/>
+            </a:endParaRPr>
           </a:p>
         </p:txBody>
       </p:sp>
@@ -12079,7 +12687,10 @@
           <a:lstStyle/>
           <a:p>
             <a:pPr algn="ctr"/>
-            <a:endParaRPr kumimoji="1" lang="ko-KR" altLang="en-US"/>
+            <a:endParaRPr kumimoji="1" lang="ko-KR" altLang="en-US">
+              <a:latin typeface="BM JUA OTF" panose="02020603020101020101" pitchFamily="18" charset="-127"/>
+              <a:ea typeface="BM JUA OTF" panose="02020603020101020101" pitchFamily="18" charset="-127"/>
+            </a:endParaRPr>
           </a:p>
         </p:txBody>
       </p:sp>
@@ -12149,25 +12760,40 @@
           <a:lstStyle/>
           <a:p>
             <a:r>
-              <a:rPr lang="en" altLang="ko-KR" b="1" dirty="0"/>
+              <a:rPr lang="en" altLang="ko-KR" b="1" dirty="0">
+                <a:latin typeface="BM JUA OTF" panose="02020603020101020101" pitchFamily="18" charset="-127"/>
+                <a:ea typeface="BM JUA OTF" panose="02020603020101020101" pitchFamily="18" charset="-127"/>
+              </a:rPr>
               <a:t>Relative Improvement with Na</a:t>
             </a:r>
             <a:r>
-              <a:rPr lang="en-US" altLang="ko-KR" dirty="0" err="1"/>
+              <a:rPr lang="en-US" altLang="ko-KR" dirty="0" err="1">
+                <a:latin typeface="BM JUA OTF" panose="02020603020101020101" pitchFamily="18" charset="-127"/>
+                <a:ea typeface="BM JUA OTF" panose="02020603020101020101" pitchFamily="18" charset="-127"/>
+              </a:rPr>
               <a:t>ï</a:t>
             </a:r>
             <a:r>
-              <a:rPr lang="en" altLang="ko-KR" b="1" dirty="0" err="1"/>
+              <a:rPr lang="en" altLang="ko-KR" b="1" dirty="0" err="1">
+                <a:latin typeface="BM JUA OTF" panose="02020603020101020101" pitchFamily="18" charset="-127"/>
+                <a:ea typeface="BM JUA OTF" panose="02020603020101020101" pitchFamily="18" charset="-127"/>
+              </a:rPr>
               <a:t>ve</a:t>
             </a:r>
             <a:r>
-              <a:rPr lang="en" altLang="ko-KR" b="1" dirty="0"/>
+              <a:rPr lang="en" altLang="ko-KR" b="1" dirty="0">
+                <a:latin typeface="BM JUA OTF" panose="02020603020101020101" pitchFamily="18" charset="-127"/>
+                <a:ea typeface="BM JUA OTF" panose="02020603020101020101" pitchFamily="18" charset="-127"/>
+              </a:rPr>
               <a:t> Bayes Rule</a:t>
             </a:r>
           </a:p>
           <a:p>
             <a:pPr lvl="2"/>
-            <a:endParaRPr lang="en" altLang="ko-KR" dirty="0"/>
+            <a:endParaRPr lang="en" altLang="ko-KR" dirty="0">
+              <a:latin typeface="BM JUA OTF" panose="02020603020101020101" pitchFamily="18" charset="-127"/>
+              <a:ea typeface="BM JUA OTF" panose="02020603020101020101" pitchFamily="18" charset="-127"/>
+            </a:endParaRPr>
           </a:p>
         </p:txBody>
       </p:sp>
@@ -12195,10 +12821,16 @@
           <a:lstStyle/>
           <a:p>
             <a:r>
-              <a:rPr kumimoji="1" lang="en-US" altLang="en-US" dirty="0"/>
+              <a:rPr kumimoji="1" lang="en-US" altLang="en-US" dirty="0">
+                <a:latin typeface="BM JUA OTF" panose="02020603020101020101" pitchFamily="18" charset="-127"/>
+                <a:ea typeface="BM JUA OTF" panose="02020603020101020101" pitchFamily="18" charset="-127"/>
+              </a:rPr>
               <a:t>Return to entire dataset</a:t>
             </a:r>
-            <a:endParaRPr kumimoji="1" lang="ko-Kore-KR" altLang="en-US" dirty="0"/>
+            <a:endParaRPr kumimoji="1" lang="ko-Kore-KR" altLang="en-US" dirty="0">
+              <a:latin typeface="BM JUA OTF" panose="02020603020101020101" pitchFamily="18" charset="-127"/>
+              <a:ea typeface="BM JUA OTF" panose="02020603020101020101" pitchFamily="18" charset="-127"/>
+            </a:endParaRPr>
           </a:p>
         </p:txBody>
       </p:sp>
@@ -12224,11 +12856,17 @@
           <a:lstStyle/>
           <a:p>
             <a:fld id="{EB02D1FF-6DD7-AC44-8165-5996AD7643D9}" type="slidenum">
-              <a:rPr lang="en-KR" smtClean="0"/>
+              <a:rPr lang="en-KR" smtClean="0">
+                <a:latin typeface="BM JUA OTF" panose="02020603020101020101" pitchFamily="18" charset="-127"/>
+                <a:ea typeface="BM JUA OTF" panose="02020603020101020101" pitchFamily="18" charset="-127"/>
+              </a:rPr>
               <a:pPr/>
               <a:t>24</a:t>
             </a:fld>
-            <a:endParaRPr lang="en-KR" dirty="0"/>
+            <a:endParaRPr lang="en-KR" dirty="0">
+              <a:latin typeface="BM JUA OTF" panose="02020603020101020101" pitchFamily="18" charset="-127"/>
+              <a:ea typeface="BM JUA OTF" panose="02020603020101020101" pitchFamily="18" charset="-127"/>
+            </a:endParaRPr>
           </a:p>
         </p:txBody>
       </p:sp>
@@ -12304,10 +12942,16 @@
           <a:lstStyle/>
           <a:p>
             <a:r>
-              <a:rPr lang="en-US" dirty="0"/>
+              <a:rPr lang="en-US" dirty="0">
+                <a:latin typeface="BM JUA OTF" panose="02020603020101020101" pitchFamily="18" charset="-127"/>
+                <a:ea typeface="BM JUA OTF" panose="02020603020101020101" pitchFamily="18" charset="-127"/>
+              </a:rPr>
               <a:t>Oct 2024</a:t>
             </a:r>
-            <a:endParaRPr lang="en-KR" dirty="0"/>
+            <a:endParaRPr lang="en-KR" dirty="0">
+              <a:latin typeface="BM JUA OTF" panose="02020603020101020101" pitchFamily="18" charset="-127"/>
+              <a:ea typeface="BM JUA OTF" panose="02020603020101020101" pitchFamily="18" charset="-127"/>
+            </a:endParaRPr>
           </a:p>
         </p:txBody>
       </p:sp>
@@ -12407,13 +13051,19 @@
           <a:lstStyle/>
           <a:p>
             <a:r>
-              <a:rPr lang="en" altLang="ko-KR" b="1" dirty="0"/>
+              <a:rPr lang="en" altLang="ko-KR" b="1" dirty="0">
+                <a:latin typeface="BM JUA OTF" panose="02020603020101020101" pitchFamily="18" charset="-127"/>
+                <a:ea typeface="BM JUA OTF" panose="02020603020101020101" pitchFamily="18" charset="-127"/>
+              </a:rPr>
               <a:t>Why is P(INJURY = No | SPD_LIM = 5) = 0?</a:t>
             </a:r>
           </a:p>
           <a:p>
             <a:pPr lvl="2"/>
-            <a:endParaRPr lang="en" altLang="ko-KR" dirty="0"/>
+            <a:endParaRPr lang="en" altLang="ko-KR" dirty="0">
+              <a:latin typeface="BM JUA OTF" panose="02020603020101020101" pitchFamily="18" charset="-127"/>
+              <a:ea typeface="BM JUA OTF" panose="02020603020101020101" pitchFamily="18" charset="-127"/>
+            </a:endParaRPr>
           </a:p>
         </p:txBody>
       </p:sp>
@@ -12436,12 +13086,15 @@
         <p:spPr/>
         <p:txBody>
           <a:bodyPr>
-            <a:normAutofit fontScale="90000"/>
+            <a:normAutofit/>
           </a:bodyPr>
           <a:lstStyle/>
           <a:p>
             <a:r>
-              <a:rPr lang="en" altLang="ko-KR" b="1" dirty="0"/>
+              <a:rPr lang="en" altLang="ko-KR" b="1" dirty="0">
+                <a:latin typeface="BM JUA OTF" panose="02020603020101020101" pitchFamily="18" charset="-127"/>
+                <a:ea typeface="BM JUA OTF" panose="02020603020101020101" pitchFamily="18" charset="-127"/>
+              </a:rPr>
               <a:t>Conditional Probability Analysis</a:t>
             </a:r>
           </a:p>
@@ -12469,11 +13122,17 @@
           <a:lstStyle/>
           <a:p>
             <a:fld id="{EB02D1FF-6DD7-AC44-8165-5996AD7643D9}" type="slidenum">
-              <a:rPr lang="en-KR" smtClean="0"/>
+              <a:rPr lang="en-KR" smtClean="0">
+                <a:latin typeface="BM JUA OTF" panose="02020603020101020101" pitchFamily="18" charset="-127"/>
+                <a:ea typeface="BM JUA OTF" panose="02020603020101020101" pitchFamily="18" charset="-127"/>
+              </a:rPr>
               <a:pPr/>
               <a:t>25</a:t>
             </a:fld>
-            <a:endParaRPr lang="en-KR" dirty="0"/>
+            <a:endParaRPr lang="en-KR" dirty="0">
+              <a:latin typeface="BM JUA OTF" panose="02020603020101020101" pitchFamily="18" charset="-127"/>
+              <a:ea typeface="BM JUA OTF" panose="02020603020101020101" pitchFamily="18" charset="-127"/>
+            </a:endParaRPr>
           </a:p>
         </p:txBody>
       </p:sp>
@@ -12549,10 +13208,16 @@
           <a:lstStyle/>
           <a:p>
             <a:r>
-              <a:rPr lang="en-US" dirty="0"/>
+              <a:rPr lang="en-US" dirty="0">
+                <a:latin typeface="BM JUA OTF" panose="02020603020101020101" pitchFamily="18" charset="-127"/>
+                <a:ea typeface="BM JUA OTF" panose="02020603020101020101" pitchFamily="18" charset="-127"/>
+              </a:rPr>
               <a:t>Oct 2024</a:t>
             </a:r>
-            <a:endParaRPr lang="en-KR" dirty="0"/>
+            <a:endParaRPr lang="en-KR" dirty="0">
+              <a:latin typeface="BM JUA OTF" panose="02020603020101020101" pitchFamily="18" charset="-127"/>
+              <a:ea typeface="BM JUA OTF" panose="02020603020101020101" pitchFamily="18" charset="-127"/>
+            </a:endParaRPr>
           </a:p>
         </p:txBody>
       </p:sp>
@@ -12663,7 +13328,10 @@
           <a:lstStyle/>
           <a:p>
             <a:pPr algn="ctr"/>
-            <a:endParaRPr kumimoji="1" lang="ko-KR" altLang="en-US"/>
+            <a:endParaRPr kumimoji="1" lang="ko-KR" altLang="en-US">
+              <a:latin typeface="BM JUA OTF" panose="02020603020101020101" pitchFamily="18" charset="-127"/>
+              <a:ea typeface="BM JUA OTF" panose="02020603020101020101" pitchFamily="18" charset="-127"/>
+            </a:endParaRPr>
           </a:p>
         </p:txBody>
       </p:sp>
@@ -12733,13 +13401,19 @@
           <a:lstStyle/>
           <a:p>
             <a:r>
-              <a:rPr lang="en" altLang="ko-KR" b="1" dirty="0"/>
+              <a:rPr lang="en" altLang="ko-KR" b="1" dirty="0">
+                <a:latin typeface="BM JUA OTF" panose="02020603020101020101" pitchFamily="18" charset="-127"/>
+                <a:ea typeface="BM JUA OTF" panose="02020603020101020101" pitchFamily="18" charset="-127"/>
+              </a:rPr>
               <a:t>Why is P(INJURY = No | SPD_LIM = 5) = 0?</a:t>
             </a:r>
           </a:p>
           <a:p>
             <a:pPr lvl="2"/>
-            <a:endParaRPr lang="en" altLang="ko-KR" dirty="0"/>
+            <a:endParaRPr lang="en" altLang="ko-KR" dirty="0">
+              <a:latin typeface="BM JUA OTF" panose="02020603020101020101" pitchFamily="18" charset="-127"/>
+              <a:ea typeface="BM JUA OTF" panose="02020603020101020101" pitchFamily="18" charset="-127"/>
+            </a:endParaRPr>
           </a:p>
         </p:txBody>
       </p:sp>
@@ -12762,12 +13436,15 @@
         <p:spPr/>
         <p:txBody>
           <a:bodyPr>
-            <a:normAutofit fontScale="90000"/>
+            <a:normAutofit/>
           </a:bodyPr>
           <a:lstStyle/>
           <a:p>
             <a:r>
-              <a:rPr lang="en" altLang="ko-KR" b="1" dirty="0"/>
+              <a:rPr lang="en" altLang="ko-KR" b="1" dirty="0">
+                <a:latin typeface="BM JUA OTF" panose="02020603020101020101" pitchFamily="18" charset="-127"/>
+                <a:ea typeface="BM JUA OTF" panose="02020603020101020101" pitchFamily="18" charset="-127"/>
+              </a:rPr>
               <a:t>Conditional Probability Analysis</a:t>
             </a:r>
           </a:p>
@@ -12795,11 +13472,17 @@
           <a:lstStyle/>
           <a:p>
             <a:fld id="{EB02D1FF-6DD7-AC44-8165-5996AD7643D9}" type="slidenum">
-              <a:rPr lang="en-KR" smtClean="0"/>
+              <a:rPr lang="en-KR" smtClean="0">
+                <a:latin typeface="BM JUA OTF" panose="02020603020101020101" pitchFamily="18" charset="-127"/>
+                <a:ea typeface="BM JUA OTF" panose="02020603020101020101" pitchFamily="18" charset="-127"/>
+              </a:rPr>
               <a:pPr/>
               <a:t>26</a:t>
             </a:fld>
-            <a:endParaRPr lang="en-KR" dirty="0"/>
+            <a:endParaRPr lang="en-KR" dirty="0">
+              <a:latin typeface="BM JUA OTF" panose="02020603020101020101" pitchFamily="18" charset="-127"/>
+              <a:ea typeface="BM JUA OTF" panose="02020603020101020101" pitchFamily="18" charset="-127"/>
+            </a:endParaRPr>
           </a:p>
         </p:txBody>
       </p:sp>
@@ -12875,10 +13558,16 @@
           <a:lstStyle/>
           <a:p>
             <a:r>
-              <a:rPr lang="en-US" dirty="0"/>
+              <a:rPr lang="en-US" dirty="0">
+                <a:latin typeface="BM JUA OTF" panose="02020603020101020101" pitchFamily="18" charset="-127"/>
+                <a:ea typeface="BM JUA OTF" panose="02020603020101020101" pitchFamily="18" charset="-127"/>
+              </a:rPr>
               <a:t>Oct 2024</a:t>
             </a:r>
-            <a:endParaRPr lang="en-KR" dirty="0"/>
+            <a:endParaRPr lang="en-KR" dirty="0">
+              <a:latin typeface="BM JUA OTF" panose="02020603020101020101" pitchFamily="18" charset="-127"/>
+              <a:ea typeface="BM JUA OTF" panose="02020603020101020101" pitchFamily="18" charset="-127"/>
+            </a:endParaRPr>
           </a:p>
         </p:txBody>
       </p:sp>
@@ -12959,7 +13648,10 @@
           <a:lstStyle/>
           <a:p>
             <a:pPr algn="ctr"/>
-            <a:endParaRPr kumimoji="1" lang="ko-KR" altLang="en-US"/>
+            <a:endParaRPr kumimoji="1" lang="ko-KR" altLang="en-US">
+              <a:latin typeface="BM JUA OTF" panose="02020603020101020101" pitchFamily="18" charset="-127"/>
+              <a:ea typeface="BM JUA OTF" panose="02020603020101020101" pitchFamily="18" charset="-127"/>
+            </a:endParaRPr>
           </a:p>
         </p:txBody>
       </p:sp>
@@ -13070,7 +13762,10 @@
           <a:lstStyle/>
           <a:p>
             <a:pPr algn="ctr"/>
-            <a:endParaRPr kumimoji="1" lang="ko-KR" altLang="en-US"/>
+            <a:endParaRPr kumimoji="1" lang="ko-KR" altLang="en-US">
+              <a:latin typeface="BM JUA OTF" panose="02020603020101020101" pitchFamily="18" charset="-127"/>
+              <a:ea typeface="BM JUA OTF" panose="02020603020101020101" pitchFamily="18" charset="-127"/>
+            </a:endParaRPr>
           </a:p>
         </p:txBody>
       </p:sp>
@@ -13122,7 +13817,10 @@
           <a:lstStyle/>
           <a:p>
             <a:pPr algn="ctr"/>
-            <a:endParaRPr kumimoji="1" lang="ko-KR" altLang="en-US"/>
+            <a:endParaRPr kumimoji="1" lang="ko-KR" altLang="en-US">
+              <a:latin typeface="BM JUA OTF" panose="02020603020101020101" pitchFamily="18" charset="-127"/>
+              <a:ea typeface="BM JUA OTF" panose="02020603020101020101" pitchFamily="18" charset="-127"/>
+            </a:endParaRPr>
           </a:p>
         </p:txBody>
       </p:sp>
@@ -13174,7 +13872,10 @@
           <a:lstStyle/>
           <a:p>
             <a:pPr algn="ctr"/>
-            <a:endParaRPr kumimoji="1" lang="ko-KR" altLang="en-US"/>
+            <a:endParaRPr kumimoji="1" lang="ko-KR" altLang="en-US">
+              <a:latin typeface="BM JUA OTF" panose="02020603020101020101" pitchFamily="18" charset="-127"/>
+              <a:ea typeface="BM JUA OTF" panose="02020603020101020101" pitchFamily="18" charset="-127"/>
+            </a:endParaRPr>
           </a:p>
         </p:txBody>
       </p:sp>
@@ -13244,25 +13945,40 @@
           <a:lstStyle/>
           <a:p>
             <a:r>
-              <a:rPr lang="en" altLang="ko-KR" b="1" dirty="0"/>
+              <a:rPr lang="en" altLang="ko-KR" b="1" dirty="0">
+                <a:latin typeface="BM JUA OTF" panose="02020603020101020101" pitchFamily="18" charset="-127"/>
+                <a:ea typeface="BM JUA OTF" panose="02020603020101020101" pitchFamily="18" charset="-127"/>
+              </a:rPr>
               <a:t>Why is P(INJURY = No | SPD_LIM = 5) = 0?</a:t>
             </a:r>
           </a:p>
           <a:p>
             <a:r>
-              <a:rPr lang="en" altLang="ko-KR" b="1" dirty="0"/>
+              <a:rPr lang="en" altLang="ko-KR" b="1" dirty="0">
+                <a:latin typeface="BM JUA OTF" panose="02020603020101020101" pitchFamily="18" charset="-127"/>
+                <a:ea typeface="BM JUA OTF" panose="02020603020101020101" pitchFamily="18" charset="-127"/>
+              </a:rPr>
               <a:t>ANS)</a:t>
             </a:r>
-            <a:endParaRPr lang="en" altLang="ko-KR" dirty="0"/>
+            <a:endParaRPr lang="en" altLang="ko-KR" dirty="0">
+              <a:latin typeface="BM JUA OTF" panose="02020603020101020101" pitchFamily="18" charset="-127"/>
+              <a:ea typeface="BM JUA OTF" panose="02020603020101020101" pitchFamily="18" charset="-127"/>
+            </a:endParaRPr>
           </a:p>
           <a:p>
             <a:pPr lvl="1"/>
             <a:r>
-              <a:rPr lang="en" altLang="ko-KR" b="1" dirty="0"/>
+              <a:rPr lang="en" altLang="ko-KR" b="1" dirty="0">
+                <a:latin typeface="BM JUA OTF" panose="02020603020101020101" pitchFamily="18" charset="-127"/>
+                <a:ea typeface="BM JUA OTF" panose="02020603020101020101" pitchFamily="18" charset="-127"/>
+              </a:rPr>
               <a:t>Explanation</a:t>
             </a:r>
             <a:r>
-              <a:rPr lang="en" altLang="ko-KR" dirty="0"/>
+              <a:rPr lang="en" altLang="ko-KR" dirty="0">
+                <a:latin typeface="BM JUA OTF" panose="02020603020101020101" pitchFamily="18" charset="-127"/>
+                <a:ea typeface="BM JUA OTF" panose="02020603020101020101" pitchFamily="18" charset="-127"/>
+              </a:rPr>
               <a:t>: The probability is 0 because there are </a:t>
             </a:r>
             <a:r>
@@ -13270,23 +13986,37 @@
                 <a:solidFill>
                   <a:srgbClr val="C00000"/>
                 </a:solidFill>
+                <a:latin typeface="BM JUA OTF" panose="02020603020101020101" pitchFamily="18" charset="-127"/>
+                <a:ea typeface="BM JUA OTF" panose="02020603020101020101" pitchFamily="18" charset="-127"/>
               </a:rPr>
               <a:t>very few cases with SPD_LIM = 5</a:t>
             </a:r>
             <a:r>
-              <a:rPr lang="en" altLang="ko-KR" dirty="0"/>
+              <a:rPr lang="en" altLang="ko-KR" dirty="0">
+                <a:latin typeface="BM JUA OTF" panose="02020603020101020101" pitchFamily="18" charset="-127"/>
+                <a:ea typeface="BM JUA OTF" panose="02020603020101020101" pitchFamily="18" charset="-127"/>
+              </a:rPr>
               <a:t>, and only a limited number are classified as INJURY = No.</a:t>
             </a:r>
-            <a:endParaRPr lang="en" altLang="ko-KR" b="1" dirty="0"/>
+            <a:endParaRPr lang="en" altLang="ko-KR" b="1" dirty="0">
+              <a:latin typeface="BM JUA OTF" panose="02020603020101020101" pitchFamily="18" charset="-127"/>
+              <a:ea typeface="BM JUA OTF" panose="02020603020101020101" pitchFamily="18" charset="-127"/>
+            </a:endParaRPr>
           </a:p>
           <a:p>
             <a:pPr lvl="1"/>
             <a:r>
-              <a:rPr lang="en" altLang="ko-KR" b="1" dirty="0"/>
+              <a:rPr lang="en" altLang="ko-KR" b="1" dirty="0">
+                <a:latin typeface="BM JUA OTF" panose="02020603020101020101" pitchFamily="18" charset="-127"/>
+                <a:ea typeface="BM JUA OTF" panose="02020603020101020101" pitchFamily="18" charset="-127"/>
+              </a:rPr>
               <a:t>Dataset Observation</a:t>
             </a:r>
             <a:r>
-              <a:rPr lang="en" altLang="ko-KR" dirty="0"/>
+              <a:rPr lang="en" altLang="ko-KR" dirty="0">
+                <a:latin typeface="BM JUA OTF" panose="02020603020101020101" pitchFamily="18" charset="-127"/>
+                <a:ea typeface="BM JUA OTF" panose="02020603020101020101" pitchFamily="18" charset="-127"/>
+              </a:rPr>
               <a:t>: In the training data, only </a:t>
             </a:r>
             <a:r>
@@ -13294,11 +14024,16 @@
                 <a:solidFill>
                   <a:srgbClr val="C00000"/>
                 </a:solidFill>
+                <a:latin typeface="BM JUA OTF" panose="02020603020101020101" pitchFamily="18" charset="-127"/>
+                <a:ea typeface="BM JUA OTF" panose="02020603020101020101" pitchFamily="18" charset="-127"/>
               </a:rPr>
               <a:t>5 cases </a:t>
             </a:r>
             <a:r>
-              <a:rPr lang="en" altLang="ko-KR" dirty="0"/>
+              <a:rPr lang="en" altLang="ko-KR" dirty="0">
+                <a:latin typeface="BM JUA OTF" panose="02020603020101020101" pitchFamily="18" charset="-127"/>
+                <a:ea typeface="BM JUA OTF" panose="02020603020101020101" pitchFamily="18" charset="-127"/>
+              </a:rPr>
               <a:t>have SPD_LIM = 5, and of these, only </a:t>
             </a:r>
             <a:r>
@@ -13306,11 +14041,16 @@
                 <a:solidFill>
                   <a:srgbClr val="C00000"/>
                 </a:solidFill>
+                <a:latin typeface="BM JUA OTF" panose="02020603020101020101" pitchFamily="18" charset="-127"/>
+                <a:ea typeface="BM JUA OTF" panose="02020603020101020101" pitchFamily="18" charset="-127"/>
               </a:rPr>
               <a:t>2 cases </a:t>
             </a:r>
             <a:r>
-              <a:rPr lang="en" altLang="ko-KR" dirty="0"/>
+              <a:rPr lang="en" altLang="ko-KR" dirty="0">
+                <a:latin typeface="BM JUA OTF" panose="02020603020101020101" pitchFamily="18" charset="-127"/>
+                <a:ea typeface="BM JUA OTF" panose="02020603020101020101" pitchFamily="18" charset="-127"/>
+              </a:rPr>
               <a:t>are recorded as INJURY = No.</a:t>
             </a:r>
           </a:p>
@@ -13321,11 +14061,16 @@
                 <a:solidFill>
                   <a:srgbClr val="C00000"/>
                 </a:solidFill>
+                <a:latin typeface="BM JUA OTF" panose="02020603020101020101" pitchFamily="18" charset="-127"/>
+                <a:ea typeface="BM JUA OTF" panose="02020603020101020101" pitchFamily="18" charset="-127"/>
               </a:rPr>
               <a:t>Result</a:t>
             </a:r>
             <a:r>
-              <a:rPr lang="en" altLang="ko-KR" dirty="0"/>
+              <a:rPr lang="en" altLang="ko-KR" dirty="0">
+                <a:latin typeface="BM JUA OTF" panose="02020603020101020101" pitchFamily="18" charset="-127"/>
+                <a:ea typeface="BM JUA OTF" panose="02020603020101020101" pitchFamily="18" charset="-127"/>
+              </a:rPr>
               <a:t>: Due to this limited data, the estimated probability of P(INJURY = No | SPD_LIM = 5) is calculated as 0.</a:t>
             </a:r>
           </a:p>
@@ -13350,12 +14095,15 @@
         <p:spPr/>
         <p:txBody>
           <a:bodyPr>
-            <a:normAutofit fontScale="90000"/>
+            <a:normAutofit/>
           </a:bodyPr>
           <a:lstStyle/>
           <a:p>
             <a:r>
-              <a:rPr lang="en" altLang="ko-KR" b="1" dirty="0"/>
+              <a:rPr lang="en" altLang="ko-KR" b="1" dirty="0">
+                <a:latin typeface="BM JUA OTF" panose="02020603020101020101" pitchFamily="18" charset="-127"/>
+                <a:ea typeface="BM JUA OTF" panose="02020603020101020101" pitchFamily="18" charset="-127"/>
+              </a:rPr>
               <a:t>Conditional Probability Analysis</a:t>
             </a:r>
           </a:p>
@@ -13433,10 +14181,16 @@
           <a:lstStyle/>
           <a:p>
             <a:r>
-              <a:rPr lang="en-US" dirty="0"/>
+              <a:rPr lang="en-US" dirty="0">
+                <a:latin typeface="BM JUA OTF" panose="02020603020101020101" pitchFamily="18" charset="-127"/>
+                <a:ea typeface="BM JUA OTF" panose="02020603020101020101" pitchFamily="18" charset="-127"/>
+              </a:rPr>
               <a:t>Oct 2024</a:t>
             </a:r>
-            <a:endParaRPr lang="en-KR" dirty="0"/>
+            <a:endParaRPr lang="en-KR" dirty="0">
+              <a:latin typeface="BM JUA OTF" panose="02020603020101020101" pitchFamily="18" charset="-127"/>
+              <a:ea typeface="BM JUA OTF" panose="02020603020101020101" pitchFamily="18" charset="-127"/>
+            </a:endParaRPr>
           </a:p>
         </p:txBody>
       </p:sp>
@@ -13466,7 +14220,13 @@
   <p:cSld>
     <p:spTree>
       <p:nvGrpSpPr>
-        <p:cNvPr id="1" name=""/>
+        <p:cNvPr id="1" name="">
+          <a:extLst>
+            <a:ext uri="{FF2B5EF4-FFF2-40B4-BE49-F238E27FC236}">
+              <a16:creationId xmlns:a16="http://schemas.microsoft.com/office/drawing/2014/main" id="{B992016A-4AB9-7396-F2D1-B87F95FE6057}"/>
+            </a:ext>
+          </a:extLst>
+        </p:cNvPr>
         <p:cNvGrpSpPr/>
         <p:nvPr/>
       </p:nvGrpSpPr>
@@ -13480,336 +14240,227 @@
       </p:grpSpPr>
       <p:sp>
         <p:nvSpPr>
-          <p:cNvPr id="22" name="Subtitle 2">
-            <a:extLst>
-              <a:ext uri="{FF2B5EF4-FFF2-40B4-BE49-F238E27FC236}">
-                <a16:creationId xmlns:a16="http://schemas.microsoft.com/office/drawing/2014/main" id="{1EFD79C9-08F9-2EEC-9153-28966DAEBDDC}"/>
-              </a:ext>
-            </a:extLst>
-          </p:cNvPr>
-          <p:cNvSpPr>
-            <a:spLocks noGrp="1"/>
-          </p:cNvSpPr>
-          <p:nvPr>
-            <p:ph type="subTitle" idx="1"/>
+          <p:cNvPr id="2" name="Title 1">
+            <a:extLst>
+              <a:ext uri="{FF2B5EF4-FFF2-40B4-BE49-F238E27FC236}">
+                <a16:creationId xmlns:a16="http://schemas.microsoft.com/office/drawing/2014/main" id="{2452E8A9-2BA1-9EDE-6F10-7F8EB85CA529}"/>
+              </a:ext>
+            </a:extLst>
+          </p:cNvPr>
+          <p:cNvSpPr>
+            <a:spLocks noGrp="1"/>
+          </p:cNvSpPr>
+          <p:nvPr>
+            <p:ph type="title"/>
+          </p:nvPr>
+        </p:nvSpPr>
+        <p:spPr/>
+        <p:txBody>
+          <a:bodyPr/>
+          <a:lstStyle/>
+          <a:p>
+            <a:r>
+              <a:rPr lang="en-KR" dirty="0">
+                <a:latin typeface="BM JUA OTF" panose="02020603020101020101" pitchFamily="18" charset="-127"/>
+                <a:ea typeface="BM JUA OTF" panose="02020603020101020101" pitchFamily="18" charset="-127"/>
+              </a:rPr>
+              <a:t>Outline</a:t>
+            </a:r>
+          </a:p>
+        </p:txBody>
+      </p:sp>
+      <p:sp>
+        <p:nvSpPr>
+          <p:cNvPr id="3" name="Content Placeholder 2">
+            <a:extLst>
+              <a:ext uri="{FF2B5EF4-FFF2-40B4-BE49-F238E27FC236}">
+                <a16:creationId xmlns:a16="http://schemas.microsoft.com/office/drawing/2014/main" id="{2F5AA3CA-AB4D-0E8F-2BAF-792AB6D61D89}"/>
+              </a:ext>
+            </a:extLst>
+          </p:cNvPr>
+          <p:cNvSpPr>
+            <a:spLocks noGrp="1"/>
+          </p:cNvSpPr>
+          <p:nvPr>
+            <p:ph idx="1"/>
           </p:nvPr>
         </p:nvSpPr>
         <p:spPr>
           <a:xfrm>
-            <a:off x="1143000" y="2631810"/>
-            <a:ext cx="6858000" cy="1144187"/>
+            <a:off x="123008" y="894596"/>
+            <a:ext cx="8924406" cy="5901697"/>
           </a:xfrm>
         </p:spPr>
         <p:txBody>
           <a:bodyPr>
-            <a:noAutofit/>
+            <a:normAutofit/>
           </a:bodyPr>
           <a:lstStyle/>
           <a:p>
             <a:r>
-              <a:rPr lang="en-US" sz="8000" b="0" dirty="0">
+              <a:rPr lang="en-KR" b="0" dirty="0">
+                <a:latin typeface="BM JUA OTF" panose="02020603020101020101" pitchFamily="18" charset="-127"/>
+                <a:ea typeface="BM JUA OTF" panose="02020603020101020101" pitchFamily="18" charset="-127"/>
+              </a:rPr>
+              <a:t>Introduction</a:t>
+            </a:r>
+          </a:p>
+          <a:p>
+            <a:pPr lvl="2"/>
+            <a:endParaRPr lang="en-KR" sz="1600" dirty="0">
+              <a:solidFill>
+                <a:srgbClr val="0070C0"/>
+              </a:solidFill>
+              <a:latin typeface="BM JUA OTF" panose="02020603020101020101" pitchFamily="18" charset="-127"/>
+              <a:ea typeface="BM JUA OTF" panose="02020603020101020101" pitchFamily="18" charset="-127"/>
+            </a:endParaRPr>
+          </a:p>
+          <a:p>
+            <a:r>
+              <a:rPr lang="en-US" b="0" dirty="0">
+                <a:latin typeface="BM JUA OTF" panose="02020603020101020101" pitchFamily="18" charset="-127"/>
+                <a:ea typeface="BM JUA OTF" panose="02020603020101020101" pitchFamily="18" charset="-127"/>
+              </a:rPr>
+              <a:t>Prepare Data</a:t>
+            </a:r>
+            <a:endParaRPr lang="en-KR" b="0" dirty="0">
+              <a:latin typeface="BM JUA OTF" panose="02020603020101020101" pitchFamily="18" charset="-127"/>
+              <a:ea typeface="BM JUA OTF" panose="02020603020101020101" pitchFamily="18" charset="-127"/>
+            </a:endParaRPr>
+          </a:p>
+          <a:p>
+            <a:pPr lvl="2"/>
+            <a:endParaRPr lang="en-KR" sz="1600" b="0" dirty="0">
+              <a:latin typeface="BM JUA OTF" panose="02020603020101020101" pitchFamily="18" charset="-127"/>
+              <a:ea typeface="BM JUA OTF" panose="02020603020101020101" pitchFamily="18" charset="-127"/>
+            </a:endParaRPr>
+          </a:p>
+          <a:p>
+            <a:r>
+              <a:rPr lang="en-US" b="0" dirty="0">
+                <a:latin typeface="BM JUA OTF" panose="02020603020101020101" pitchFamily="18" charset="-127"/>
+                <a:ea typeface="BM JUA OTF" panose="02020603020101020101" pitchFamily="18" charset="-127"/>
+              </a:rPr>
+              <a:t>A. Default Prediction</a:t>
+            </a:r>
+            <a:endParaRPr lang="en-KR" b="0" dirty="0">
+              <a:latin typeface="BM JUA OTF" panose="02020603020101020101" pitchFamily="18" charset="-127"/>
+              <a:ea typeface="BM JUA OTF" panose="02020603020101020101" pitchFamily="18" charset="-127"/>
+            </a:endParaRPr>
+          </a:p>
+          <a:p>
+            <a:pPr lvl="2"/>
+            <a:endParaRPr lang="en-KR" sz="1600" b="0" dirty="0">
+              <a:latin typeface="BM JUA OTF" panose="02020603020101020101" pitchFamily="18" charset="-127"/>
+              <a:ea typeface="BM JUA OTF" panose="02020603020101020101" pitchFamily="18" charset="-127"/>
+            </a:endParaRPr>
+          </a:p>
+          <a:p>
+            <a:r>
+              <a:rPr lang="en-US" b="0" dirty="0">
+                <a:latin typeface="BM JUA OTF" panose="02020603020101020101" pitchFamily="18" charset="-127"/>
+                <a:ea typeface="BM JUA OTF" panose="02020603020101020101" pitchFamily="18" charset="-127"/>
+              </a:rPr>
+              <a:t>B. Weather, Traffic, Injury</a:t>
+            </a:r>
+            <a:endParaRPr lang="en-KR" b="0" dirty="0">
+              <a:latin typeface="BM JUA OTF" panose="02020603020101020101" pitchFamily="18" charset="-127"/>
+              <a:ea typeface="BM JUA OTF" panose="02020603020101020101" pitchFamily="18" charset="-127"/>
+            </a:endParaRPr>
+          </a:p>
+          <a:p>
+            <a:pPr marL="260350" lvl="1" indent="0">
+              <a:buNone/>
+            </a:pPr>
+            <a:endParaRPr lang="en-US" sz="1600" b="0" dirty="0">
+              <a:latin typeface="BM JUA OTF" panose="02020603020101020101" pitchFamily="18" charset="-127"/>
+              <a:ea typeface="BM JUA OTF" panose="02020603020101020101" pitchFamily="18" charset="-127"/>
+            </a:endParaRPr>
+          </a:p>
+          <a:p>
+            <a:r>
+              <a:rPr lang="en-US" dirty="0">
+                <a:latin typeface="BM JUA OTF" panose="02020603020101020101" pitchFamily="18" charset="-127"/>
+                <a:ea typeface="BM JUA OTF" panose="02020603020101020101" pitchFamily="18" charset="-127"/>
+              </a:rPr>
+              <a:t>C. Return to entire dataset</a:t>
+            </a:r>
+          </a:p>
+          <a:p>
+            <a:pPr marL="260350" lvl="1" indent="0">
+              <a:buNone/>
+            </a:pPr>
+            <a:endParaRPr lang="en-US" altLang="ko-KR" sz="1600" b="0" dirty="0">
+              <a:latin typeface="BM JUA OTF" panose="02020603020101020101" pitchFamily="18" charset="-127"/>
+              <a:ea typeface="BM JUA OTF" panose="02020603020101020101" pitchFamily="18" charset="-127"/>
+            </a:endParaRPr>
+          </a:p>
+          <a:p>
+            <a:r>
+              <a:rPr lang="en-US" altLang="ko-KR" b="0" dirty="0">
                 <a:solidFill>
                   <a:srgbClr val="0070C0"/>
                 </a:solidFill>
-              </a:rPr>
-              <a:t>Thank You</a:t>
-            </a:r>
-          </a:p>
-          <a:p>
-            <a:endParaRPr lang="en-KR" sz="9600" dirty="0">
-              <a:solidFill>
-                <a:srgbClr val="0070C0"/>
-              </a:solidFill>
-              <a:latin typeface="Varela Round" pitchFamily="2" charset="-79"/>
+                <a:latin typeface="BM JUA OTF" panose="02020603020101020101" pitchFamily="18" charset="-127"/>
+                <a:ea typeface="BM JUA OTF" panose="02020603020101020101" pitchFamily="18" charset="-127"/>
+              </a:rPr>
+              <a:t>Appendix</a:t>
+            </a:r>
+          </a:p>
+          <a:p>
+            <a:endParaRPr lang="en-US" b="0" dirty="0">
+              <a:latin typeface="BM JUA OTF" panose="02020603020101020101" pitchFamily="18" charset="-127"/>
+              <a:ea typeface="BM JUA OTF" panose="02020603020101020101" pitchFamily="18" charset="-127"/>
             </a:endParaRPr>
           </a:p>
-        </p:txBody>
-      </p:sp>
-      <p:pic>
-        <p:nvPicPr>
-          <p:cNvPr id="26" name="그림 25" descr="폰트, 로고, 텍스트, 그래픽이(가) 표시된 사진&#10;&#10;자동 생성된 설명">
-            <a:extLst>
-              <a:ext uri="{FF2B5EF4-FFF2-40B4-BE49-F238E27FC236}">
-                <a16:creationId xmlns:a16="http://schemas.microsoft.com/office/drawing/2014/main" id="{A4460322-E9CF-17A2-3BDA-2E04B5B436C1}"/>
-              </a:ext>
-            </a:extLst>
-          </p:cNvPr>
-          <p:cNvPicPr>
-            <a:picLocks noChangeAspect="1"/>
-          </p:cNvPicPr>
-          <p:nvPr/>
-        </p:nvPicPr>
-        <p:blipFill>
-          <a:blip r:embed="rId3"/>
-          <a:stretch>
-            <a:fillRect/>
-          </a:stretch>
-        </p:blipFill>
+          <a:p>
+            <a:endParaRPr lang="en-KR" b="0" dirty="0">
+              <a:latin typeface="BM JUA OTF" panose="02020603020101020101" pitchFamily="18" charset="-127"/>
+              <a:ea typeface="BM JUA OTF" panose="02020603020101020101" pitchFamily="18" charset="-127"/>
+            </a:endParaRPr>
+          </a:p>
+        </p:txBody>
+      </p:sp>
+      <p:sp>
+        <p:nvSpPr>
+          <p:cNvPr id="4" name="Slide Number Placeholder 3">
+            <a:extLst>
+              <a:ext uri="{FF2B5EF4-FFF2-40B4-BE49-F238E27FC236}">
+                <a16:creationId xmlns:a16="http://schemas.microsoft.com/office/drawing/2014/main" id="{E2630FDF-4405-4EDD-5288-6A4C75E2F0BB}"/>
+              </a:ext>
+            </a:extLst>
+          </p:cNvPr>
+          <p:cNvSpPr>
+            <a:spLocks noGrp="1"/>
+          </p:cNvSpPr>
+          <p:nvPr>
+            <p:ph type="sldNum" sz="quarter" idx="4"/>
+          </p:nvPr>
+        </p:nvSpPr>
         <p:spPr>
           <a:xfrm>
-            <a:off x="6398269" y="252676"/>
-            <a:ext cx="1689819" cy="644593"/>
+            <a:off x="8088088" y="6431168"/>
+            <a:ext cx="1068184" cy="365125"/>
           </a:xfrm>
-          <a:prstGeom prst="rect">
-            <a:avLst/>
-          </a:prstGeom>
         </p:spPr>
-      </p:pic>
-      <p:sp>
-        <p:nvSpPr>
-          <p:cNvPr id="6" name="TextBox 5">
-            <a:extLst>
-              <a:ext uri="{FF2B5EF4-FFF2-40B4-BE49-F238E27FC236}">
-                <a16:creationId xmlns:a16="http://schemas.microsoft.com/office/drawing/2014/main" id="{B0622435-0EC3-57A2-30D7-EC814F4F3742}"/>
-              </a:ext>
-            </a:extLst>
-          </p:cNvPr>
-          <p:cNvSpPr txBox="1"/>
-          <p:nvPr/>
-        </p:nvSpPr>
-        <p:spPr>
-          <a:xfrm>
-            <a:off x="2270215" y="4627858"/>
-            <a:ext cx="4628508" cy="461665"/>
-          </a:xfrm>
-          <a:prstGeom prst="rect">
-            <a:avLst/>
-          </a:prstGeom>
-          <a:noFill/>
-        </p:spPr>
-        <p:txBody>
-          <a:bodyPr wrap="square">
-            <a:spAutoFit/>
-          </a:bodyPr>
-          <a:lstStyle/>
-          <a:p>
-            <a:pPr marL="0" indent="0" algn="ctr">
-              <a:lnSpc>
-                <a:spcPct val="100000"/>
-              </a:lnSpc>
-              <a:buNone/>
-            </a:pPr>
-            <a:r>
-              <a:rPr lang="en-US" sz="2400" dirty="0">
-                <a:latin typeface="Varela Round" pitchFamily="2" charset="-79"/>
-                <a:cs typeface="Varela Round" pitchFamily="2" charset="-79"/>
-              </a:rPr>
-              <a:t>Presenter: </a:t>
-            </a:r>
-            <a:r>
-              <a:rPr lang="en-US" sz="2400" dirty="0" err="1">
-                <a:latin typeface="Varela Round" pitchFamily="2" charset="-79"/>
-                <a:cs typeface="Varela Round" pitchFamily="2" charset="-79"/>
-              </a:rPr>
-              <a:t>Sunuk</a:t>
-            </a:r>
-            <a:r>
-              <a:rPr lang="en-US" sz="2400" dirty="0">
-                <a:latin typeface="Varela Round" pitchFamily="2" charset="-79"/>
-                <a:cs typeface="Varela Round" pitchFamily="2" charset="-79"/>
-              </a:rPr>
-              <a:t> Kim</a:t>
-            </a:r>
-          </a:p>
-        </p:txBody>
-      </p:sp>
-      <p:sp>
-        <p:nvSpPr>
-          <p:cNvPr id="7" name="TextBox 6">
-            <a:extLst>
-              <a:ext uri="{FF2B5EF4-FFF2-40B4-BE49-F238E27FC236}">
-                <a16:creationId xmlns:a16="http://schemas.microsoft.com/office/drawing/2014/main" id="{445F2A3C-ACE6-3E07-3AEC-D1A3D54AD479}"/>
-              </a:ext>
-            </a:extLst>
-          </p:cNvPr>
-          <p:cNvSpPr txBox="1"/>
-          <p:nvPr/>
-        </p:nvSpPr>
-        <p:spPr>
-          <a:xfrm>
-            <a:off x="1167938" y="5332401"/>
-            <a:ext cx="6833062" cy="369332"/>
-          </a:xfrm>
-          <a:prstGeom prst="rect">
-            <a:avLst/>
-          </a:prstGeom>
-          <a:noFill/>
-        </p:spPr>
-        <p:txBody>
-          <a:bodyPr wrap="square" rtlCol="0">
-            <a:spAutoFit/>
-          </a:bodyPr>
-          <a:lstStyle/>
-          <a:p>
-            <a:pPr algn="ctr" rtl="0">
-              <a:spcBef>
-                <a:spcPts val="0"/>
-              </a:spcBef>
-              <a:spcAft>
-                <a:spcPts val="0"/>
-              </a:spcAft>
-            </a:pPr>
-            <a:r>
-              <a:rPr lang="en-US" sz="1800" i="0" u="none" strike="noStrike" dirty="0">
-                <a:solidFill>
-                  <a:srgbClr val="000000"/>
-                </a:solidFill>
-                <a:effectLst/>
-                <a:latin typeface="Varela Round" pitchFamily="2" charset="-79"/>
-                <a:cs typeface="Varela Round" pitchFamily="2" charset="-79"/>
-              </a:rPr>
-              <a:t>Code: </a:t>
-            </a:r>
-            <a:r>
-              <a:rPr lang="en-US" sz="1800" i="0" u="none" strike="noStrike" dirty="0">
-                <a:solidFill>
-                  <a:srgbClr val="000000"/>
-                </a:solidFill>
-                <a:effectLst/>
-                <a:latin typeface="Varela Round" pitchFamily="2" charset="-79"/>
-                <a:cs typeface="Varela Round" pitchFamily="2" charset="-79"/>
-                <a:hlinkClick r:id="rId4"/>
-              </a:rPr>
-              <a:t>https:</a:t>
-            </a:r>
-            <a:r>
-              <a:rPr lang="en-US" sz="1800" i="0" u="none" strike="noStrike" dirty="0">
-                <a:solidFill>
-                  <a:srgbClr val="000000"/>
-                </a:solidFill>
-                <a:effectLst/>
-                <a:latin typeface="Varela Round" pitchFamily="2" charset="-79"/>
-                <a:cs typeface="Varela Round" pitchFamily="2" charset="-79"/>
-                <a:hlinkClick r:id="rId5"/>
-              </a:rPr>
-              <a:t>//github.com/sunukkim98/DataAnalysis</a:t>
-            </a:r>
-            <a:endParaRPr lang="en-US" i="0" u="none" strike="noStrike" dirty="0">
+        <p:txBody>
+          <a:bodyPr/>
+          <a:lstStyle/>
+          <a:p>
+            <a:fld id="{EB02D1FF-6DD7-AC44-8165-5996AD7643D9}" type="slidenum">
+              <a:rPr lang="en-KR" smtClean="0">
+                <a:latin typeface="BM JUA OTF" panose="02020603020101020101" pitchFamily="18" charset="-127"/>
+                <a:ea typeface="BM JUA OTF" panose="02020603020101020101" pitchFamily="18" charset="-127"/>
+              </a:rPr>
+              <a:pPr/>
+              <a:t>28</a:t>
+            </a:fld>
+            <a:endParaRPr lang="en-KR" dirty="0">
               <a:solidFill>
-                <a:srgbClr val="000000"/>
+                <a:schemeClr val="tx1"/>
               </a:solidFill>
-              <a:effectLst/>
-              <a:latin typeface="Varela Round" pitchFamily="2" charset="-79"/>
-              <a:cs typeface="Varela Round" pitchFamily="2" charset="-79"/>
-            </a:endParaRPr>
-          </a:p>
-        </p:txBody>
-      </p:sp>
-      <p:sp>
-        <p:nvSpPr>
-          <p:cNvPr id="12" name="TextBox 11">
-            <a:extLst>
-              <a:ext uri="{FF2B5EF4-FFF2-40B4-BE49-F238E27FC236}">
-                <a16:creationId xmlns:a16="http://schemas.microsoft.com/office/drawing/2014/main" id="{7905D8D8-408C-F2D9-9A90-07581B382F18}"/>
-              </a:ext>
-            </a:extLst>
-          </p:cNvPr>
-          <p:cNvSpPr txBox="1"/>
-          <p:nvPr/>
-        </p:nvSpPr>
-        <p:spPr>
-          <a:xfrm>
-            <a:off x="2739775" y="5944452"/>
-            <a:ext cx="3965826" cy="830997"/>
-          </a:xfrm>
-          <a:prstGeom prst="rect">
-            <a:avLst/>
-          </a:prstGeom>
-          <a:noFill/>
-        </p:spPr>
-        <p:txBody>
-          <a:bodyPr wrap="square" rtlCol="0">
-            <a:spAutoFit/>
-          </a:bodyPr>
-          <a:lstStyle/>
-          <a:p>
-            <a:pPr algn="ctr"/>
-            <a:r>
-              <a:rPr lang="en-US" sz="1600" dirty="0">
-                <a:latin typeface="Varela Round" pitchFamily="2" charset="-79"/>
-                <a:cs typeface="Varela Round" pitchFamily="2" charset="-79"/>
-              </a:rPr>
-              <a:t>This presentation file was prepared by </a:t>
-            </a:r>
-            <a:r>
-              <a:rPr lang="en-US" sz="1600" b="1" dirty="0" err="1">
-                <a:solidFill>
-                  <a:srgbClr val="0070C0"/>
-                </a:solidFill>
-                <a:latin typeface="Varela Round" pitchFamily="2" charset="-79"/>
-                <a:cs typeface="Varela Round" pitchFamily="2" charset="-79"/>
-              </a:rPr>
-              <a:t>Sunuk</a:t>
-            </a:r>
-            <a:r>
-              <a:rPr lang="en-US" sz="1600" b="1" dirty="0">
-                <a:solidFill>
-                  <a:srgbClr val="0070C0"/>
-                </a:solidFill>
-                <a:latin typeface="Varela Round" pitchFamily="2" charset="-79"/>
-                <a:cs typeface="Varela Round" pitchFamily="2" charset="-79"/>
-              </a:rPr>
-              <a:t> Kim, </a:t>
-            </a:r>
-            <a:r>
-              <a:rPr lang="en-US" altLang="ko-KR" sz="1600" b="0" dirty="0">
-                <a:solidFill>
-                  <a:srgbClr val="0070C0"/>
-                </a:solidFill>
-                <a:latin typeface="Varela Round" pitchFamily="2" charset="-79"/>
-              </a:rPr>
-              <a:t>Minseo </a:t>
-            </a:r>
-            <a:r>
-              <a:rPr lang="en-US" altLang="ko-KR" sz="1600" b="0" dirty="0" err="1">
-                <a:solidFill>
-                  <a:srgbClr val="0070C0"/>
-                </a:solidFill>
-                <a:latin typeface="Varela Round" pitchFamily="2" charset="-79"/>
-              </a:rPr>
-              <a:t>Jeonn</a:t>
-            </a:r>
-            <a:r>
-              <a:rPr lang="en-US" altLang="ko-KR" sz="1600" dirty="0">
-                <a:solidFill>
-                  <a:srgbClr val="0070C0"/>
-                </a:solidFill>
-                <a:latin typeface="Varela Round" pitchFamily="2" charset="-79"/>
-              </a:rPr>
-              <a:t> </a:t>
-            </a:r>
-          </a:p>
-          <a:p>
-            <a:pPr algn="ctr"/>
-            <a:r>
-              <a:rPr lang="en-US" altLang="ko-KR" sz="1600" dirty="0">
-                <a:latin typeface="Varela Round" pitchFamily="2" charset="-79"/>
-              </a:rPr>
-              <a:t>and </a:t>
-            </a:r>
-            <a:r>
-              <a:rPr lang="en-US" altLang="ko-KR" sz="1600" b="0" dirty="0" err="1">
-                <a:solidFill>
-                  <a:srgbClr val="0070C0"/>
-                </a:solidFill>
-                <a:latin typeface="Varela Round" pitchFamily="2" charset="-79"/>
-              </a:rPr>
-              <a:t>Doeon</a:t>
-            </a:r>
-            <a:r>
-              <a:rPr lang="en-US" altLang="ko-KR" sz="1600" b="0" dirty="0">
-                <a:solidFill>
-                  <a:srgbClr val="0070C0"/>
-                </a:solidFill>
-                <a:latin typeface="Varela Round" pitchFamily="2" charset="-79"/>
-              </a:rPr>
-              <a:t> Kim</a:t>
-            </a:r>
-            <a:endParaRPr lang="en-KR" altLang="ko-KR" sz="1600" b="0">
-              <a:solidFill>
-                <a:srgbClr val="0070C0"/>
-              </a:solidFill>
-              <a:latin typeface="Varela Round" pitchFamily="2" charset="-79"/>
+              <a:latin typeface="BM JUA OTF" panose="02020603020101020101" pitchFamily="18" charset="-127"/>
+              <a:ea typeface="BM JUA OTF" panose="02020603020101020101" pitchFamily="18" charset="-127"/>
             </a:endParaRPr>
           </a:p>
         </p:txBody>
@@ -13817,7 +14468,7 @@
     </p:spTree>
     <p:extLst>
       <p:ext uri="{BB962C8B-B14F-4D97-AF65-F5344CB8AC3E}">
-        <p14:creationId xmlns:p14="http://schemas.microsoft.com/office/powerpoint/2010/main" val="1824054403"/>
+        <p14:creationId xmlns:p14="http://schemas.microsoft.com/office/powerpoint/2010/main" val="2722814968"/>
       </p:ext>
     </p:extLst>
   </p:cSld>
@@ -13826,12 +14477,226 @@
   </p:clrMapOvr>
   <mc:AlternateContent xmlns:mc="http://schemas.openxmlformats.org/markup-compatibility/2006" xmlns:p14="http://schemas.microsoft.com/office/powerpoint/2010/main">
     <mc:Choice Requires="p14">
-      <p:transition spd="slow" p14:dur="2000" advTm="5768"/>
+      <p:transition spd="slow" p14:dur="2000" advTm="625"/>
     </mc:Choice>
     <mc:Fallback xmlns="">
-      <p:transition spd="slow" advTm="5768"/>
+      <p:transition spd="slow" advTm="625"/>
     </mc:Fallback>
   </mc:AlternateContent>
+</p:sld>
+</file>
+
+<file path=ppt/slides/slide29.xml><?xml version="1.0" encoding="utf-8"?>
+<p:sld xmlns:a="http://schemas.openxmlformats.org/drawingml/2006/main" xmlns:r="http://schemas.openxmlformats.org/officeDocument/2006/relationships" xmlns:p="http://schemas.openxmlformats.org/presentationml/2006/main">
+  <p:cSld>
+    <p:spTree>
+      <p:nvGrpSpPr>
+        <p:cNvPr id="1" name="">
+          <a:extLst>
+            <a:ext uri="{FF2B5EF4-FFF2-40B4-BE49-F238E27FC236}">
+              <a16:creationId xmlns:a16="http://schemas.microsoft.com/office/drawing/2014/main" id="{85C6EC27-49AF-947F-965C-429647C3806F}"/>
+            </a:ext>
+          </a:extLst>
+        </p:cNvPr>
+        <p:cNvGrpSpPr/>
+        <p:nvPr/>
+      </p:nvGrpSpPr>
+      <p:grpSpPr>
+        <a:xfrm>
+          <a:off x="0" y="0"/>
+          <a:ext cx="0" cy="0"/>
+          <a:chOff x="0" y="0"/>
+          <a:chExt cx="0" cy="0"/>
+        </a:xfrm>
+      </p:grpSpPr>
+      <p:sp>
+        <p:nvSpPr>
+          <p:cNvPr id="2" name="제목 1">
+            <a:extLst>
+              <a:ext uri="{FF2B5EF4-FFF2-40B4-BE49-F238E27FC236}">
+                <a16:creationId xmlns:a16="http://schemas.microsoft.com/office/drawing/2014/main" id="{7976B47E-9537-E1FA-17A5-34B9D944AED2}"/>
+              </a:ext>
+            </a:extLst>
+          </p:cNvPr>
+          <p:cNvSpPr>
+            <a:spLocks noGrp="1"/>
+          </p:cNvSpPr>
+          <p:nvPr>
+            <p:ph type="title"/>
+          </p:nvPr>
+        </p:nvSpPr>
+        <p:spPr/>
+        <p:txBody>
+          <a:bodyPr/>
+          <a:lstStyle/>
+          <a:p>
+            <a:r>
+              <a:rPr kumimoji="1" lang="en-US" altLang="ko-KR" dirty="0">
+                <a:latin typeface="BM JUA OTF" panose="02020603020101020101" pitchFamily="18" charset="-127"/>
+                <a:ea typeface="BM JUA OTF" panose="02020603020101020101" pitchFamily="18" charset="-127"/>
+              </a:rPr>
+              <a:t>Appendix</a:t>
+            </a:r>
+            <a:endParaRPr kumimoji="1" lang="ko-KR" altLang="en-US" dirty="0">
+              <a:latin typeface="BM JUA OTF" panose="02020603020101020101" pitchFamily="18" charset="-127"/>
+              <a:ea typeface="BM JUA OTF" panose="02020603020101020101" pitchFamily="18" charset="-127"/>
+            </a:endParaRPr>
+          </a:p>
+        </p:txBody>
+      </p:sp>
+      <p:sp>
+        <p:nvSpPr>
+          <p:cNvPr id="3" name="내용 개체 틀 2">
+            <a:extLst>
+              <a:ext uri="{FF2B5EF4-FFF2-40B4-BE49-F238E27FC236}">
+                <a16:creationId xmlns:a16="http://schemas.microsoft.com/office/drawing/2014/main" id="{E1C7D66A-0036-BA51-312C-BF116F7ED4DC}"/>
+              </a:ext>
+            </a:extLst>
+          </p:cNvPr>
+          <p:cNvSpPr>
+            <a:spLocks noGrp="1"/>
+          </p:cNvSpPr>
+          <p:nvPr>
+            <p:ph idx="1"/>
+          </p:nvPr>
+        </p:nvSpPr>
+        <p:spPr/>
+        <p:txBody>
+          <a:bodyPr/>
+          <a:lstStyle/>
+          <a:p>
+            <a:r>
+              <a:rPr kumimoji="1" lang="en-US" altLang="ko-KR" dirty="0">
+                <a:latin typeface="BM JUA OTF" panose="02020603020101020101" pitchFamily="18" charset="-127"/>
+                <a:ea typeface="BM JUA OTF" panose="02020603020101020101" pitchFamily="18" charset="-127"/>
+              </a:rPr>
+              <a:t>Variance Correlation (original)</a:t>
+            </a:r>
+            <a:endParaRPr kumimoji="1" lang="ko-KR" altLang="en-US" dirty="0">
+              <a:latin typeface="BM JUA OTF" panose="02020603020101020101" pitchFamily="18" charset="-127"/>
+              <a:ea typeface="BM JUA OTF" panose="02020603020101020101" pitchFamily="18" charset="-127"/>
+            </a:endParaRPr>
+          </a:p>
+        </p:txBody>
+      </p:sp>
+      <p:sp>
+        <p:nvSpPr>
+          <p:cNvPr id="4" name="날짜 개체 틀 3">
+            <a:extLst>
+              <a:ext uri="{FF2B5EF4-FFF2-40B4-BE49-F238E27FC236}">
+                <a16:creationId xmlns:a16="http://schemas.microsoft.com/office/drawing/2014/main" id="{1DFF85DE-9402-C714-E901-ACC0DD07757F}"/>
+              </a:ext>
+            </a:extLst>
+          </p:cNvPr>
+          <p:cNvSpPr>
+            <a:spLocks noGrp="1"/>
+          </p:cNvSpPr>
+          <p:nvPr>
+            <p:ph type="dt" sz="half" idx="2"/>
+          </p:nvPr>
+        </p:nvSpPr>
+        <p:spPr/>
+        <p:txBody>
+          <a:bodyPr/>
+          <a:lstStyle/>
+          <a:p>
+            <a:r>
+              <a:rPr lang="en-US">
+                <a:latin typeface="BM JUA OTF" panose="02020603020101020101" pitchFamily="18" charset="-127"/>
+                <a:ea typeface="BM JUA OTF" panose="02020603020101020101" pitchFamily="18" charset="-127"/>
+              </a:rPr>
+              <a:t>Oct </a:t>
+            </a:r>
+            <a:r>
+              <a:rPr lang="en-US" altLang="ko-KR">
+                <a:latin typeface="BM JUA OTF" panose="02020603020101020101" pitchFamily="18" charset="-127"/>
+                <a:ea typeface="BM JUA OTF" panose="02020603020101020101" pitchFamily="18" charset="-127"/>
+              </a:rPr>
+              <a:t>2024</a:t>
+            </a:r>
+            <a:endParaRPr lang="en-KR" dirty="0">
+              <a:latin typeface="BM JUA OTF" panose="02020603020101020101" pitchFamily="18" charset="-127"/>
+              <a:ea typeface="BM JUA OTF" panose="02020603020101020101" pitchFamily="18" charset="-127"/>
+            </a:endParaRPr>
+          </a:p>
+        </p:txBody>
+      </p:sp>
+      <p:sp>
+        <p:nvSpPr>
+          <p:cNvPr id="5" name="슬라이드 번호 개체 틀 4">
+            <a:extLst>
+              <a:ext uri="{FF2B5EF4-FFF2-40B4-BE49-F238E27FC236}">
+                <a16:creationId xmlns:a16="http://schemas.microsoft.com/office/drawing/2014/main" id="{C79B2292-858A-01BE-C887-49F2A56D463F}"/>
+              </a:ext>
+            </a:extLst>
+          </p:cNvPr>
+          <p:cNvSpPr>
+            <a:spLocks noGrp="1"/>
+          </p:cNvSpPr>
+          <p:nvPr>
+            <p:ph type="sldNum" sz="quarter" idx="4"/>
+          </p:nvPr>
+        </p:nvSpPr>
+        <p:spPr/>
+        <p:txBody>
+          <a:bodyPr/>
+          <a:lstStyle/>
+          <a:p>
+            <a:fld id="{EB02D1FF-6DD7-AC44-8165-5996AD7643D9}" type="slidenum">
+              <a:rPr lang="en-KR" smtClean="0">
+                <a:latin typeface="BM JUA OTF" panose="02020603020101020101" pitchFamily="18" charset="-127"/>
+                <a:ea typeface="BM JUA OTF" panose="02020603020101020101" pitchFamily="18" charset="-127"/>
+              </a:rPr>
+              <a:pPr/>
+              <a:t>29</a:t>
+            </a:fld>
+            <a:endParaRPr lang="en-KR" dirty="0">
+              <a:latin typeface="BM JUA OTF" panose="02020603020101020101" pitchFamily="18" charset="-127"/>
+              <a:ea typeface="BM JUA OTF" panose="02020603020101020101" pitchFamily="18" charset="-127"/>
+            </a:endParaRPr>
+          </a:p>
+        </p:txBody>
+      </p:sp>
+      <p:pic>
+        <p:nvPicPr>
+          <p:cNvPr id="7" name="그림 6">
+            <a:extLst>
+              <a:ext uri="{FF2B5EF4-FFF2-40B4-BE49-F238E27FC236}">
+                <a16:creationId xmlns:a16="http://schemas.microsoft.com/office/drawing/2014/main" id="{D5F277D1-18B9-930A-76BA-0862B61C2FE7}"/>
+              </a:ext>
+            </a:extLst>
+          </p:cNvPr>
+          <p:cNvPicPr>
+            <a:picLocks noChangeAspect="1"/>
+          </p:cNvPicPr>
+          <p:nvPr/>
+        </p:nvPicPr>
+        <p:blipFill>
+          <a:blip r:embed="rId2"/>
+          <a:stretch>
+            <a:fillRect/>
+          </a:stretch>
+        </p:blipFill>
+        <p:spPr>
+          <a:xfrm>
+            <a:off x="1338348" y="1617084"/>
+            <a:ext cx="6163056" cy="4996646"/>
+          </a:xfrm>
+          <a:prstGeom prst="rect">
+            <a:avLst/>
+          </a:prstGeom>
+        </p:spPr>
+      </p:pic>
+    </p:spTree>
+    <p:extLst>
+      <p:ext uri="{BB962C8B-B14F-4D97-AF65-F5344CB8AC3E}">
+        <p14:creationId xmlns:p14="http://schemas.microsoft.com/office/powerpoint/2010/main" val="1378930918"/>
+      </p:ext>
+    </p:extLst>
+  </p:cSld>
+  <p:clrMapOvr>
+    <a:masterClrMapping/>
+  </p:clrMapOvr>
 </p:sld>
 </file>
 
@@ -13880,10 +14745,16 @@
           <a:lstStyle/>
           <a:p>
             <a:r>
-              <a:rPr kumimoji="1" lang="en-US" altLang="en-US" dirty="0"/>
+              <a:rPr kumimoji="1" lang="en-US" altLang="en-US" dirty="0">
+                <a:latin typeface="BM JUA OTF" panose="02020603020101020101" pitchFamily="18" charset="-127"/>
+                <a:ea typeface="BM JUA OTF" panose="02020603020101020101" pitchFamily="18" charset="-127"/>
+              </a:rPr>
               <a:t>Automobile Accidents</a:t>
             </a:r>
-            <a:endParaRPr kumimoji="1" lang="ko-Kore-KR" altLang="en-US" dirty="0"/>
+            <a:endParaRPr kumimoji="1" lang="ko-Kore-KR" altLang="en-US" dirty="0">
+              <a:latin typeface="BM JUA OTF" panose="02020603020101020101" pitchFamily="18" charset="-127"/>
+              <a:ea typeface="BM JUA OTF" panose="02020603020101020101" pitchFamily="18" charset="-127"/>
+            </a:endParaRPr>
           </a:p>
         </p:txBody>
       </p:sp>
@@ -13916,105 +14787,153 @@
           <a:lstStyle/>
           <a:p>
             <a:r>
-              <a:rPr kumimoji="1" lang="en-US" altLang="ko-Kore-KR" dirty="0"/>
+              <a:rPr kumimoji="1" lang="en-US" altLang="ko-Kore-KR" dirty="0">
+                <a:latin typeface="BM JUA OTF" panose="02020603020101020101" pitchFamily="18" charset="-127"/>
+                <a:ea typeface="BM JUA OTF" panose="02020603020101020101" pitchFamily="18" charset="-127"/>
+              </a:rPr>
               <a:t>Dataset Overview</a:t>
             </a:r>
           </a:p>
           <a:p>
             <a:pPr lvl="1"/>
             <a:r>
-              <a:rPr kumimoji="1" lang="en-US" altLang="ko-Kore-KR" dirty="0"/>
+              <a:rPr kumimoji="1" lang="en-US" altLang="ko-Kore-KR" dirty="0">
+                <a:latin typeface="BM JUA OTF" panose="02020603020101020101" pitchFamily="18" charset="-127"/>
+                <a:ea typeface="BM JUA OTF" panose="02020603020101020101" pitchFamily="18" charset="-127"/>
+              </a:rPr>
               <a:t>Records: 42,183 real automobile accidents in the USA (2001)</a:t>
             </a:r>
           </a:p>
           <a:p>
             <a:pPr lvl="1"/>
             <a:r>
-              <a:rPr kumimoji="1" lang="en-US" altLang="ko-Kore-KR" dirty="0"/>
+              <a:rPr kumimoji="1" lang="en-US" altLang="ko-Kore-KR" dirty="0">
+                <a:latin typeface="BM JUA OTF" panose="02020603020101020101" pitchFamily="18" charset="-127"/>
+                <a:ea typeface="BM JUA OTF" panose="02020603020101020101" pitchFamily="18" charset="-127"/>
+              </a:rPr>
               <a:t>Injury Levels:</a:t>
             </a:r>
           </a:p>
           <a:p>
             <a:pPr lvl="2"/>
             <a:r>
-              <a:rPr kumimoji="1" lang="en-US" altLang="ko-Kore-KR" dirty="0"/>
+              <a:rPr kumimoji="1" lang="en-US" altLang="ko-Kore-KR" dirty="0">
+                <a:latin typeface="BM JUA OTF" panose="02020603020101020101" pitchFamily="18" charset="-127"/>
+                <a:ea typeface="BM JUA OTF" panose="02020603020101020101" pitchFamily="18" charset="-127"/>
+              </a:rPr>
               <a:t>No Injury</a:t>
             </a:r>
           </a:p>
           <a:p>
             <a:pPr lvl="2"/>
             <a:r>
-              <a:rPr kumimoji="1" lang="en-US" altLang="ko-Kore-KR" dirty="0"/>
+              <a:rPr kumimoji="1" lang="en-US" altLang="ko-Kore-KR" dirty="0">
+                <a:latin typeface="BM JUA OTF" panose="02020603020101020101" pitchFamily="18" charset="-127"/>
+                <a:ea typeface="BM JUA OTF" panose="02020603020101020101" pitchFamily="18" charset="-127"/>
+              </a:rPr>
               <a:t>Injury</a:t>
             </a:r>
           </a:p>
           <a:p>
             <a:pPr lvl="2"/>
             <a:r>
-              <a:rPr kumimoji="1" lang="en-US" altLang="ko-Kore-KR" dirty="0"/>
+              <a:rPr kumimoji="1" lang="en-US" altLang="ko-Kore-KR" dirty="0">
+                <a:latin typeface="BM JUA OTF" panose="02020603020101020101" pitchFamily="18" charset="-127"/>
+                <a:ea typeface="BM JUA OTF" panose="02020603020101020101" pitchFamily="18" charset="-127"/>
+              </a:rPr>
               <a:t>Fatality</a:t>
             </a:r>
           </a:p>
           <a:p>
             <a:r>
-              <a:rPr kumimoji="1" lang="en-US" altLang="ko-Kore-KR" dirty="0"/>
+              <a:rPr kumimoji="1" lang="en-US" altLang="ko-Kore-KR" dirty="0">
+                <a:latin typeface="BM JUA OTF" panose="02020603020101020101" pitchFamily="18" charset="-127"/>
+                <a:ea typeface="BM JUA OTF" panose="02020603020101020101" pitchFamily="18" charset="-127"/>
+              </a:rPr>
               <a:t>Additional Information</a:t>
             </a:r>
           </a:p>
           <a:p>
             <a:pPr lvl="1"/>
             <a:r>
-              <a:rPr kumimoji="1" lang="en-US" altLang="ko-Kore-KR" dirty="0"/>
+              <a:rPr kumimoji="1" lang="en-US" altLang="ko-Kore-KR" dirty="0">
+                <a:latin typeface="BM JUA OTF" panose="02020603020101020101" pitchFamily="18" charset="-127"/>
+                <a:ea typeface="BM JUA OTF" panose="02020603020101020101" pitchFamily="18" charset="-127"/>
+              </a:rPr>
               <a:t>Day of the week</a:t>
             </a:r>
           </a:p>
           <a:p>
             <a:pPr lvl="1"/>
             <a:r>
-              <a:rPr kumimoji="1" lang="en-US" altLang="ko-Kore-KR" dirty="0"/>
+              <a:rPr kumimoji="1" lang="en-US" altLang="ko-Kore-KR" dirty="0">
+                <a:latin typeface="BM JUA OTF" panose="02020603020101020101" pitchFamily="18" charset="-127"/>
+                <a:ea typeface="BM JUA OTF" panose="02020603020101020101" pitchFamily="18" charset="-127"/>
+              </a:rPr>
               <a:t>Weather conditions</a:t>
             </a:r>
           </a:p>
           <a:p>
             <a:pPr lvl="1"/>
             <a:r>
-              <a:rPr kumimoji="1" lang="en-US" altLang="ko-Kore-KR" dirty="0"/>
+              <a:rPr kumimoji="1" lang="en-US" altLang="ko-Kore-KR" dirty="0">
+                <a:latin typeface="BM JUA OTF" panose="02020603020101020101" pitchFamily="18" charset="-127"/>
+                <a:ea typeface="BM JUA OTF" panose="02020603020101020101" pitchFamily="18" charset="-127"/>
+              </a:rPr>
               <a:t>Road type</a:t>
             </a:r>
           </a:p>
           <a:p>
             <a:pPr lvl="1"/>
-            <a:endParaRPr kumimoji="1" lang="en-US" altLang="ko-Kore-KR" dirty="0"/>
+            <a:endParaRPr kumimoji="1" lang="en-US" altLang="ko-Kore-KR" dirty="0">
+              <a:latin typeface="BM JUA OTF" panose="02020603020101020101" pitchFamily="18" charset="-127"/>
+              <a:ea typeface="BM JUA OTF" panose="02020603020101020101" pitchFamily="18" charset="-127"/>
+            </a:endParaRPr>
           </a:p>
           <a:p>
             <a:pPr marL="0" indent="0">
               <a:buNone/>
             </a:pPr>
-            <a:endParaRPr kumimoji="1" lang="en-US" altLang="ko-Kore-KR" dirty="0"/>
+            <a:endParaRPr kumimoji="1" lang="en-US" altLang="ko-Kore-KR" dirty="0">
+              <a:latin typeface="BM JUA OTF" panose="02020603020101020101" pitchFamily="18" charset="-127"/>
+              <a:ea typeface="BM JUA OTF" panose="02020603020101020101" pitchFamily="18" charset="-127"/>
+            </a:endParaRPr>
           </a:p>
           <a:p>
             <a:pPr marL="0" indent="0">
               <a:buNone/>
             </a:pPr>
-            <a:endParaRPr kumimoji="1" lang="en-US" altLang="ko-Kore-KR" dirty="0"/>
+            <a:endParaRPr kumimoji="1" lang="en-US" altLang="ko-Kore-KR" dirty="0">
+              <a:latin typeface="BM JUA OTF" panose="02020603020101020101" pitchFamily="18" charset="-127"/>
+              <a:ea typeface="BM JUA OTF" panose="02020603020101020101" pitchFamily="18" charset="-127"/>
+            </a:endParaRPr>
           </a:p>
           <a:p>
             <a:pPr marL="0" indent="0">
               <a:buNone/>
             </a:pPr>
-            <a:endParaRPr kumimoji="1" lang="en-US" altLang="ko-Kore-KR" dirty="0"/>
+            <a:endParaRPr kumimoji="1" lang="en-US" altLang="ko-Kore-KR" dirty="0">
+              <a:latin typeface="BM JUA OTF" panose="02020603020101020101" pitchFamily="18" charset="-127"/>
+              <a:ea typeface="BM JUA OTF" panose="02020603020101020101" pitchFamily="18" charset="-127"/>
+            </a:endParaRPr>
           </a:p>
           <a:p>
             <a:pPr marL="0" indent="0">
               <a:buNone/>
             </a:pPr>
-            <a:endParaRPr kumimoji="1" lang="en-US" altLang="ko-Kore-KR" dirty="0"/>
+            <a:endParaRPr kumimoji="1" lang="en-US" altLang="ko-Kore-KR" dirty="0">
+              <a:latin typeface="BM JUA OTF" panose="02020603020101020101" pitchFamily="18" charset="-127"/>
+              <a:ea typeface="BM JUA OTF" panose="02020603020101020101" pitchFamily="18" charset="-127"/>
+            </a:endParaRPr>
           </a:p>
           <a:p>
             <a:pPr marL="0" indent="0">
               <a:buNone/>
             </a:pPr>
-            <a:endParaRPr kumimoji="1" lang="en-US" altLang="ko-Kore-KR" dirty="0"/>
+            <a:endParaRPr kumimoji="1" lang="en-US" altLang="ko-Kore-KR" dirty="0">
+              <a:latin typeface="BM JUA OTF" panose="02020603020101020101" pitchFamily="18" charset="-127"/>
+              <a:ea typeface="BM JUA OTF" panose="02020603020101020101" pitchFamily="18" charset="-127"/>
+            </a:endParaRPr>
           </a:p>
         </p:txBody>
       </p:sp>
@@ -14040,11 +14959,17 @@
           <a:lstStyle/>
           <a:p>
             <a:fld id="{EB02D1FF-6DD7-AC44-8165-5996AD7643D9}" type="slidenum">
-              <a:rPr lang="en-KR" smtClean="0"/>
+              <a:rPr lang="en-KR" smtClean="0">
+                <a:latin typeface="BM JUA OTF" panose="02020603020101020101" pitchFamily="18" charset="-127"/>
+                <a:ea typeface="BM JUA OTF" panose="02020603020101020101" pitchFamily="18" charset="-127"/>
+              </a:rPr>
               <a:pPr/>
               <a:t>3</a:t>
             </a:fld>
-            <a:endParaRPr lang="en-KR" dirty="0"/>
+            <a:endParaRPr lang="en-KR" dirty="0">
+              <a:latin typeface="BM JUA OTF" panose="02020603020101020101" pitchFamily="18" charset="-127"/>
+              <a:ea typeface="BM JUA OTF" panose="02020603020101020101" pitchFamily="18" charset="-127"/>
+            </a:endParaRPr>
           </a:p>
         </p:txBody>
       </p:sp>
@@ -14120,10 +15045,16 @@
           <a:lstStyle/>
           <a:p>
             <a:r>
-              <a:rPr lang="en-US" dirty="0"/>
+              <a:rPr lang="en-US" dirty="0">
+                <a:latin typeface="BM JUA OTF" panose="02020603020101020101" pitchFamily="18" charset="-127"/>
+                <a:ea typeface="BM JUA OTF" panose="02020603020101020101" pitchFamily="18" charset="-127"/>
+              </a:rPr>
               <a:t>Oct 2024</a:t>
             </a:r>
-            <a:endParaRPr lang="en-KR" dirty="0"/>
+            <a:endParaRPr lang="en-KR" dirty="0">
+              <a:latin typeface="BM JUA OTF" panose="02020603020101020101" pitchFamily="18" charset="-127"/>
+              <a:ea typeface="BM JUA OTF" panose="02020603020101020101" pitchFamily="18" charset="-127"/>
+            </a:endParaRPr>
           </a:p>
         </p:txBody>
       </p:sp>
@@ -14196,7 +15127,7 @@
         </p:blipFill>
         <p:spPr>
           <a:xfrm>
-            <a:off x="2985583" y="3135902"/>
+            <a:off x="2985583" y="2996202"/>
             <a:ext cx="1000837" cy="1000837"/>
           </a:xfrm>
           <a:prstGeom prst="rect">
@@ -14225,6 +15156,900 @@
 </p:sld>
 </file>
 
+<file path=ppt/slides/slide30.xml><?xml version="1.0" encoding="utf-8"?>
+<p:sld xmlns:a="http://schemas.openxmlformats.org/drawingml/2006/main" xmlns:r="http://schemas.openxmlformats.org/officeDocument/2006/relationships" xmlns:p="http://schemas.openxmlformats.org/presentationml/2006/main">
+  <p:cSld>
+    <p:spTree>
+      <p:nvGrpSpPr>
+        <p:cNvPr id="1" name=""/>
+        <p:cNvGrpSpPr/>
+        <p:nvPr/>
+      </p:nvGrpSpPr>
+      <p:grpSpPr>
+        <a:xfrm>
+          <a:off x="0" y="0"/>
+          <a:ext cx="0" cy="0"/>
+          <a:chOff x="0" y="0"/>
+          <a:chExt cx="0" cy="0"/>
+        </a:xfrm>
+      </p:grpSpPr>
+      <p:sp>
+        <p:nvSpPr>
+          <p:cNvPr id="2" name="제목 1">
+            <a:extLst>
+              <a:ext uri="{FF2B5EF4-FFF2-40B4-BE49-F238E27FC236}">
+                <a16:creationId xmlns:a16="http://schemas.microsoft.com/office/drawing/2014/main" id="{F2000C03-C68D-7F35-D757-5CD03A567C64}"/>
+              </a:ext>
+            </a:extLst>
+          </p:cNvPr>
+          <p:cNvSpPr>
+            <a:spLocks noGrp="1"/>
+          </p:cNvSpPr>
+          <p:nvPr>
+            <p:ph type="title"/>
+          </p:nvPr>
+        </p:nvSpPr>
+        <p:spPr/>
+        <p:txBody>
+          <a:bodyPr/>
+          <a:lstStyle/>
+          <a:p>
+            <a:r>
+              <a:rPr kumimoji="1" lang="en-US" altLang="ko-KR" dirty="0">
+                <a:latin typeface="BM JUA OTF" panose="02020603020101020101" pitchFamily="18" charset="-127"/>
+                <a:ea typeface="BM JUA OTF" panose="02020603020101020101" pitchFamily="18" charset="-127"/>
+              </a:rPr>
+              <a:t>Appendix</a:t>
+            </a:r>
+            <a:endParaRPr kumimoji="1" lang="ko-KR" altLang="en-US" dirty="0">
+              <a:latin typeface="BM JUA OTF" panose="02020603020101020101" pitchFamily="18" charset="-127"/>
+              <a:ea typeface="BM JUA OTF" panose="02020603020101020101" pitchFamily="18" charset="-127"/>
+            </a:endParaRPr>
+          </a:p>
+        </p:txBody>
+      </p:sp>
+      <p:sp>
+        <p:nvSpPr>
+          <p:cNvPr id="3" name="내용 개체 틀 2">
+            <a:extLst>
+              <a:ext uri="{FF2B5EF4-FFF2-40B4-BE49-F238E27FC236}">
+                <a16:creationId xmlns:a16="http://schemas.microsoft.com/office/drawing/2014/main" id="{0DA06BB8-B5E5-2235-251D-447B34D60430}"/>
+              </a:ext>
+            </a:extLst>
+          </p:cNvPr>
+          <p:cNvSpPr>
+            <a:spLocks noGrp="1"/>
+          </p:cNvSpPr>
+          <p:nvPr>
+            <p:ph idx="1"/>
+          </p:nvPr>
+        </p:nvSpPr>
+        <p:spPr/>
+        <p:txBody>
+          <a:bodyPr/>
+          <a:lstStyle/>
+          <a:p>
+            <a:r>
+              <a:rPr kumimoji="1" lang="en-US" altLang="ko-KR" dirty="0">
+                <a:latin typeface="BM JUA OTF" panose="02020603020101020101" pitchFamily="18" charset="-127"/>
+                <a:ea typeface="BM JUA OTF" panose="02020603020101020101" pitchFamily="18" charset="-127"/>
+              </a:rPr>
+              <a:t>Variance Correlation (dropped)</a:t>
+            </a:r>
+            <a:endParaRPr kumimoji="1" lang="ko-KR" altLang="en-US" dirty="0">
+              <a:latin typeface="BM JUA OTF" panose="02020603020101020101" pitchFamily="18" charset="-127"/>
+              <a:ea typeface="BM JUA OTF" panose="02020603020101020101" pitchFamily="18" charset="-127"/>
+            </a:endParaRPr>
+          </a:p>
+        </p:txBody>
+      </p:sp>
+      <p:sp>
+        <p:nvSpPr>
+          <p:cNvPr id="4" name="날짜 개체 틀 3">
+            <a:extLst>
+              <a:ext uri="{FF2B5EF4-FFF2-40B4-BE49-F238E27FC236}">
+                <a16:creationId xmlns:a16="http://schemas.microsoft.com/office/drawing/2014/main" id="{BC3E677A-68CD-A545-BE66-293B67A4FD9C}"/>
+              </a:ext>
+            </a:extLst>
+          </p:cNvPr>
+          <p:cNvSpPr>
+            <a:spLocks noGrp="1"/>
+          </p:cNvSpPr>
+          <p:nvPr>
+            <p:ph type="dt" sz="half" idx="2"/>
+          </p:nvPr>
+        </p:nvSpPr>
+        <p:spPr/>
+        <p:txBody>
+          <a:bodyPr/>
+          <a:lstStyle/>
+          <a:p>
+            <a:r>
+              <a:rPr lang="en-US">
+                <a:latin typeface="BM JUA OTF" panose="02020603020101020101" pitchFamily="18" charset="-127"/>
+                <a:ea typeface="BM JUA OTF" panose="02020603020101020101" pitchFamily="18" charset="-127"/>
+              </a:rPr>
+              <a:t>Oct </a:t>
+            </a:r>
+            <a:r>
+              <a:rPr lang="en-US" altLang="ko-KR">
+                <a:latin typeface="BM JUA OTF" panose="02020603020101020101" pitchFamily="18" charset="-127"/>
+                <a:ea typeface="BM JUA OTF" panose="02020603020101020101" pitchFamily="18" charset="-127"/>
+              </a:rPr>
+              <a:t>2024</a:t>
+            </a:r>
+            <a:endParaRPr lang="en-KR" dirty="0">
+              <a:latin typeface="BM JUA OTF" panose="02020603020101020101" pitchFamily="18" charset="-127"/>
+              <a:ea typeface="BM JUA OTF" panose="02020603020101020101" pitchFamily="18" charset="-127"/>
+            </a:endParaRPr>
+          </a:p>
+        </p:txBody>
+      </p:sp>
+      <p:sp>
+        <p:nvSpPr>
+          <p:cNvPr id="5" name="슬라이드 번호 개체 틀 4">
+            <a:extLst>
+              <a:ext uri="{FF2B5EF4-FFF2-40B4-BE49-F238E27FC236}">
+                <a16:creationId xmlns:a16="http://schemas.microsoft.com/office/drawing/2014/main" id="{6A77609D-A776-6B78-02FE-7C720A8ED572}"/>
+              </a:ext>
+            </a:extLst>
+          </p:cNvPr>
+          <p:cNvSpPr>
+            <a:spLocks noGrp="1"/>
+          </p:cNvSpPr>
+          <p:nvPr>
+            <p:ph type="sldNum" sz="quarter" idx="4"/>
+          </p:nvPr>
+        </p:nvSpPr>
+        <p:spPr/>
+        <p:txBody>
+          <a:bodyPr/>
+          <a:lstStyle/>
+          <a:p>
+            <a:fld id="{EB02D1FF-6DD7-AC44-8165-5996AD7643D9}" type="slidenum">
+              <a:rPr lang="en-KR" smtClean="0">
+                <a:latin typeface="BM JUA OTF" panose="02020603020101020101" pitchFamily="18" charset="-127"/>
+                <a:ea typeface="BM JUA OTF" panose="02020603020101020101" pitchFamily="18" charset="-127"/>
+              </a:rPr>
+              <a:pPr/>
+              <a:t>30</a:t>
+            </a:fld>
+            <a:endParaRPr lang="en-KR" dirty="0">
+              <a:latin typeface="BM JUA OTF" panose="02020603020101020101" pitchFamily="18" charset="-127"/>
+              <a:ea typeface="BM JUA OTF" panose="02020603020101020101" pitchFamily="18" charset="-127"/>
+            </a:endParaRPr>
+          </a:p>
+        </p:txBody>
+      </p:sp>
+      <p:pic>
+        <p:nvPicPr>
+          <p:cNvPr id="6" name="그림 5">
+            <a:extLst>
+              <a:ext uri="{FF2B5EF4-FFF2-40B4-BE49-F238E27FC236}">
+                <a16:creationId xmlns:a16="http://schemas.microsoft.com/office/drawing/2014/main" id="{1EFF674F-C77C-6B0B-3B70-E31DEBB837D6}"/>
+              </a:ext>
+            </a:extLst>
+          </p:cNvPr>
+          <p:cNvPicPr>
+            <a:picLocks noChangeAspect="1"/>
+          </p:cNvPicPr>
+          <p:nvPr/>
+        </p:nvPicPr>
+        <p:blipFill>
+          <a:blip r:embed="rId2"/>
+          <a:srcRect l="1430" t="1955" r="1513" b="1934"/>
+          <a:stretch/>
+        </p:blipFill>
+        <p:spPr>
+          <a:xfrm>
+            <a:off x="1655064" y="1627632"/>
+            <a:ext cx="5586984" cy="4544568"/>
+          </a:xfrm>
+          <a:prstGeom prst="rect">
+            <a:avLst/>
+          </a:prstGeom>
+        </p:spPr>
+      </p:pic>
+    </p:spTree>
+    <p:extLst>
+      <p:ext uri="{BB962C8B-B14F-4D97-AF65-F5344CB8AC3E}">
+        <p14:creationId xmlns:p14="http://schemas.microsoft.com/office/powerpoint/2010/main" val="1293599056"/>
+      </p:ext>
+    </p:extLst>
+  </p:cSld>
+  <p:clrMapOvr>
+    <a:masterClrMapping/>
+  </p:clrMapOvr>
+</p:sld>
+</file>
+
+<file path=ppt/slides/slide31.xml><?xml version="1.0" encoding="utf-8"?>
+<p:sld xmlns:a="http://schemas.openxmlformats.org/drawingml/2006/main" xmlns:r="http://schemas.openxmlformats.org/officeDocument/2006/relationships" xmlns:p="http://schemas.openxmlformats.org/presentationml/2006/main">
+  <p:cSld>
+    <p:spTree>
+      <p:nvGrpSpPr>
+        <p:cNvPr id="1" name="">
+          <a:extLst>
+            <a:ext uri="{FF2B5EF4-FFF2-40B4-BE49-F238E27FC236}">
+              <a16:creationId xmlns:a16="http://schemas.microsoft.com/office/drawing/2014/main" id="{B9FFE6B5-8D88-D1D6-7A16-789B15BFE130}"/>
+            </a:ext>
+          </a:extLst>
+        </p:cNvPr>
+        <p:cNvGrpSpPr/>
+        <p:nvPr/>
+      </p:nvGrpSpPr>
+      <p:grpSpPr>
+        <a:xfrm>
+          <a:off x="0" y="0"/>
+          <a:ext cx="0" cy="0"/>
+          <a:chOff x="0" y="0"/>
+          <a:chExt cx="0" cy="0"/>
+        </a:xfrm>
+      </p:grpSpPr>
+      <p:sp>
+        <p:nvSpPr>
+          <p:cNvPr id="2" name="제목 1">
+            <a:extLst>
+              <a:ext uri="{FF2B5EF4-FFF2-40B4-BE49-F238E27FC236}">
+                <a16:creationId xmlns:a16="http://schemas.microsoft.com/office/drawing/2014/main" id="{BA30CB2F-A8DF-707E-5FE4-8283F925989A}"/>
+              </a:ext>
+            </a:extLst>
+          </p:cNvPr>
+          <p:cNvSpPr>
+            <a:spLocks noGrp="1"/>
+          </p:cNvSpPr>
+          <p:nvPr>
+            <p:ph type="title"/>
+          </p:nvPr>
+        </p:nvSpPr>
+        <p:spPr/>
+        <p:txBody>
+          <a:bodyPr/>
+          <a:lstStyle/>
+          <a:p>
+            <a:r>
+              <a:rPr kumimoji="1" lang="en-US" altLang="ko-KR" dirty="0">
+                <a:latin typeface="BM JUA OTF" panose="02020603020101020101" pitchFamily="18" charset="-127"/>
+                <a:ea typeface="BM JUA OTF" panose="02020603020101020101" pitchFamily="18" charset="-127"/>
+              </a:rPr>
+              <a:t>Appendix</a:t>
+            </a:r>
+            <a:endParaRPr kumimoji="1" lang="ko-KR" altLang="en-US" dirty="0">
+              <a:latin typeface="BM JUA OTF" panose="02020603020101020101" pitchFamily="18" charset="-127"/>
+              <a:ea typeface="BM JUA OTF" panose="02020603020101020101" pitchFamily="18" charset="-127"/>
+            </a:endParaRPr>
+          </a:p>
+        </p:txBody>
+      </p:sp>
+      <p:sp>
+        <p:nvSpPr>
+          <p:cNvPr id="3" name="내용 개체 틀 2">
+            <a:extLst>
+              <a:ext uri="{FF2B5EF4-FFF2-40B4-BE49-F238E27FC236}">
+                <a16:creationId xmlns:a16="http://schemas.microsoft.com/office/drawing/2014/main" id="{A5A18D9E-E371-8193-44A6-2F3C51354D7C}"/>
+              </a:ext>
+            </a:extLst>
+          </p:cNvPr>
+          <p:cNvSpPr>
+            <a:spLocks noGrp="1"/>
+          </p:cNvSpPr>
+          <p:nvPr>
+            <p:ph idx="1"/>
+          </p:nvPr>
+        </p:nvSpPr>
+        <p:spPr/>
+        <p:txBody>
+          <a:bodyPr/>
+          <a:lstStyle/>
+          <a:p>
+            <a:r>
+              <a:rPr kumimoji="1" lang="en-US" altLang="ko-KR" dirty="0">
+                <a:latin typeface="BM JUA OTF" panose="02020603020101020101" pitchFamily="18" charset="-127"/>
+                <a:ea typeface="BM JUA OTF" panose="02020603020101020101" pitchFamily="18" charset="-127"/>
+              </a:rPr>
+              <a:t>Hyper parameter sensitivity “Alpha”</a:t>
+            </a:r>
+            <a:endParaRPr kumimoji="1" lang="ko-KR" altLang="en-US" dirty="0">
+              <a:latin typeface="BM JUA OTF" panose="02020603020101020101" pitchFamily="18" charset="-127"/>
+              <a:ea typeface="BM JUA OTF" panose="02020603020101020101" pitchFamily="18" charset="-127"/>
+            </a:endParaRPr>
+          </a:p>
+        </p:txBody>
+      </p:sp>
+      <p:sp>
+        <p:nvSpPr>
+          <p:cNvPr id="4" name="날짜 개체 틀 3">
+            <a:extLst>
+              <a:ext uri="{FF2B5EF4-FFF2-40B4-BE49-F238E27FC236}">
+                <a16:creationId xmlns:a16="http://schemas.microsoft.com/office/drawing/2014/main" id="{45A85135-0ED5-968F-6722-BE986CDD8FE5}"/>
+              </a:ext>
+            </a:extLst>
+          </p:cNvPr>
+          <p:cNvSpPr>
+            <a:spLocks noGrp="1"/>
+          </p:cNvSpPr>
+          <p:nvPr>
+            <p:ph type="dt" sz="half" idx="2"/>
+          </p:nvPr>
+        </p:nvSpPr>
+        <p:spPr/>
+        <p:txBody>
+          <a:bodyPr/>
+          <a:lstStyle/>
+          <a:p>
+            <a:r>
+              <a:rPr lang="en-US">
+                <a:latin typeface="BM JUA OTF" panose="02020603020101020101" pitchFamily="18" charset="-127"/>
+                <a:ea typeface="BM JUA OTF" panose="02020603020101020101" pitchFamily="18" charset="-127"/>
+              </a:rPr>
+              <a:t>Oct </a:t>
+            </a:r>
+            <a:r>
+              <a:rPr lang="en-US" altLang="ko-KR">
+                <a:latin typeface="BM JUA OTF" panose="02020603020101020101" pitchFamily="18" charset="-127"/>
+                <a:ea typeface="BM JUA OTF" panose="02020603020101020101" pitchFamily="18" charset="-127"/>
+              </a:rPr>
+              <a:t>2024</a:t>
+            </a:r>
+            <a:endParaRPr lang="en-KR" dirty="0">
+              <a:latin typeface="BM JUA OTF" panose="02020603020101020101" pitchFamily="18" charset="-127"/>
+              <a:ea typeface="BM JUA OTF" panose="02020603020101020101" pitchFamily="18" charset="-127"/>
+            </a:endParaRPr>
+          </a:p>
+        </p:txBody>
+      </p:sp>
+      <p:sp>
+        <p:nvSpPr>
+          <p:cNvPr id="5" name="슬라이드 번호 개체 틀 4">
+            <a:extLst>
+              <a:ext uri="{FF2B5EF4-FFF2-40B4-BE49-F238E27FC236}">
+                <a16:creationId xmlns:a16="http://schemas.microsoft.com/office/drawing/2014/main" id="{91C454C0-F155-1619-C194-B7749CE30616}"/>
+              </a:ext>
+            </a:extLst>
+          </p:cNvPr>
+          <p:cNvSpPr>
+            <a:spLocks noGrp="1"/>
+          </p:cNvSpPr>
+          <p:nvPr>
+            <p:ph type="sldNum" sz="quarter" idx="4"/>
+          </p:nvPr>
+        </p:nvSpPr>
+        <p:spPr/>
+        <p:txBody>
+          <a:bodyPr/>
+          <a:lstStyle/>
+          <a:p>
+            <a:fld id="{EB02D1FF-6DD7-AC44-8165-5996AD7643D9}" type="slidenum">
+              <a:rPr lang="en-KR" smtClean="0">
+                <a:latin typeface="BM JUA OTF" panose="02020603020101020101" pitchFamily="18" charset="-127"/>
+                <a:ea typeface="BM JUA OTF" panose="02020603020101020101" pitchFamily="18" charset="-127"/>
+              </a:rPr>
+              <a:pPr/>
+              <a:t>31</a:t>
+            </a:fld>
+            <a:endParaRPr lang="en-KR" dirty="0">
+              <a:latin typeface="BM JUA OTF" panose="02020603020101020101" pitchFamily="18" charset="-127"/>
+              <a:ea typeface="BM JUA OTF" panose="02020603020101020101" pitchFamily="18" charset="-127"/>
+            </a:endParaRPr>
+          </a:p>
+        </p:txBody>
+      </p:sp>
+      <p:pic>
+        <p:nvPicPr>
+          <p:cNvPr id="7" name="내용 개체 틀 5">
+            <a:extLst>
+              <a:ext uri="{FF2B5EF4-FFF2-40B4-BE49-F238E27FC236}">
+                <a16:creationId xmlns:a16="http://schemas.microsoft.com/office/drawing/2014/main" id="{856C3D33-C301-1BD1-6D9B-52FB9FA85945}"/>
+              </a:ext>
+            </a:extLst>
+          </p:cNvPr>
+          <p:cNvPicPr>
+            <a:picLocks noChangeAspect="1"/>
+          </p:cNvPicPr>
+          <p:nvPr/>
+        </p:nvPicPr>
+        <p:blipFill>
+          <a:blip r:embed="rId2"/>
+          <a:srcRect l="1041"/>
+          <a:stretch/>
+        </p:blipFill>
+        <p:spPr>
+          <a:xfrm>
+            <a:off x="1338348" y="1598182"/>
+            <a:ext cx="6180163" cy="4619103"/>
+          </a:xfrm>
+          <a:prstGeom prst="rect">
+            <a:avLst/>
+          </a:prstGeom>
+        </p:spPr>
+      </p:pic>
+      <p:sp>
+        <p:nvSpPr>
+          <p:cNvPr id="8" name="TextBox 7">
+            <a:extLst>
+              <a:ext uri="{FF2B5EF4-FFF2-40B4-BE49-F238E27FC236}">
+                <a16:creationId xmlns:a16="http://schemas.microsoft.com/office/drawing/2014/main" id="{BCBA45F4-B7EC-E4EF-1EE9-D7FC80C8F5D0}"/>
+              </a:ext>
+            </a:extLst>
+          </p:cNvPr>
+          <p:cNvSpPr txBox="1"/>
+          <p:nvPr/>
+        </p:nvSpPr>
+        <p:spPr>
+          <a:xfrm>
+            <a:off x="4428429" y="2622550"/>
+            <a:ext cx="977900" cy="369332"/>
+          </a:xfrm>
+          <a:prstGeom prst="rect">
+            <a:avLst/>
+          </a:prstGeom>
+          <a:noFill/>
+        </p:spPr>
+        <p:txBody>
+          <a:bodyPr wrap="square" rtlCol="0">
+            <a:spAutoFit/>
+          </a:bodyPr>
+          <a:lstStyle/>
+          <a:p>
+            <a:pPr algn="l"/>
+            <a:r>
+              <a:rPr kumimoji="1" lang="en-US" altLang="ko-KR" dirty="0">
+                <a:latin typeface="BM JUA OTF" panose="02020603020101020101" pitchFamily="18" charset="-127"/>
+                <a:ea typeface="BM JUA OTF" panose="02020603020101020101" pitchFamily="18" charset="-127"/>
+                <a:cs typeface="Varela Round" pitchFamily="2" charset="-79"/>
+              </a:rPr>
+              <a:t>Val</a:t>
+            </a:r>
+            <a:endParaRPr kumimoji="1" lang="ko-KR" altLang="en-US" dirty="0">
+              <a:latin typeface="BM JUA OTF" panose="02020603020101020101" pitchFamily="18" charset="-127"/>
+              <a:ea typeface="BM JUA OTF" panose="02020603020101020101" pitchFamily="18" charset="-127"/>
+              <a:cs typeface="Varela Round" pitchFamily="2" charset="-79"/>
+            </a:endParaRPr>
+          </a:p>
+        </p:txBody>
+      </p:sp>
+      <p:sp>
+        <p:nvSpPr>
+          <p:cNvPr id="9" name="TextBox 8">
+            <a:extLst>
+              <a:ext uri="{FF2B5EF4-FFF2-40B4-BE49-F238E27FC236}">
+                <a16:creationId xmlns:a16="http://schemas.microsoft.com/office/drawing/2014/main" id="{29754FCD-7693-222D-3836-16F7A581A931}"/>
+              </a:ext>
+            </a:extLst>
+          </p:cNvPr>
+          <p:cNvSpPr txBox="1"/>
+          <p:nvPr/>
+        </p:nvSpPr>
+        <p:spPr>
+          <a:xfrm>
+            <a:off x="4428429" y="4235251"/>
+            <a:ext cx="977900" cy="369332"/>
+          </a:xfrm>
+          <a:prstGeom prst="rect">
+            <a:avLst/>
+          </a:prstGeom>
+          <a:noFill/>
+        </p:spPr>
+        <p:txBody>
+          <a:bodyPr wrap="square" rtlCol="0">
+            <a:spAutoFit/>
+          </a:bodyPr>
+          <a:lstStyle/>
+          <a:p>
+            <a:pPr algn="l"/>
+            <a:r>
+              <a:rPr kumimoji="1" lang="en-US" altLang="ko-KR" dirty="0">
+                <a:latin typeface="BM JUA OTF" panose="02020603020101020101" pitchFamily="18" charset="-127"/>
+                <a:ea typeface="BM JUA OTF" panose="02020603020101020101" pitchFamily="18" charset="-127"/>
+                <a:cs typeface="Varela Round" pitchFamily="2" charset="-79"/>
+              </a:rPr>
+              <a:t>Train</a:t>
+            </a:r>
+            <a:endParaRPr kumimoji="1" lang="ko-KR" altLang="en-US" dirty="0">
+              <a:latin typeface="BM JUA OTF" panose="02020603020101020101" pitchFamily="18" charset="-127"/>
+              <a:ea typeface="BM JUA OTF" panose="02020603020101020101" pitchFamily="18" charset="-127"/>
+              <a:cs typeface="Varela Round" pitchFamily="2" charset="-79"/>
+            </a:endParaRPr>
+          </a:p>
+        </p:txBody>
+      </p:sp>
+    </p:spTree>
+    <p:extLst>
+      <p:ext uri="{BB962C8B-B14F-4D97-AF65-F5344CB8AC3E}">
+        <p14:creationId xmlns:p14="http://schemas.microsoft.com/office/powerpoint/2010/main" val="2309884792"/>
+      </p:ext>
+    </p:extLst>
+  </p:cSld>
+  <p:clrMapOvr>
+    <a:masterClrMapping/>
+  </p:clrMapOvr>
+</p:sld>
+</file>
+
+<file path=ppt/slides/slide32.xml><?xml version="1.0" encoding="utf-8"?>
+<p:sld xmlns:a="http://schemas.openxmlformats.org/drawingml/2006/main" xmlns:r="http://schemas.openxmlformats.org/officeDocument/2006/relationships" xmlns:p="http://schemas.openxmlformats.org/presentationml/2006/main">
+  <p:cSld>
+    <p:spTree>
+      <p:nvGrpSpPr>
+        <p:cNvPr id="1" name=""/>
+        <p:cNvGrpSpPr/>
+        <p:nvPr/>
+      </p:nvGrpSpPr>
+      <p:grpSpPr>
+        <a:xfrm>
+          <a:off x="0" y="0"/>
+          <a:ext cx="0" cy="0"/>
+          <a:chOff x="0" y="0"/>
+          <a:chExt cx="0" cy="0"/>
+        </a:xfrm>
+      </p:grpSpPr>
+      <p:sp>
+        <p:nvSpPr>
+          <p:cNvPr id="22" name="Subtitle 2">
+            <a:extLst>
+              <a:ext uri="{FF2B5EF4-FFF2-40B4-BE49-F238E27FC236}">
+                <a16:creationId xmlns:a16="http://schemas.microsoft.com/office/drawing/2014/main" id="{1EFD79C9-08F9-2EEC-9153-28966DAEBDDC}"/>
+              </a:ext>
+            </a:extLst>
+          </p:cNvPr>
+          <p:cNvSpPr>
+            <a:spLocks noGrp="1"/>
+          </p:cNvSpPr>
+          <p:nvPr>
+            <p:ph type="subTitle" idx="1"/>
+          </p:nvPr>
+        </p:nvSpPr>
+        <p:spPr>
+          <a:xfrm>
+            <a:off x="1143000" y="2631810"/>
+            <a:ext cx="6858000" cy="1144187"/>
+          </a:xfrm>
+        </p:spPr>
+        <p:txBody>
+          <a:bodyPr>
+            <a:noAutofit/>
+          </a:bodyPr>
+          <a:lstStyle/>
+          <a:p>
+            <a:r>
+              <a:rPr lang="en-US" sz="8000" b="0" dirty="0">
+                <a:solidFill>
+                  <a:srgbClr val="0070C0"/>
+                </a:solidFill>
+                <a:latin typeface="BM JUA OTF" panose="02020603020101020101" pitchFamily="18" charset="-127"/>
+                <a:ea typeface="BM JUA OTF" panose="02020603020101020101" pitchFamily="18" charset="-127"/>
+              </a:rPr>
+              <a:t>Thank You</a:t>
+            </a:r>
+          </a:p>
+          <a:p>
+            <a:endParaRPr lang="en-KR" sz="9600" dirty="0">
+              <a:solidFill>
+                <a:srgbClr val="0070C0"/>
+              </a:solidFill>
+              <a:latin typeface="BM JUA OTF" panose="02020603020101020101" pitchFamily="18" charset="-127"/>
+              <a:ea typeface="BM JUA OTF" panose="02020603020101020101" pitchFamily="18" charset="-127"/>
+            </a:endParaRPr>
+          </a:p>
+        </p:txBody>
+      </p:sp>
+      <p:pic>
+        <p:nvPicPr>
+          <p:cNvPr id="26" name="그림 25" descr="폰트, 로고, 텍스트, 그래픽이(가) 표시된 사진&#10;&#10;자동 생성된 설명">
+            <a:extLst>
+              <a:ext uri="{FF2B5EF4-FFF2-40B4-BE49-F238E27FC236}">
+                <a16:creationId xmlns:a16="http://schemas.microsoft.com/office/drawing/2014/main" id="{A4460322-E9CF-17A2-3BDA-2E04B5B436C1}"/>
+              </a:ext>
+            </a:extLst>
+          </p:cNvPr>
+          <p:cNvPicPr>
+            <a:picLocks noChangeAspect="1"/>
+          </p:cNvPicPr>
+          <p:nvPr/>
+        </p:nvPicPr>
+        <p:blipFill>
+          <a:blip r:embed="rId3"/>
+          <a:stretch>
+            <a:fillRect/>
+          </a:stretch>
+        </p:blipFill>
+        <p:spPr>
+          <a:xfrm>
+            <a:off x="6398269" y="252676"/>
+            <a:ext cx="1689819" cy="644593"/>
+          </a:xfrm>
+          <a:prstGeom prst="rect">
+            <a:avLst/>
+          </a:prstGeom>
+        </p:spPr>
+      </p:pic>
+      <p:sp>
+        <p:nvSpPr>
+          <p:cNvPr id="6" name="TextBox 5">
+            <a:extLst>
+              <a:ext uri="{FF2B5EF4-FFF2-40B4-BE49-F238E27FC236}">
+                <a16:creationId xmlns:a16="http://schemas.microsoft.com/office/drawing/2014/main" id="{B0622435-0EC3-57A2-30D7-EC814F4F3742}"/>
+              </a:ext>
+            </a:extLst>
+          </p:cNvPr>
+          <p:cNvSpPr txBox="1"/>
+          <p:nvPr/>
+        </p:nvSpPr>
+        <p:spPr>
+          <a:xfrm>
+            <a:off x="2270215" y="4627858"/>
+            <a:ext cx="4628508" cy="461665"/>
+          </a:xfrm>
+          <a:prstGeom prst="rect">
+            <a:avLst/>
+          </a:prstGeom>
+          <a:noFill/>
+        </p:spPr>
+        <p:txBody>
+          <a:bodyPr wrap="square">
+            <a:spAutoFit/>
+          </a:bodyPr>
+          <a:lstStyle/>
+          <a:p>
+            <a:pPr marL="0" indent="0" algn="ctr">
+              <a:lnSpc>
+                <a:spcPct val="100000"/>
+              </a:lnSpc>
+              <a:buNone/>
+            </a:pPr>
+            <a:r>
+              <a:rPr lang="en-US" sz="2400" dirty="0">
+                <a:latin typeface="BM JUA OTF" panose="02020603020101020101" pitchFamily="18" charset="-127"/>
+                <a:ea typeface="BM JUA OTF" panose="02020603020101020101" pitchFamily="18" charset="-127"/>
+                <a:cs typeface="Varela Round" pitchFamily="2" charset="-79"/>
+              </a:rPr>
+              <a:t>Presenter: </a:t>
+            </a:r>
+            <a:r>
+              <a:rPr lang="en-US" sz="2400" dirty="0" err="1">
+                <a:latin typeface="BM JUA OTF" panose="02020603020101020101" pitchFamily="18" charset="-127"/>
+                <a:ea typeface="BM JUA OTF" panose="02020603020101020101" pitchFamily="18" charset="-127"/>
+                <a:cs typeface="Varela Round" pitchFamily="2" charset="-79"/>
+              </a:rPr>
+              <a:t>Sunuk</a:t>
+            </a:r>
+            <a:r>
+              <a:rPr lang="en-US" sz="2400" dirty="0">
+                <a:latin typeface="BM JUA OTF" panose="02020603020101020101" pitchFamily="18" charset="-127"/>
+                <a:ea typeface="BM JUA OTF" panose="02020603020101020101" pitchFamily="18" charset="-127"/>
+                <a:cs typeface="Varela Round" pitchFamily="2" charset="-79"/>
+              </a:rPr>
+              <a:t> Kim</a:t>
+            </a:r>
+          </a:p>
+        </p:txBody>
+      </p:sp>
+      <p:sp>
+        <p:nvSpPr>
+          <p:cNvPr id="7" name="TextBox 6">
+            <a:extLst>
+              <a:ext uri="{FF2B5EF4-FFF2-40B4-BE49-F238E27FC236}">
+                <a16:creationId xmlns:a16="http://schemas.microsoft.com/office/drawing/2014/main" id="{445F2A3C-ACE6-3E07-3AEC-D1A3D54AD479}"/>
+              </a:ext>
+            </a:extLst>
+          </p:cNvPr>
+          <p:cNvSpPr txBox="1"/>
+          <p:nvPr/>
+        </p:nvSpPr>
+        <p:spPr>
+          <a:xfrm>
+            <a:off x="1167938" y="5332401"/>
+            <a:ext cx="6833062" cy="369332"/>
+          </a:xfrm>
+          <a:prstGeom prst="rect">
+            <a:avLst/>
+          </a:prstGeom>
+          <a:noFill/>
+        </p:spPr>
+        <p:txBody>
+          <a:bodyPr wrap="square" rtlCol="0">
+            <a:spAutoFit/>
+          </a:bodyPr>
+          <a:lstStyle/>
+          <a:p>
+            <a:pPr algn="ctr" rtl="0">
+              <a:spcBef>
+                <a:spcPts val="0"/>
+              </a:spcBef>
+              <a:spcAft>
+                <a:spcPts val="0"/>
+              </a:spcAft>
+            </a:pPr>
+            <a:r>
+              <a:rPr lang="en-US" sz="1800" i="0" u="none" strike="noStrike" dirty="0">
+                <a:solidFill>
+                  <a:srgbClr val="000000"/>
+                </a:solidFill>
+                <a:effectLst/>
+                <a:latin typeface="BM JUA OTF" panose="02020603020101020101" pitchFamily="18" charset="-127"/>
+                <a:ea typeface="BM JUA OTF" panose="02020603020101020101" pitchFamily="18" charset="-127"/>
+                <a:cs typeface="Varela Round" pitchFamily="2" charset="-79"/>
+              </a:rPr>
+              <a:t>Code: </a:t>
+            </a:r>
+            <a:r>
+              <a:rPr lang="en-US" sz="1800" i="0" u="none" strike="noStrike" dirty="0">
+                <a:solidFill>
+                  <a:srgbClr val="000000"/>
+                </a:solidFill>
+                <a:effectLst/>
+                <a:latin typeface="BM JUA OTF" panose="02020603020101020101" pitchFamily="18" charset="-127"/>
+                <a:ea typeface="BM JUA OTF" panose="02020603020101020101" pitchFamily="18" charset="-127"/>
+                <a:cs typeface="Varela Round" pitchFamily="2" charset="-79"/>
+                <a:hlinkClick r:id="rId4"/>
+              </a:rPr>
+              <a:t>https:</a:t>
+            </a:r>
+            <a:r>
+              <a:rPr lang="en-US" sz="1800" i="0" u="none" strike="noStrike" dirty="0">
+                <a:solidFill>
+                  <a:srgbClr val="000000"/>
+                </a:solidFill>
+                <a:effectLst/>
+                <a:latin typeface="BM JUA OTF" panose="02020603020101020101" pitchFamily="18" charset="-127"/>
+                <a:ea typeface="BM JUA OTF" panose="02020603020101020101" pitchFamily="18" charset="-127"/>
+                <a:cs typeface="Varela Round" pitchFamily="2" charset="-79"/>
+                <a:hlinkClick r:id="rId5"/>
+              </a:rPr>
+              <a:t>//github.com/sunukkim98/DataAnalysis</a:t>
+            </a:r>
+            <a:endParaRPr lang="en-US" i="0" u="none" strike="noStrike" dirty="0">
+              <a:solidFill>
+                <a:srgbClr val="000000"/>
+              </a:solidFill>
+              <a:effectLst/>
+              <a:latin typeface="BM JUA OTF" panose="02020603020101020101" pitchFamily="18" charset="-127"/>
+              <a:ea typeface="BM JUA OTF" panose="02020603020101020101" pitchFamily="18" charset="-127"/>
+              <a:cs typeface="Varela Round" pitchFamily="2" charset="-79"/>
+            </a:endParaRPr>
+          </a:p>
+        </p:txBody>
+      </p:sp>
+      <p:sp>
+        <p:nvSpPr>
+          <p:cNvPr id="12" name="TextBox 11">
+            <a:extLst>
+              <a:ext uri="{FF2B5EF4-FFF2-40B4-BE49-F238E27FC236}">
+                <a16:creationId xmlns:a16="http://schemas.microsoft.com/office/drawing/2014/main" id="{7905D8D8-408C-F2D9-9A90-07581B382F18}"/>
+              </a:ext>
+            </a:extLst>
+          </p:cNvPr>
+          <p:cNvSpPr txBox="1"/>
+          <p:nvPr/>
+        </p:nvSpPr>
+        <p:spPr>
+          <a:xfrm>
+            <a:off x="2739775" y="5944452"/>
+            <a:ext cx="3965826" cy="830997"/>
+          </a:xfrm>
+          <a:prstGeom prst="rect">
+            <a:avLst/>
+          </a:prstGeom>
+          <a:noFill/>
+        </p:spPr>
+        <p:txBody>
+          <a:bodyPr wrap="square" rtlCol="0">
+            <a:spAutoFit/>
+          </a:bodyPr>
+          <a:lstStyle/>
+          <a:p>
+            <a:pPr algn="ctr"/>
+            <a:r>
+              <a:rPr lang="en-US" sz="1600" dirty="0">
+                <a:latin typeface="BM JUA OTF" panose="02020603020101020101" pitchFamily="18" charset="-127"/>
+                <a:ea typeface="BM JUA OTF" panose="02020603020101020101" pitchFamily="18" charset="-127"/>
+                <a:cs typeface="Varela Round" pitchFamily="2" charset="-79"/>
+              </a:rPr>
+              <a:t>This presentation file was prepared by </a:t>
+            </a:r>
+            <a:r>
+              <a:rPr lang="en-US" sz="1600" b="1" dirty="0" err="1">
+                <a:solidFill>
+                  <a:srgbClr val="0070C0"/>
+                </a:solidFill>
+                <a:latin typeface="BM JUA OTF" panose="02020603020101020101" pitchFamily="18" charset="-127"/>
+                <a:ea typeface="BM JUA OTF" panose="02020603020101020101" pitchFamily="18" charset="-127"/>
+                <a:cs typeface="Varela Round" pitchFamily="2" charset="-79"/>
+              </a:rPr>
+              <a:t>Sunuk</a:t>
+            </a:r>
+            <a:r>
+              <a:rPr lang="en-US" sz="1600" b="1" dirty="0">
+                <a:solidFill>
+                  <a:srgbClr val="0070C0"/>
+                </a:solidFill>
+                <a:latin typeface="BM JUA OTF" panose="02020603020101020101" pitchFamily="18" charset="-127"/>
+                <a:ea typeface="BM JUA OTF" panose="02020603020101020101" pitchFamily="18" charset="-127"/>
+                <a:cs typeface="Varela Round" pitchFamily="2" charset="-79"/>
+              </a:rPr>
+              <a:t> Kim, </a:t>
+            </a:r>
+            <a:r>
+              <a:rPr lang="en-US" altLang="ko-KR" sz="1600" b="0" dirty="0">
+                <a:solidFill>
+                  <a:srgbClr val="0070C0"/>
+                </a:solidFill>
+                <a:latin typeface="BM JUA OTF" panose="02020603020101020101" pitchFamily="18" charset="-127"/>
+                <a:ea typeface="BM JUA OTF" panose="02020603020101020101" pitchFamily="18" charset="-127"/>
+              </a:rPr>
+              <a:t>Minseo Jeon</a:t>
+            </a:r>
+            <a:r>
+              <a:rPr lang="en-US" altLang="ko-KR" sz="1600" dirty="0">
+                <a:solidFill>
+                  <a:srgbClr val="0070C0"/>
+                </a:solidFill>
+                <a:latin typeface="BM JUA OTF" panose="02020603020101020101" pitchFamily="18" charset="-127"/>
+                <a:ea typeface="BM JUA OTF" panose="02020603020101020101" pitchFamily="18" charset="-127"/>
+              </a:rPr>
+              <a:t> </a:t>
+            </a:r>
+          </a:p>
+          <a:p>
+            <a:pPr algn="ctr"/>
+            <a:r>
+              <a:rPr lang="en-US" altLang="ko-KR" sz="1600" dirty="0">
+                <a:latin typeface="BM JUA OTF" panose="02020603020101020101" pitchFamily="18" charset="-127"/>
+                <a:ea typeface="BM JUA OTF" panose="02020603020101020101" pitchFamily="18" charset="-127"/>
+              </a:rPr>
+              <a:t>and </a:t>
+            </a:r>
+            <a:r>
+              <a:rPr lang="en-US" altLang="ko-KR" sz="1600" b="0" dirty="0" err="1">
+                <a:solidFill>
+                  <a:srgbClr val="0070C0"/>
+                </a:solidFill>
+                <a:latin typeface="BM JUA OTF" panose="02020603020101020101" pitchFamily="18" charset="-127"/>
+                <a:ea typeface="BM JUA OTF" panose="02020603020101020101" pitchFamily="18" charset="-127"/>
+              </a:rPr>
+              <a:t>Jaeheon</a:t>
+            </a:r>
+            <a:r>
+              <a:rPr lang="en-US" altLang="ko-KR" sz="1600" b="0" dirty="0">
+                <a:solidFill>
+                  <a:srgbClr val="0070C0"/>
+                </a:solidFill>
+                <a:latin typeface="BM JUA OTF" panose="02020603020101020101" pitchFamily="18" charset="-127"/>
+                <a:ea typeface="BM JUA OTF" panose="02020603020101020101" pitchFamily="18" charset="-127"/>
+              </a:rPr>
+              <a:t> Kim</a:t>
+            </a:r>
+            <a:endParaRPr lang="en-KR" altLang="ko-KR" sz="1600" b="0">
+              <a:solidFill>
+                <a:srgbClr val="0070C0"/>
+              </a:solidFill>
+              <a:latin typeface="BM JUA OTF" panose="02020603020101020101" pitchFamily="18" charset="-127"/>
+              <a:ea typeface="BM JUA OTF" panose="02020603020101020101" pitchFamily="18" charset="-127"/>
+            </a:endParaRPr>
+          </a:p>
+        </p:txBody>
+      </p:sp>
+    </p:spTree>
+    <p:extLst>
+      <p:ext uri="{BB962C8B-B14F-4D97-AF65-F5344CB8AC3E}">
+        <p14:creationId xmlns:p14="http://schemas.microsoft.com/office/powerpoint/2010/main" val="1824054403"/>
+      </p:ext>
+    </p:extLst>
+  </p:cSld>
+  <p:clrMapOvr>
+    <a:masterClrMapping/>
+  </p:clrMapOvr>
+  <mc:AlternateContent xmlns:mc="http://schemas.openxmlformats.org/markup-compatibility/2006" xmlns:p14="http://schemas.microsoft.com/office/powerpoint/2010/main">
+    <mc:Choice Requires="p14">
+      <p:transition spd="slow" p14:dur="2000" advTm="5768"/>
+    </mc:Choice>
+    <mc:Fallback xmlns="">
+      <p:transition spd="slow" advTm="5768"/>
+    </mc:Fallback>
+  </mc:AlternateContent>
+</p:sld>
+</file>
+
 <file path=ppt/slides/slide4.xml><?xml version="1.0" encoding="utf-8"?>
 <p:sld xmlns:a="http://schemas.openxmlformats.org/drawingml/2006/main" xmlns:r="http://schemas.openxmlformats.org/officeDocument/2006/relationships" xmlns:p="http://schemas.openxmlformats.org/presentationml/2006/main">
   <p:cSld>
@@ -14306,14 +16131,20 @@
           <a:lstStyle/>
           <a:p>
             <a:r>
-              <a:rPr kumimoji="1" lang="en-US" altLang="ko-Kore-KR" dirty="0"/>
+              <a:rPr kumimoji="1" lang="en-US" altLang="ko-Kore-KR" dirty="0">
+                <a:latin typeface="BM JUA OTF" panose="02020603020101020101" pitchFamily="18" charset="-127"/>
+                <a:ea typeface="BM JUA OTF" panose="02020603020101020101" pitchFamily="18" charset="-127"/>
+              </a:rPr>
               <a:t>Objective</a:t>
             </a:r>
           </a:p>
           <a:p>
             <a:pPr lvl="1"/>
             <a:r>
-              <a:rPr kumimoji="1" lang="en-US" altLang="ko-Kore-KR" dirty="0"/>
+              <a:rPr kumimoji="1" lang="en-US" altLang="ko-Kore-KR" dirty="0">
+                <a:latin typeface="BM JUA OTF" panose="02020603020101020101" pitchFamily="18" charset="-127"/>
+                <a:ea typeface="BM JUA OTF" panose="02020603020101020101" pitchFamily="18" charset="-127"/>
+              </a:rPr>
               <a:t>Predict whether reported accidents will result in an </a:t>
             </a:r>
             <a:r>
@@ -14321,11 +16152,16 @@
                 <a:solidFill>
                   <a:srgbClr val="C00000"/>
                 </a:solidFill>
+                <a:latin typeface="BM JUA OTF" panose="02020603020101020101" pitchFamily="18" charset="-127"/>
+                <a:ea typeface="BM JUA OTF" panose="02020603020101020101" pitchFamily="18" charset="-127"/>
               </a:rPr>
               <a:t>injury (MAX_SEV_IR = 1 or 2) </a:t>
             </a:r>
             <a:r>
-              <a:rPr kumimoji="1" lang="en-US" altLang="ko-Kore-KR" dirty="0"/>
+              <a:rPr kumimoji="1" lang="en-US" altLang="ko-Kore-KR" dirty="0">
+                <a:latin typeface="BM JUA OTF" panose="02020603020101020101" pitchFamily="18" charset="-127"/>
+                <a:ea typeface="BM JUA OTF" panose="02020603020101020101" pitchFamily="18" charset="-127"/>
+              </a:rPr>
               <a:t>or </a:t>
             </a:r>
             <a:r>
@@ -14333,6 +16169,8 @@
                 <a:solidFill>
                   <a:srgbClr val="C00000"/>
                 </a:solidFill>
+                <a:latin typeface="BM JUA OTF" panose="02020603020101020101" pitchFamily="18" charset="-127"/>
+                <a:ea typeface="BM JUA OTF" panose="02020603020101020101" pitchFamily="18" charset="-127"/>
               </a:rPr>
               <a:t>no injury(MAX_SEV_IR = 0)</a:t>
             </a:r>
@@ -14345,25 +16183,36 @@
               <a:solidFill>
                 <a:srgbClr val="C00000"/>
               </a:solidFill>
+              <a:latin typeface="BM JUA OTF" panose="02020603020101020101" pitchFamily="18" charset="-127"/>
+              <a:ea typeface="BM JUA OTF" panose="02020603020101020101" pitchFamily="18" charset="-127"/>
             </a:endParaRPr>
           </a:p>
           <a:p>
             <a:pPr marL="0" indent="0">
               <a:buNone/>
             </a:pPr>
-            <a:endParaRPr kumimoji="1" lang="en-US" altLang="ko-Kore-KR" dirty="0"/>
+            <a:endParaRPr kumimoji="1" lang="en-US" altLang="ko-Kore-KR" dirty="0">
+              <a:latin typeface="BM JUA OTF" panose="02020603020101020101" pitchFamily="18" charset="-127"/>
+              <a:ea typeface="BM JUA OTF" panose="02020603020101020101" pitchFamily="18" charset="-127"/>
+            </a:endParaRPr>
           </a:p>
           <a:p>
             <a:pPr marL="0" indent="0">
               <a:buNone/>
             </a:pPr>
-            <a:endParaRPr kumimoji="1" lang="en-US" altLang="ko-Kore-KR" dirty="0"/>
+            <a:endParaRPr kumimoji="1" lang="en-US" altLang="ko-Kore-KR" dirty="0">
+              <a:latin typeface="BM JUA OTF" panose="02020603020101020101" pitchFamily="18" charset="-127"/>
+              <a:ea typeface="BM JUA OTF" panose="02020603020101020101" pitchFamily="18" charset="-127"/>
+            </a:endParaRPr>
           </a:p>
           <a:p>
             <a:pPr marL="0" indent="0">
               <a:buNone/>
             </a:pPr>
-            <a:endParaRPr kumimoji="1" lang="en-US" altLang="ko-Kore-KR" dirty="0"/>
+            <a:endParaRPr kumimoji="1" lang="en-US" altLang="ko-Kore-KR" dirty="0">
+              <a:latin typeface="BM JUA OTF" panose="02020603020101020101" pitchFamily="18" charset="-127"/>
+              <a:ea typeface="BM JUA OTF" panose="02020603020101020101" pitchFamily="18" charset="-127"/>
+            </a:endParaRPr>
           </a:p>
         </p:txBody>
       </p:sp>
@@ -14389,11 +16238,17 @@
           <a:lstStyle/>
           <a:p>
             <a:fld id="{EB02D1FF-6DD7-AC44-8165-5996AD7643D9}" type="slidenum">
-              <a:rPr lang="en-KR" smtClean="0"/>
+              <a:rPr lang="en-KR" smtClean="0">
+                <a:latin typeface="BM JUA OTF" panose="02020603020101020101" pitchFamily="18" charset="-127"/>
+                <a:ea typeface="BM JUA OTF" panose="02020603020101020101" pitchFamily="18" charset="-127"/>
+              </a:rPr>
               <a:pPr/>
               <a:t>4</a:t>
             </a:fld>
-            <a:endParaRPr lang="en-KR" dirty="0"/>
+            <a:endParaRPr lang="en-KR" dirty="0">
+              <a:latin typeface="BM JUA OTF" panose="02020603020101020101" pitchFamily="18" charset="-127"/>
+              <a:ea typeface="BM JUA OTF" panose="02020603020101020101" pitchFamily="18" charset="-127"/>
+            </a:endParaRPr>
           </a:p>
         </p:txBody>
       </p:sp>
@@ -14469,10 +16324,16 @@
           <a:lstStyle/>
           <a:p>
             <a:r>
-              <a:rPr lang="en-US" dirty="0"/>
+              <a:rPr lang="en-US" dirty="0">
+                <a:latin typeface="BM JUA OTF" panose="02020603020101020101" pitchFamily="18" charset="-127"/>
+                <a:ea typeface="BM JUA OTF" panose="02020603020101020101" pitchFamily="18" charset="-127"/>
+              </a:rPr>
               <a:t>Oct 2024</a:t>
             </a:r>
-            <a:endParaRPr lang="en-KR" dirty="0"/>
+            <a:endParaRPr lang="en-KR" dirty="0">
+              <a:latin typeface="BM JUA OTF" panose="02020603020101020101" pitchFamily="18" charset="-127"/>
+              <a:ea typeface="BM JUA OTF" panose="02020603020101020101" pitchFamily="18" charset="-127"/>
+            </a:endParaRPr>
           </a:p>
         </p:txBody>
       </p:sp>
@@ -14678,7 +16539,8 @@
           <a:p>
             <a:r>
               <a:rPr lang="en-KR" b="0" dirty="0">
-                <a:latin typeface="Varela Round" pitchFamily="2" charset="-79"/>
+                <a:latin typeface="BM JUA OTF" panose="02020603020101020101" pitchFamily="18" charset="-127"/>
+                <a:ea typeface="BM JUA OTF" panose="02020603020101020101" pitchFamily="18" charset="-127"/>
               </a:rPr>
               <a:t>Introduction</a:t>
             </a:r>
@@ -14689,7 +16551,8 @@
               <a:solidFill>
                 <a:srgbClr val="0070C0"/>
               </a:solidFill>
-              <a:latin typeface="Varela Round" pitchFamily="2" charset="-79"/>
+              <a:latin typeface="BM JUA OTF" panose="02020603020101020101" pitchFamily="18" charset="-127"/>
+              <a:ea typeface="BM JUA OTF" panose="02020603020101020101" pitchFamily="18" charset="-127"/>
             </a:endParaRPr>
           </a:p>
           <a:p>
@@ -14698,7 +16561,8 @@
                 <a:solidFill>
                   <a:srgbClr val="0070C0"/>
                 </a:solidFill>
-                <a:latin typeface="Varela Round" pitchFamily="2" charset="-79"/>
+                <a:latin typeface="BM JUA OTF" panose="02020603020101020101" pitchFamily="18" charset="-127"/>
+                <a:ea typeface="BM JUA OTF" panose="02020603020101020101" pitchFamily="18" charset="-127"/>
               </a:rPr>
               <a:t>Prepare Data</a:t>
             </a:r>
@@ -14706,65 +16570,96 @@
               <a:solidFill>
                 <a:srgbClr val="0070C0"/>
               </a:solidFill>
-              <a:latin typeface="Varela Round" pitchFamily="2" charset="-79"/>
+              <a:latin typeface="BM JUA OTF" panose="02020603020101020101" pitchFamily="18" charset="-127"/>
+              <a:ea typeface="BM JUA OTF" panose="02020603020101020101" pitchFamily="18" charset="-127"/>
             </a:endParaRPr>
           </a:p>
           <a:p>
             <a:pPr lvl="2"/>
             <a:endParaRPr lang="en-KR" sz="1600" b="0" dirty="0">
-              <a:latin typeface="Varela Round" pitchFamily="2" charset="-79"/>
+              <a:latin typeface="BM JUA OTF" panose="02020603020101020101" pitchFamily="18" charset="-127"/>
+              <a:ea typeface="BM JUA OTF" panose="02020603020101020101" pitchFamily="18" charset="-127"/>
             </a:endParaRPr>
           </a:p>
           <a:p>
             <a:r>
               <a:rPr lang="en-US" b="0" dirty="0">
-                <a:latin typeface="Varela Round" pitchFamily="2" charset="-79"/>
+                <a:latin typeface="BM JUA OTF" panose="02020603020101020101" pitchFamily="18" charset="-127"/>
+                <a:ea typeface="BM JUA OTF" panose="02020603020101020101" pitchFamily="18" charset="-127"/>
               </a:rPr>
               <a:t>A. Default Prediction</a:t>
             </a:r>
             <a:endParaRPr lang="en-KR" b="0" dirty="0">
-              <a:latin typeface="Varela Round" pitchFamily="2" charset="-79"/>
+              <a:latin typeface="BM JUA OTF" panose="02020603020101020101" pitchFamily="18" charset="-127"/>
+              <a:ea typeface="BM JUA OTF" panose="02020603020101020101" pitchFamily="18" charset="-127"/>
             </a:endParaRPr>
           </a:p>
           <a:p>
             <a:pPr lvl="2"/>
             <a:endParaRPr lang="en-KR" sz="1600" b="0" dirty="0">
-              <a:latin typeface="Varela Round" pitchFamily="2" charset="-79"/>
+              <a:latin typeface="BM JUA OTF" panose="02020603020101020101" pitchFamily="18" charset="-127"/>
+              <a:ea typeface="BM JUA OTF" panose="02020603020101020101" pitchFamily="18" charset="-127"/>
             </a:endParaRPr>
           </a:p>
           <a:p>
             <a:r>
               <a:rPr lang="en-US" b="0" dirty="0">
-                <a:latin typeface="Varela Round" pitchFamily="2" charset="-79"/>
+                <a:latin typeface="BM JUA OTF" panose="02020603020101020101" pitchFamily="18" charset="-127"/>
+                <a:ea typeface="BM JUA OTF" panose="02020603020101020101" pitchFamily="18" charset="-127"/>
               </a:rPr>
               <a:t>B. Weather, Traffic, Injury</a:t>
             </a:r>
             <a:endParaRPr lang="en-KR" b="0" dirty="0">
-              <a:latin typeface="Varela Round" pitchFamily="2" charset="-79"/>
+              <a:latin typeface="BM JUA OTF" panose="02020603020101020101" pitchFamily="18" charset="-127"/>
+              <a:ea typeface="BM JUA OTF" panose="02020603020101020101" pitchFamily="18" charset="-127"/>
             </a:endParaRPr>
           </a:p>
           <a:p>
             <a:pPr marL="260350" lvl="1" indent="0">
               <a:buNone/>
             </a:pPr>
-            <a:endParaRPr lang="en-US" sz="1600" b="0" dirty="0"/>
+            <a:endParaRPr lang="en-US" sz="1600" b="0" dirty="0">
+              <a:latin typeface="BM JUA OTF" panose="02020603020101020101" pitchFamily="18" charset="-127"/>
+              <a:ea typeface="BM JUA OTF" panose="02020603020101020101" pitchFamily="18" charset="-127"/>
+            </a:endParaRPr>
           </a:p>
           <a:p>
             <a:r>
               <a:rPr lang="en-US" b="0" dirty="0">
-                <a:latin typeface="Varela Round" pitchFamily="2" charset="-79"/>
+                <a:latin typeface="BM JUA OTF" panose="02020603020101020101" pitchFamily="18" charset="-127"/>
+                <a:ea typeface="BM JUA OTF" panose="02020603020101020101" pitchFamily="18" charset="-127"/>
               </a:rPr>
               <a:t>C. Return to entire dataset</a:t>
             </a:r>
           </a:p>
           <a:p>
+            <a:pPr marL="260350" lvl="1" indent="0">
+              <a:buNone/>
+            </a:pPr>
+            <a:endParaRPr lang="en-US" altLang="ko-KR" sz="1600" b="0" dirty="0">
+              <a:latin typeface="BM JUA OTF" panose="02020603020101020101" pitchFamily="18" charset="-127"/>
+              <a:ea typeface="BM JUA OTF" panose="02020603020101020101" pitchFamily="18" charset="-127"/>
+            </a:endParaRPr>
+          </a:p>
+          <a:p>
+            <a:r>
+              <a:rPr lang="en-US" altLang="ko-KR" b="0" dirty="0">
+                <a:latin typeface="BM JUA OTF" panose="02020603020101020101" pitchFamily="18" charset="-127"/>
+                <a:ea typeface="BM JUA OTF" panose="02020603020101020101" pitchFamily="18" charset="-127"/>
+              </a:rPr>
+              <a:t>Appendix</a:t>
+            </a:r>
+          </a:p>
+          <a:p>
             <a:endParaRPr lang="en-US" b="0" dirty="0">
-              <a:latin typeface="Varela Round" pitchFamily="2" charset="-79"/>
+              <a:latin typeface="BM JUA OTF" panose="02020603020101020101" pitchFamily="18" charset="-127"/>
+              <a:ea typeface="BM JUA OTF" panose="02020603020101020101" pitchFamily="18" charset="-127"/>
             </a:endParaRPr>
           </a:p>
           <a:p>
             <a:endParaRPr lang="en-KR" b="0" dirty="0">
-              <a:latin typeface="Varela Round" pitchFamily="2" charset="-79"/>
+              <a:latin typeface="BM JUA OTF" panose="02020603020101020101" pitchFamily="18" charset="-127"/>
+              <a:ea typeface="BM JUA OTF" panose="02020603020101020101" pitchFamily="18" charset="-127"/>
             </a:endParaRPr>
           </a:p>
         </p:txBody>
@@ -14796,7 +16691,10 @@
           <a:lstStyle/>
           <a:p>
             <a:fld id="{EB02D1FF-6DD7-AC44-8165-5996AD7643D9}" type="slidenum">
-              <a:rPr lang="en-KR" smtClean="0"/>
+              <a:rPr lang="en-KR" smtClean="0">
+                <a:latin typeface="BM JUA OTF" panose="02020603020101020101" pitchFamily="18" charset="-127"/>
+                <a:ea typeface="BM JUA OTF" panose="02020603020101020101" pitchFamily="18" charset="-127"/>
+              </a:rPr>
               <a:pPr/>
               <a:t>5</a:t>
             </a:fld>
@@ -14804,6 +16702,8 @@
               <a:solidFill>
                 <a:schemeClr val="tx1"/>
               </a:solidFill>
+              <a:latin typeface="BM JUA OTF" panose="02020603020101020101" pitchFamily="18" charset="-127"/>
+              <a:ea typeface="BM JUA OTF" panose="02020603020101020101" pitchFamily="18" charset="-127"/>
             </a:endParaRPr>
           </a:p>
         </p:txBody>
@@ -14910,7 +16810,10 @@
           <a:lstStyle/>
           <a:p>
             <a:r>
-              <a:rPr kumimoji="1" lang="en-US" altLang="ko-Kore-KR" dirty="0"/>
+              <a:rPr kumimoji="1" lang="en-US" altLang="ko-Kore-KR" dirty="0">
+                <a:latin typeface="BM JUA OTF" panose="02020603020101020101" pitchFamily="18" charset="-127"/>
+                <a:ea typeface="BM JUA OTF" panose="02020603020101020101" pitchFamily="18" charset="-127"/>
+              </a:rPr>
               <a:t>Variable Name: </a:t>
             </a:r>
             <a:r>
@@ -14918,24 +16821,34 @@
                 <a:solidFill>
                   <a:srgbClr val="C00000"/>
                 </a:solidFill>
+                <a:latin typeface="BM JUA OTF" panose="02020603020101020101" pitchFamily="18" charset="-127"/>
+                <a:ea typeface="BM JUA OTF" panose="02020603020101020101" pitchFamily="18" charset="-127"/>
               </a:rPr>
               <a:t>INJURY</a:t>
             </a:r>
           </a:p>
           <a:p>
             <a:r>
-              <a:rPr kumimoji="1" lang="en-US" altLang="ko-Kore-KR" dirty="0"/>
+              <a:rPr kumimoji="1" lang="en-US" altLang="ko-Kore-KR" dirty="0">
+                <a:latin typeface="BM JUA OTF" panose="02020603020101020101" pitchFamily="18" charset="-127"/>
+                <a:ea typeface="BM JUA OTF" panose="02020603020101020101" pitchFamily="18" charset="-127"/>
+              </a:rPr>
               <a:t>Definition:</a:t>
             </a:r>
           </a:p>
           <a:p>
             <a:pPr lvl="1"/>
             <a:r>
-              <a:rPr kumimoji="1" lang="en-US" altLang="ko-Kore-KR" dirty="0"/>
+              <a:rPr kumimoji="1" lang="en-US" altLang="ko-Kore-KR" dirty="0">
+                <a:latin typeface="BM JUA OTF" panose="02020603020101020101" pitchFamily="18" charset="-127"/>
+                <a:ea typeface="BM JUA OTF" panose="02020603020101020101" pitchFamily="18" charset="-127"/>
+              </a:rPr>
               <a:t>If MAX_SEV_IR = 1 or 2 </a:t>
             </a:r>
             <a:r>
               <a:rPr kumimoji="1" lang="en-US" altLang="ko-Kore-KR" dirty="0">
+                <a:latin typeface="BM JUA OTF" panose="02020603020101020101" pitchFamily="18" charset="-127"/>
+                <a:ea typeface="BM JUA OTF" panose="02020603020101020101" pitchFamily="18" charset="-127"/>
                 <a:sym typeface="Wingdings" pitchFamily="2" charset="2"/>
               </a:rPr>
               <a:t> INJURY = “Yes”</a:t>
@@ -14944,17 +16857,24 @@
               <a:solidFill>
                 <a:srgbClr val="C00000"/>
               </a:solidFill>
+              <a:latin typeface="BM JUA OTF" panose="02020603020101020101" pitchFamily="18" charset="-127"/>
+              <a:ea typeface="BM JUA OTF" panose="02020603020101020101" pitchFamily="18" charset="-127"/>
               <a:sym typeface="Wingdings" pitchFamily="2" charset="2"/>
             </a:endParaRPr>
           </a:p>
           <a:p>
             <a:pPr lvl="1"/>
             <a:r>
-              <a:rPr kumimoji="1" lang="en-US" altLang="ko-Kore-KR" dirty="0"/>
+              <a:rPr kumimoji="1" lang="en-US" altLang="ko-Kore-KR" dirty="0">
+                <a:latin typeface="BM JUA OTF" panose="02020603020101020101" pitchFamily="18" charset="-127"/>
+                <a:ea typeface="BM JUA OTF" panose="02020603020101020101" pitchFamily="18" charset="-127"/>
+              </a:rPr>
               <a:t>If MAX_SEV_IR = 0 </a:t>
             </a:r>
             <a:r>
               <a:rPr kumimoji="1" lang="en-US" altLang="ko-Kore-KR" dirty="0">
+                <a:latin typeface="BM JUA OTF" panose="02020603020101020101" pitchFamily="18" charset="-127"/>
+                <a:ea typeface="BM JUA OTF" panose="02020603020101020101" pitchFamily="18" charset="-127"/>
                 <a:sym typeface="Wingdings" pitchFamily="2" charset="2"/>
               </a:rPr>
               <a:t> INJURY = “No”</a:t>
@@ -14963,6 +16883,8 @@
               <a:solidFill>
                 <a:srgbClr val="C00000"/>
               </a:solidFill>
+              <a:latin typeface="BM JUA OTF" panose="02020603020101020101" pitchFamily="18" charset="-127"/>
+              <a:ea typeface="BM JUA OTF" panose="02020603020101020101" pitchFamily="18" charset="-127"/>
             </a:endParaRPr>
           </a:p>
           <a:p>
@@ -14971,25 +16893,36 @@
               <a:solidFill>
                 <a:srgbClr val="C00000"/>
               </a:solidFill>
+              <a:latin typeface="BM JUA OTF" panose="02020603020101020101" pitchFamily="18" charset="-127"/>
+              <a:ea typeface="BM JUA OTF" panose="02020603020101020101" pitchFamily="18" charset="-127"/>
             </a:endParaRPr>
           </a:p>
           <a:p>
             <a:pPr marL="0" indent="0">
               <a:buNone/>
             </a:pPr>
-            <a:endParaRPr kumimoji="1" lang="en-US" altLang="ko-Kore-KR" dirty="0"/>
+            <a:endParaRPr kumimoji="1" lang="en-US" altLang="ko-Kore-KR" dirty="0">
+              <a:latin typeface="BM JUA OTF" panose="02020603020101020101" pitchFamily="18" charset="-127"/>
+              <a:ea typeface="BM JUA OTF" panose="02020603020101020101" pitchFamily="18" charset="-127"/>
+            </a:endParaRPr>
           </a:p>
           <a:p>
             <a:pPr marL="0" indent="0">
               <a:buNone/>
             </a:pPr>
-            <a:endParaRPr kumimoji="1" lang="en-US" altLang="ko-Kore-KR" dirty="0"/>
+            <a:endParaRPr kumimoji="1" lang="en-US" altLang="ko-Kore-KR" dirty="0">
+              <a:latin typeface="BM JUA OTF" panose="02020603020101020101" pitchFamily="18" charset="-127"/>
+              <a:ea typeface="BM JUA OTF" panose="02020603020101020101" pitchFamily="18" charset="-127"/>
+            </a:endParaRPr>
           </a:p>
           <a:p>
             <a:pPr marL="0" indent="0">
               <a:buNone/>
             </a:pPr>
-            <a:endParaRPr kumimoji="1" lang="en-US" altLang="ko-Kore-KR" dirty="0"/>
+            <a:endParaRPr kumimoji="1" lang="en-US" altLang="ko-Kore-KR" dirty="0">
+              <a:latin typeface="BM JUA OTF" panose="02020603020101020101" pitchFamily="18" charset="-127"/>
+              <a:ea typeface="BM JUA OTF" panose="02020603020101020101" pitchFamily="18" charset="-127"/>
+            </a:endParaRPr>
           </a:p>
         </p:txBody>
       </p:sp>
@@ -15015,11 +16948,17 @@
           <a:lstStyle/>
           <a:p>
             <a:fld id="{EB02D1FF-6DD7-AC44-8165-5996AD7643D9}" type="slidenum">
-              <a:rPr lang="en-KR" smtClean="0"/>
+              <a:rPr lang="en-KR" smtClean="0">
+                <a:latin typeface="BM JUA OTF" panose="02020603020101020101" pitchFamily="18" charset="-127"/>
+                <a:ea typeface="BM JUA OTF" panose="02020603020101020101" pitchFamily="18" charset="-127"/>
+              </a:rPr>
               <a:pPr/>
               <a:t>6</a:t>
             </a:fld>
-            <a:endParaRPr lang="en-KR" dirty="0"/>
+            <a:endParaRPr lang="en-KR" dirty="0">
+              <a:latin typeface="BM JUA OTF" panose="02020603020101020101" pitchFamily="18" charset="-127"/>
+              <a:ea typeface="BM JUA OTF" panose="02020603020101020101" pitchFamily="18" charset="-127"/>
+            </a:endParaRPr>
           </a:p>
         </p:txBody>
       </p:sp>
@@ -15095,10 +17034,16 @@
           <a:lstStyle/>
           <a:p>
             <a:r>
-              <a:rPr lang="en-US" dirty="0"/>
+              <a:rPr lang="en-US" dirty="0">
+                <a:latin typeface="BM JUA OTF" panose="02020603020101020101" pitchFamily="18" charset="-127"/>
+                <a:ea typeface="BM JUA OTF" panose="02020603020101020101" pitchFamily="18" charset="-127"/>
+              </a:rPr>
               <a:t>Oct 2024</a:t>
             </a:r>
-            <a:endParaRPr lang="en-KR" dirty="0"/>
+            <a:endParaRPr lang="en-KR" dirty="0">
+              <a:latin typeface="BM JUA OTF" panose="02020603020101020101" pitchFamily="18" charset="-127"/>
+              <a:ea typeface="BM JUA OTF" panose="02020603020101020101" pitchFamily="18" charset="-127"/>
+            </a:endParaRPr>
           </a:p>
         </p:txBody>
       </p:sp>
@@ -15236,7 +17181,8 @@
           <a:p>
             <a:r>
               <a:rPr lang="en-KR" b="0" dirty="0">
-                <a:latin typeface="Varela Round" pitchFamily="2" charset="-79"/>
+                <a:latin typeface="BM JUA OTF" panose="02020603020101020101" pitchFamily="18" charset="-127"/>
+                <a:ea typeface="BM JUA OTF" panose="02020603020101020101" pitchFamily="18" charset="-127"/>
               </a:rPr>
               <a:t>Introduction</a:t>
             </a:r>
@@ -15247,24 +17193,28 @@
               <a:solidFill>
                 <a:srgbClr val="0070C0"/>
               </a:solidFill>
-              <a:latin typeface="Varela Round" pitchFamily="2" charset="-79"/>
+              <a:latin typeface="BM JUA OTF" panose="02020603020101020101" pitchFamily="18" charset="-127"/>
+              <a:ea typeface="BM JUA OTF" panose="02020603020101020101" pitchFamily="18" charset="-127"/>
             </a:endParaRPr>
           </a:p>
           <a:p>
             <a:r>
               <a:rPr lang="en-US" b="0" dirty="0">
-                <a:latin typeface="Varela Round" pitchFamily="2" charset="-79"/>
+                <a:latin typeface="BM JUA OTF" panose="02020603020101020101" pitchFamily="18" charset="-127"/>
+                <a:ea typeface="BM JUA OTF" panose="02020603020101020101" pitchFamily="18" charset="-127"/>
               </a:rPr>
               <a:t>Prepare Data</a:t>
             </a:r>
             <a:endParaRPr lang="en-KR" b="0" dirty="0">
-              <a:latin typeface="Varela Round" pitchFamily="2" charset="-79"/>
+              <a:latin typeface="BM JUA OTF" panose="02020603020101020101" pitchFamily="18" charset="-127"/>
+              <a:ea typeface="BM JUA OTF" panose="02020603020101020101" pitchFamily="18" charset="-127"/>
             </a:endParaRPr>
           </a:p>
           <a:p>
             <a:pPr lvl="2"/>
             <a:endParaRPr lang="en-KR" sz="1600" b="0" dirty="0">
-              <a:latin typeface="Varela Round" pitchFamily="2" charset="-79"/>
+              <a:latin typeface="BM JUA OTF" panose="02020603020101020101" pitchFamily="18" charset="-127"/>
+              <a:ea typeface="BM JUA OTF" panose="02020603020101020101" pitchFamily="18" charset="-127"/>
             </a:endParaRPr>
           </a:p>
           <a:p>
@@ -15273,7 +17223,8 @@
                 <a:solidFill>
                   <a:srgbClr val="0070C0"/>
                 </a:solidFill>
-                <a:latin typeface="Varela Round" pitchFamily="2" charset="-79"/>
+                <a:latin typeface="BM JUA OTF" panose="02020603020101020101" pitchFamily="18" charset="-127"/>
+                <a:ea typeface="BM JUA OTF" panose="02020603020101020101" pitchFamily="18" charset="-127"/>
               </a:rPr>
               <a:t>A. Default Prediction</a:t>
             </a:r>
@@ -15281,48 +17232,76 @@
               <a:solidFill>
                 <a:srgbClr val="0070C0"/>
               </a:solidFill>
-              <a:latin typeface="Varela Round" pitchFamily="2" charset="-79"/>
+              <a:latin typeface="BM JUA OTF" panose="02020603020101020101" pitchFamily="18" charset="-127"/>
+              <a:ea typeface="BM JUA OTF" panose="02020603020101020101" pitchFamily="18" charset="-127"/>
             </a:endParaRPr>
           </a:p>
           <a:p>
             <a:pPr lvl="2"/>
             <a:endParaRPr lang="en-KR" sz="1600" b="0" dirty="0">
-              <a:latin typeface="Varela Round" pitchFamily="2" charset="-79"/>
+              <a:latin typeface="BM JUA OTF" panose="02020603020101020101" pitchFamily="18" charset="-127"/>
+              <a:ea typeface="BM JUA OTF" panose="02020603020101020101" pitchFamily="18" charset="-127"/>
             </a:endParaRPr>
           </a:p>
           <a:p>
             <a:r>
               <a:rPr lang="en-US" b="0" dirty="0">
-                <a:latin typeface="Varela Round" pitchFamily="2" charset="-79"/>
+                <a:latin typeface="BM JUA OTF" panose="02020603020101020101" pitchFamily="18" charset="-127"/>
+                <a:ea typeface="BM JUA OTF" panose="02020603020101020101" pitchFamily="18" charset="-127"/>
               </a:rPr>
               <a:t>B. Weather, Traffic, Injury</a:t>
             </a:r>
             <a:endParaRPr lang="en-KR" b="0" dirty="0">
-              <a:latin typeface="Varela Round" pitchFamily="2" charset="-79"/>
+              <a:latin typeface="BM JUA OTF" panose="02020603020101020101" pitchFamily="18" charset="-127"/>
+              <a:ea typeface="BM JUA OTF" panose="02020603020101020101" pitchFamily="18" charset="-127"/>
             </a:endParaRPr>
           </a:p>
           <a:p>
             <a:pPr marL="260350" lvl="1" indent="0">
               <a:buNone/>
             </a:pPr>
-            <a:endParaRPr lang="en-US" sz="1600" b="0" dirty="0"/>
+            <a:endParaRPr lang="en-US" sz="1600" b="0" dirty="0">
+              <a:latin typeface="BM JUA OTF" panose="02020603020101020101" pitchFamily="18" charset="-127"/>
+              <a:ea typeface="BM JUA OTF" panose="02020603020101020101" pitchFamily="18" charset="-127"/>
+            </a:endParaRPr>
           </a:p>
           <a:p>
             <a:r>
               <a:rPr lang="en-US" b="0" dirty="0">
-                <a:latin typeface="Varela Round" pitchFamily="2" charset="-79"/>
+                <a:latin typeface="BM JUA OTF" panose="02020603020101020101" pitchFamily="18" charset="-127"/>
+                <a:ea typeface="BM JUA OTF" panose="02020603020101020101" pitchFamily="18" charset="-127"/>
               </a:rPr>
               <a:t>C. Return to entire dataset</a:t>
             </a:r>
           </a:p>
           <a:p>
+            <a:pPr marL="260350" lvl="1" indent="0">
+              <a:buNone/>
+            </a:pPr>
+            <a:endParaRPr lang="en-US" altLang="ko-KR" sz="1600" b="0" dirty="0">
+              <a:latin typeface="BM JUA OTF" panose="02020603020101020101" pitchFamily="18" charset="-127"/>
+              <a:ea typeface="BM JUA OTF" panose="02020603020101020101" pitchFamily="18" charset="-127"/>
+            </a:endParaRPr>
+          </a:p>
+          <a:p>
+            <a:r>
+              <a:rPr lang="en-US" altLang="ko-KR" b="0" dirty="0">
+                <a:latin typeface="BM JUA OTF" panose="02020603020101020101" pitchFamily="18" charset="-127"/>
+                <a:ea typeface="BM JUA OTF" panose="02020603020101020101" pitchFamily="18" charset="-127"/>
+              </a:rPr>
+              <a:t>Appendix</a:t>
+            </a:r>
+          </a:p>
+          <a:p>
             <a:endParaRPr lang="en-US" b="0" dirty="0">
-              <a:latin typeface="Varela Round" pitchFamily="2" charset="-79"/>
+              <a:latin typeface="BM JUA OTF" panose="02020603020101020101" pitchFamily="18" charset="-127"/>
+              <a:ea typeface="BM JUA OTF" panose="02020603020101020101" pitchFamily="18" charset="-127"/>
             </a:endParaRPr>
           </a:p>
           <a:p>
             <a:endParaRPr lang="en-KR" b="0" dirty="0">
-              <a:latin typeface="Varela Round" pitchFamily="2" charset="-79"/>
+              <a:latin typeface="BM JUA OTF" panose="02020603020101020101" pitchFamily="18" charset="-127"/>
+              <a:ea typeface="BM JUA OTF" panose="02020603020101020101" pitchFamily="18" charset="-127"/>
             </a:endParaRPr>
           </a:p>
         </p:txBody>
@@ -15354,7 +17333,10 @@
           <a:lstStyle/>
           <a:p>
             <a:fld id="{EB02D1FF-6DD7-AC44-8165-5996AD7643D9}" type="slidenum">
-              <a:rPr lang="en-KR" smtClean="0"/>
+              <a:rPr lang="en-KR" smtClean="0">
+                <a:latin typeface="BM JUA OTF" panose="02020603020101020101" pitchFamily="18" charset="-127"/>
+                <a:ea typeface="BM JUA OTF" panose="02020603020101020101" pitchFamily="18" charset="-127"/>
+              </a:rPr>
               <a:pPr/>
               <a:t>7</a:t>
             </a:fld>
@@ -15362,6 +17344,8 @@
               <a:solidFill>
                 <a:schemeClr val="tx1"/>
               </a:solidFill>
+              <a:latin typeface="BM JUA OTF" panose="02020603020101020101" pitchFamily="18" charset="-127"/>
+              <a:ea typeface="BM JUA OTF" panose="02020603020101020101" pitchFamily="18" charset="-127"/>
             </a:endParaRPr>
           </a:p>
         </p:txBody>
@@ -15468,7 +17452,10 @@
           <a:lstStyle/>
           <a:p>
             <a:r>
-              <a:rPr kumimoji="1" lang="en-US" altLang="ko-Kore-KR" dirty="0"/>
+              <a:rPr kumimoji="1" lang="en-US" altLang="ko-Kore-KR" dirty="0">
+                <a:latin typeface="BM JUA OTF" panose="02020603020101020101" pitchFamily="18" charset="-127"/>
+                <a:ea typeface="BM JUA OTF" panose="02020603020101020101" pitchFamily="18" charset="-127"/>
+              </a:rPr>
               <a:t>Predicting INJURY </a:t>
             </a:r>
             <a:r>
@@ -15476,6 +17463,8 @@
                 <a:solidFill>
                   <a:srgbClr val="0070C0"/>
                 </a:solidFill>
+                <a:latin typeface="BM JUA OTF" panose="02020603020101020101" pitchFamily="18" charset="-127"/>
+                <a:ea typeface="BM JUA OTF" panose="02020603020101020101" pitchFamily="18" charset="-127"/>
               </a:rPr>
               <a:t>without Additional Information</a:t>
             </a:r>
@@ -15483,7 +17472,10 @@
           <a:p>
             <a:pPr lvl="1"/>
             <a:r>
-              <a:rPr kumimoji="1" lang="en-US" altLang="ko-Kore-KR" dirty="0"/>
+              <a:rPr kumimoji="1" lang="en-US" altLang="ko-Kore-KR" dirty="0">
+                <a:latin typeface="BM JUA OTF" panose="02020603020101020101" pitchFamily="18" charset="-127"/>
+                <a:ea typeface="BM JUA OTF" panose="02020603020101020101" pitchFamily="18" charset="-127"/>
+              </a:rPr>
               <a:t>Prediction:</a:t>
             </a:r>
           </a:p>
@@ -15491,7 +17483,10 @@
             <a:pPr marL="0" indent="0">
               <a:buNone/>
             </a:pPr>
-            <a:endParaRPr kumimoji="1" lang="en-US" altLang="ko-Kore-KR" dirty="0"/>
+            <a:endParaRPr kumimoji="1" lang="en-US" altLang="ko-Kore-KR" dirty="0">
+              <a:latin typeface="BM JUA OTF" panose="02020603020101020101" pitchFamily="18" charset="-127"/>
+              <a:ea typeface="BM JUA OTF" panose="02020603020101020101" pitchFamily="18" charset="-127"/>
+            </a:endParaRPr>
           </a:p>
         </p:txBody>
       </p:sp>
@@ -15517,11 +17512,17 @@
           <a:lstStyle/>
           <a:p>
             <a:fld id="{EB02D1FF-6DD7-AC44-8165-5996AD7643D9}" type="slidenum">
-              <a:rPr lang="en-KR" smtClean="0"/>
+              <a:rPr lang="en-KR" smtClean="0">
+                <a:latin typeface="BM JUA OTF" panose="02020603020101020101" pitchFamily="18" charset="-127"/>
+                <a:ea typeface="BM JUA OTF" panose="02020603020101020101" pitchFamily="18" charset="-127"/>
+              </a:rPr>
               <a:pPr/>
               <a:t>8</a:t>
             </a:fld>
-            <a:endParaRPr lang="en-KR" dirty="0"/>
+            <a:endParaRPr lang="en-KR" dirty="0">
+              <a:latin typeface="BM JUA OTF" panose="02020603020101020101" pitchFamily="18" charset="-127"/>
+              <a:ea typeface="BM JUA OTF" panose="02020603020101020101" pitchFamily="18" charset="-127"/>
+            </a:endParaRPr>
           </a:p>
         </p:txBody>
       </p:sp>
@@ -15597,10 +17598,16 @@
           <a:lstStyle/>
           <a:p>
             <a:r>
-              <a:rPr lang="en-US" dirty="0"/>
+              <a:rPr lang="en-US" dirty="0">
+                <a:latin typeface="BM JUA OTF" panose="02020603020101020101" pitchFamily="18" charset="-127"/>
+                <a:ea typeface="BM JUA OTF" panose="02020603020101020101" pitchFamily="18" charset="-127"/>
+              </a:rPr>
               <a:t>Oct 2024</a:t>
             </a:r>
-            <a:endParaRPr lang="en-KR" dirty="0"/>
+            <a:endParaRPr lang="en-KR" dirty="0">
+              <a:latin typeface="BM JUA OTF" panose="02020603020101020101" pitchFamily="18" charset="-127"/>
+              <a:ea typeface="BM JUA OTF" panose="02020603020101020101" pitchFamily="18" charset="-127"/>
+            </a:endParaRPr>
           </a:p>
         </p:txBody>
       </p:sp>
@@ -15626,7 +17633,7 @@
         </p:blipFill>
         <p:spPr>
           <a:xfrm>
-            <a:off x="1442747" y="2523590"/>
+            <a:off x="1525297" y="2314167"/>
             <a:ext cx="6284925" cy="3634254"/>
           </a:xfrm>
           <a:prstGeom prst="rect">
@@ -15701,7 +17708,8 @@
           <a:p>
             <a:r>
               <a:rPr lang="en-KR" dirty="0">
-                <a:latin typeface="Varela Round" pitchFamily="2" charset="-79"/>
+                <a:latin typeface="BM JUA OTF" panose="02020603020101020101" pitchFamily="18" charset="-127"/>
+                <a:ea typeface="BM JUA OTF" panose="02020603020101020101" pitchFamily="18" charset="-127"/>
               </a:rPr>
               <a:t>Outline</a:t>
             </a:r>
@@ -15738,7 +17746,8 @@
           <a:p>
             <a:r>
               <a:rPr lang="en-KR" b="0" dirty="0">
-                <a:latin typeface="Varela Round" pitchFamily="2" charset="-79"/>
+                <a:latin typeface="BM JUA OTF" panose="02020603020101020101" pitchFamily="18" charset="-127"/>
+                <a:ea typeface="BM JUA OTF" panose="02020603020101020101" pitchFamily="18" charset="-127"/>
               </a:rPr>
               <a:t>Introduction</a:t>
             </a:r>
@@ -15749,41 +17758,48 @@
               <a:solidFill>
                 <a:srgbClr val="0070C0"/>
               </a:solidFill>
-              <a:latin typeface="Varela Round" pitchFamily="2" charset="-79"/>
+              <a:latin typeface="BM JUA OTF" panose="02020603020101020101" pitchFamily="18" charset="-127"/>
+              <a:ea typeface="BM JUA OTF" panose="02020603020101020101" pitchFamily="18" charset="-127"/>
             </a:endParaRPr>
           </a:p>
           <a:p>
             <a:r>
               <a:rPr lang="en-US" b="0" dirty="0">
-                <a:latin typeface="Varela Round" pitchFamily="2" charset="-79"/>
+                <a:latin typeface="BM JUA OTF" panose="02020603020101020101" pitchFamily="18" charset="-127"/>
+                <a:ea typeface="BM JUA OTF" panose="02020603020101020101" pitchFamily="18" charset="-127"/>
               </a:rPr>
               <a:t>Prepare Data</a:t>
             </a:r>
             <a:endParaRPr lang="en-KR" b="0" dirty="0">
-              <a:latin typeface="Varela Round" pitchFamily="2" charset="-79"/>
+              <a:latin typeface="BM JUA OTF" panose="02020603020101020101" pitchFamily="18" charset="-127"/>
+              <a:ea typeface="BM JUA OTF" panose="02020603020101020101" pitchFamily="18" charset="-127"/>
             </a:endParaRPr>
           </a:p>
           <a:p>
             <a:pPr lvl="2"/>
             <a:endParaRPr lang="en-KR" sz="1600" b="0" dirty="0">
-              <a:latin typeface="Varela Round" pitchFamily="2" charset="-79"/>
+              <a:latin typeface="BM JUA OTF" panose="02020603020101020101" pitchFamily="18" charset="-127"/>
+              <a:ea typeface="BM JUA OTF" panose="02020603020101020101" pitchFamily="18" charset="-127"/>
             </a:endParaRPr>
           </a:p>
           <a:p>
             <a:r>
               <a:rPr lang="en-US" b="0" dirty="0">
-                <a:latin typeface="Varela Round" pitchFamily="2" charset="-79"/>
+                <a:latin typeface="BM JUA OTF" panose="02020603020101020101" pitchFamily="18" charset="-127"/>
+                <a:ea typeface="BM JUA OTF" panose="02020603020101020101" pitchFamily="18" charset="-127"/>
               </a:rPr>
               <a:t>A. Default Prediction</a:t>
             </a:r>
             <a:endParaRPr lang="en-KR" b="0" dirty="0">
-              <a:latin typeface="Varela Round" pitchFamily="2" charset="-79"/>
+              <a:latin typeface="BM JUA OTF" panose="02020603020101020101" pitchFamily="18" charset="-127"/>
+              <a:ea typeface="BM JUA OTF" panose="02020603020101020101" pitchFamily="18" charset="-127"/>
             </a:endParaRPr>
           </a:p>
           <a:p>
             <a:pPr lvl="2"/>
             <a:endParaRPr lang="en-KR" sz="1600" b="0" dirty="0">
-              <a:latin typeface="Varela Round" pitchFamily="2" charset="-79"/>
+              <a:latin typeface="BM JUA OTF" panose="02020603020101020101" pitchFamily="18" charset="-127"/>
+              <a:ea typeface="BM JUA OTF" panose="02020603020101020101" pitchFamily="18" charset="-127"/>
             </a:endParaRPr>
           </a:p>
           <a:p>
@@ -15792,7 +17808,8 @@
                 <a:solidFill>
                   <a:srgbClr val="0070C0"/>
                 </a:solidFill>
-                <a:latin typeface="Varela Round" pitchFamily="2" charset="-79"/>
+                <a:latin typeface="BM JUA OTF" panose="02020603020101020101" pitchFamily="18" charset="-127"/>
+                <a:ea typeface="BM JUA OTF" panose="02020603020101020101" pitchFamily="18" charset="-127"/>
               </a:rPr>
               <a:t>B. Weather, Traffic, Injury</a:t>
             </a:r>
@@ -15800,31 +17817,56 @@
               <a:solidFill>
                 <a:srgbClr val="0070C0"/>
               </a:solidFill>
-              <a:latin typeface="Varela Round" pitchFamily="2" charset="-79"/>
+              <a:latin typeface="BM JUA OTF" panose="02020603020101020101" pitchFamily="18" charset="-127"/>
+              <a:ea typeface="BM JUA OTF" panose="02020603020101020101" pitchFamily="18" charset="-127"/>
             </a:endParaRPr>
           </a:p>
           <a:p>
             <a:pPr marL="260350" lvl="1" indent="0">
               <a:buNone/>
             </a:pPr>
-            <a:endParaRPr lang="en-US" sz="1600" b="0" dirty="0"/>
+            <a:endParaRPr lang="en-US" sz="1600" b="0" dirty="0">
+              <a:latin typeface="BM JUA OTF" panose="02020603020101020101" pitchFamily="18" charset="-127"/>
+              <a:ea typeface="BM JUA OTF" panose="02020603020101020101" pitchFamily="18" charset="-127"/>
+            </a:endParaRPr>
           </a:p>
           <a:p>
             <a:r>
               <a:rPr lang="en-US" b="0" dirty="0">
-                <a:latin typeface="Varela Round" pitchFamily="2" charset="-79"/>
+                <a:latin typeface="BM JUA OTF" panose="02020603020101020101" pitchFamily="18" charset="-127"/>
+                <a:ea typeface="BM JUA OTF" panose="02020603020101020101" pitchFamily="18" charset="-127"/>
               </a:rPr>
               <a:t>C. Return to entire dataset</a:t>
             </a:r>
           </a:p>
           <a:p>
+            <a:pPr marL="260350" lvl="1" indent="0">
+              <a:buNone/>
+            </a:pPr>
+            <a:endParaRPr lang="en-US" altLang="ko-KR" sz="1600" b="0" dirty="0">
+              <a:latin typeface="BM JUA OTF" panose="02020603020101020101" pitchFamily="18" charset="-127"/>
+              <a:ea typeface="BM JUA OTF" panose="02020603020101020101" pitchFamily="18" charset="-127"/>
+            </a:endParaRPr>
+          </a:p>
+          <a:p>
+            <a:r>
+              <a:rPr lang="en-US" altLang="ko-KR" b="0" dirty="0">
+                <a:latin typeface="BM JUA OTF" panose="02020603020101020101" pitchFamily="18" charset="-127"/>
+                <a:ea typeface="BM JUA OTF" panose="02020603020101020101" pitchFamily="18" charset="-127"/>
+              </a:rPr>
+              <a:t>Appendix</a:t>
+            </a:r>
+          </a:p>
+          <a:p>
             <a:endParaRPr lang="en-US" b="0" dirty="0">
-              <a:latin typeface="Varela Round" pitchFamily="2" charset="-79"/>
+              <a:latin typeface="BM JUA OTF" panose="02020603020101020101" pitchFamily="18" charset="-127"/>
+              <a:ea typeface="BM JUA OTF" panose="02020603020101020101" pitchFamily="18" charset="-127"/>
             </a:endParaRPr>
           </a:p>
           <a:p>
             <a:endParaRPr lang="en-KR" b="0" dirty="0">
-              <a:latin typeface="Varela Round" pitchFamily="2" charset="-79"/>
+              <a:latin typeface="BM JUA OTF" panose="02020603020101020101" pitchFamily="18" charset="-127"/>
+              <a:ea typeface="BM JUA OTF" panose="02020603020101020101" pitchFamily="18" charset="-127"/>
             </a:endParaRPr>
           </a:p>
         </p:txBody>
@@ -15856,7 +17898,10 @@
           <a:lstStyle/>
           <a:p>
             <a:fld id="{EB02D1FF-6DD7-AC44-8165-5996AD7643D9}" type="slidenum">
-              <a:rPr lang="en-KR" smtClean="0"/>
+              <a:rPr lang="en-KR" smtClean="0">
+                <a:latin typeface="BM JUA OTF" panose="02020603020101020101" pitchFamily="18" charset="-127"/>
+                <a:ea typeface="BM JUA OTF" panose="02020603020101020101" pitchFamily="18" charset="-127"/>
+              </a:rPr>
               <a:pPr/>
               <a:t>9</a:t>
             </a:fld>
@@ -15864,6 +17909,8 @@
               <a:solidFill>
                 <a:schemeClr val="tx1"/>
               </a:solidFill>
+              <a:latin typeface="BM JUA OTF" panose="02020603020101020101" pitchFamily="18" charset="-127"/>
+              <a:ea typeface="BM JUA OTF" panose="02020603020101020101" pitchFamily="18" charset="-127"/>
             </a:endParaRPr>
           </a:p>
         </p:txBody>
